--- a/기말 프로젝트 제안서.pptx
+++ b/기말 프로젝트 제안서.pptx
@@ -9,10 +9,8 @@
     <p:sldId id="257" r:id="rId3"/>
     <p:sldId id="258" r:id="rId4"/>
     <p:sldId id="263" r:id="rId5"/>
-    <p:sldId id="264" r:id="rId6"/>
-    <p:sldId id="265" r:id="rId7"/>
-    <p:sldId id="266" r:id="rId8"/>
-    <p:sldId id="267" r:id="rId9"/>
+    <p:sldId id="267" r:id="rId6"/>
+    <p:sldId id="268" r:id="rId7"/>
   </p:sldIdLst>
   <p:sldSz cx="12192000" cy="6858000"/>
   <p:notesSz cx="6858000" cy="9144000"/>
@@ -111,6 +109,11 @@
       </a:defRPr>
     </a:lvl9pPr>
   </p:defaultTextStyle>
+  <p:extLst>
+    <p:ext uri="{EFAFB233-063F-42B5-8137-9DF3F51BA10A}">
+      <p15:sldGuideLst xmlns:p15="http://schemas.microsoft.com/office/powerpoint/2012/main"/>
+    </p:ext>
+  </p:extLst>
 </p:presentation>
 </file>
 
@@ -283,7 +286,7 @@
           <a:p>
             <a:fld id="{6C1EB08A-DCA4-4D2F-B31F-7BB9C7B1D7CF}" type="datetimeFigureOut">
               <a:rPr lang="ko-KR" altLang="en-US" smtClean="0"/>
-              <a:t>2024-05-22</a:t>
+              <a:t>2024-06-04</a:t>
             </a:fld>
             <a:endParaRPr lang="ko-KR" altLang="en-US"/>
           </a:p>
@@ -613,7 +616,7 @@
           <a:p>
             <a:fld id="{6C1EB08A-DCA4-4D2F-B31F-7BB9C7B1D7CF}" type="datetimeFigureOut">
               <a:rPr lang="ko-KR" altLang="en-US" smtClean="0"/>
-              <a:t>2024-05-22</a:t>
+              <a:t>2024-06-04</a:t>
             </a:fld>
             <a:endParaRPr lang="ko-KR" altLang="en-US"/>
           </a:p>
@@ -793,7 +796,7 @@
           <a:p>
             <a:fld id="{6C1EB08A-DCA4-4D2F-B31F-7BB9C7B1D7CF}" type="datetimeFigureOut">
               <a:rPr lang="ko-KR" altLang="en-US" smtClean="0"/>
-              <a:t>2024-05-22</a:t>
+              <a:t>2024-06-04</a:t>
             </a:fld>
             <a:endParaRPr lang="ko-KR" altLang="en-US"/>
           </a:p>
@@ -963,7 +966,7 @@
           <a:p>
             <a:fld id="{6C1EB08A-DCA4-4D2F-B31F-7BB9C7B1D7CF}" type="datetimeFigureOut">
               <a:rPr lang="ko-KR" altLang="en-US" smtClean="0"/>
-              <a:t>2024-05-22</a:t>
+              <a:t>2024-06-04</a:t>
             </a:fld>
             <a:endParaRPr lang="ko-KR" altLang="en-US"/>
           </a:p>
@@ -1240,7 +1243,7 @@
           <a:p>
             <a:fld id="{6C1EB08A-DCA4-4D2F-B31F-7BB9C7B1D7CF}" type="datetimeFigureOut">
               <a:rPr lang="ko-KR" altLang="en-US" smtClean="0"/>
-              <a:t>2024-05-22</a:t>
+              <a:t>2024-06-04</a:t>
             </a:fld>
             <a:endParaRPr lang="ko-KR" altLang="en-US"/>
           </a:p>
@@ -1634,7 +1637,7 @@
           <a:p>
             <a:fld id="{6C1EB08A-DCA4-4D2F-B31F-7BB9C7B1D7CF}" type="datetimeFigureOut">
               <a:rPr lang="ko-KR" altLang="en-US" smtClean="0"/>
-              <a:t>2024-05-22</a:t>
+              <a:t>2024-06-04</a:t>
             </a:fld>
             <a:endParaRPr lang="ko-KR" altLang="en-US"/>
           </a:p>
@@ -2111,7 +2114,7 @@
           <a:p>
             <a:fld id="{6C1EB08A-DCA4-4D2F-B31F-7BB9C7B1D7CF}" type="datetimeFigureOut">
               <a:rPr lang="ko-KR" altLang="en-US" smtClean="0"/>
-              <a:t>2024-05-22</a:t>
+              <a:t>2024-06-04</a:t>
             </a:fld>
             <a:endParaRPr lang="ko-KR" altLang="en-US"/>
           </a:p>
@@ -2229,7 +2232,7 @@
           <a:p>
             <a:fld id="{6C1EB08A-DCA4-4D2F-B31F-7BB9C7B1D7CF}" type="datetimeFigureOut">
               <a:rPr lang="ko-KR" altLang="en-US" smtClean="0"/>
-              <a:t>2024-05-22</a:t>
+              <a:t>2024-06-04</a:t>
             </a:fld>
             <a:endParaRPr lang="ko-KR" altLang="en-US"/>
           </a:p>
@@ -2324,7 +2327,7 @@
           <a:p>
             <a:fld id="{6C1EB08A-DCA4-4D2F-B31F-7BB9C7B1D7CF}" type="datetimeFigureOut">
               <a:rPr lang="ko-KR" altLang="en-US" smtClean="0"/>
-              <a:t>2024-05-22</a:t>
+              <a:t>2024-06-04</a:t>
             </a:fld>
             <a:endParaRPr lang="ko-KR" altLang="en-US"/>
           </a:p>
@@ -2670,7 +2673,7 @@
           <a:p>
             <a:fld id="{6C1EB08A-DCA4-4D2F-B31F-7BB9C7B1D7CF}" type="datetimeFigureOut">
               <a:rPr lang="ko-KR" altLang="en-US" smtClean="0"/>
-              <a:t>2024-05-22</a:t>
+              <a:t>2024-06-04</a:t>
             </a:fld>
             <a:endParaRPr lang="ko-KR" altLang="en-US"/>
           </a:p>
@@ -3058,7 +3061,7 @@
           <a:p>
             <a:fld id="{6C1EB08A-DCA4-4D2F-B31F-7BB9C7B1D7CF}" type="datetimeFigureOut">
               <a:rPr lang="ko-KR" altLang="en-US" smtClean="0"/>
-              <a:t>2024-05-22</a:t>
+              <a:t>2024-06-04</a:t>
             </a:fld>
             <a:endParaRPr lang="ko-KR" altLang="en-US"/>
           </a:p>
@@ -3336,7 +3339,7 @@
           <a:p>
             <a:fld id="{6C1EB08A-DCA4-4D2F-B31F-7BB9C7B1D7CF}" type="datetimeFigureOut">
               <a:rPr lang="ko-KR" altLang="en-US" smtClean="0"/>
-              <a:t>2024-05-22</a:t>
+              <a:t>2024-06-04</a:t>
             </a:fld>
             <a:endParaRPr lang="ko-KR" altLang="en-US"/>
           </a:p>
@@ -3924,8 +3927,8 @@
           </a:p>
           <a:p>
             <a:r>
-              <a:rPr lang="en-US" altLang="ko-KR" dirty="0"/>
-              <a:t>03</a:t>
+              <a:rPr lang="en-US" altLang="ko-KR"/>
+              <a:t>2021184029 03</a:t>
             </a:r>
             <a:r>
               <a:rPr lang="ko-KR" altLang="en-US" dirty="0"/>
@@ -3950,6 +3953,14 @@
 <file path=ppt/slides/slide2.xml><?xml version="1.0" encoding="utf-8"?>
 <p:sld xmlns:a="http://schemas.openxmlformats.org/drawingml/2006/main" xmlns:r="http://schemas.openxmlformats.org/officeDocument/2006/relationships" xmlns:p="http://schemas.openxmlformats.org/presentationml/2006/main">
   <p:cSld>
+    <p:bg>
+      <p:bgPr>
+        <a:solidFill>
+          <a:schemeClr val="bg2"/>
+        </a:solidFill>
+        <a:effectLst/>
+      </p:bgPr>
+    </p:bg>
     <p:spTree>
       <p:nvGrpSpPr>
         <p:cNvPr id="1" name=""/>
@@ -3964,6 +3975,66 @@
           <a:chExt cx="0" cy="0"/>
         </a:xfrm>
       </p:grpSpPr>
+      <p:sp useBgFill="1">
+        <p:nvSpPr>
+          <p:cNvPr id="1039" name="Rectangle 1034">
+            <a:extLst>
+              <a:ext uri="{FF2B5EF4-FFF2-40B4-BE49-F238E27FC236}">
+                <a16:creationId xmlns:a16="http://schemas.microsoft.com/office/drawing/2014/main" id="{825E602A-53EB-4CB1-9633-3EC058740ACD}"/>
+              </a:ext>
+              <a:ext uri="{C183D7F6-B498-43B3-948B-1728B52AA6E4}">
+                <adec:decorative xmlns:adec="http://schemas.microsoft.com/office/drawing/2017/decorative" val="1"/>
+              </a:ext>
+            </a:extLst>
+          </p:cNvPr>
+          <p:cNvSpPr>
+            <a:spLocks noGrp="1" noRot="1" noChangeAspect="1" noMove="1" noResize="1" noEditPoints="1" noAdjustHandles="1" noChangeArrowheads="1" noChangeShapeType="1" noTextEdit="1"/>
+          </p:cNvSpPr>
+          <p:nvPr>
+            <p:extLst>
+              <p:ext uri="{386F3935-93C4-4BCD-93E2-E3B085C9AB24}">
+                <p16:designElem xmlns:p16="http://schemas.microsoft.com/office/powerpoint/2015/main" val="1"/>
+              </p:ext>
+            </p:extLst>
+          </p:nvPr>
+        </p:nvSpPr>
+        <p:spPr>
+          <a:xfrm>
+            <a:off x="0" y="0"/>
+            <a:ext cx="12192000" cy="6858000"/>
+          </a:xfrm>
+          <a:prstGeom prst="rect">
+            <a:avLst/>
+          </a:prstGeom>
+          <a:ln>
+            <a:noFill/>
+          </a:ln>
+        </p:spPr>
+        <p:style>
+          <a:lnRef idx="2">
+            <a:schemeClr val="accent1">
+              <a:shade val="50000"/>
+            </a:schemeClr>
+          </a:lnRef>
+          <a:fillRef idx="1">
+            <a:schemeClr val="accent1"/>
+          </a:fillRef>
+          <a:effectRef idx="0">
+            <a:schemeClr val="accent1"/>
+          </a:effectRef>
+          <a:fontRef idx="minor">
+            <a:schemeClr val="lt1"/>
+          </a:fontRef>
+        </p:style>
+        <p:txBody>
+          <a:bodyPr rtlCol="0" anchor="ctr"/>
+          <a:lstStyle/>
+          <a:p>
+            <a:pPr algn="ctr"/>
+            <a:endParaRPr lang="en-US"/>
+          </a:p>
+        </p:txBody>
+      </p:sp>
       <p:sp>
         <p:nvSpPr>
           <p:cNvPr id="2" name="제목 1">
@@ -3980,15 +4051,184 @@
             <p:ph type="title"/>
           </p:nvPr>
         </p:nvSpPr>
-        <p:spPr/>
+        <p:spPr>
+          <a:xfrm>
+            <a:off x="5100824" y="685800"/>
+            <a:ext cx="6176776" cy="1485900"/>
+          </a:xfrm>
+        </p:spPr>
+        <p:txBody>
+          <a:bodyPr>
+            <a:normAutofit/>
+          </a:bodyPr>
+          <a:lstStyle/>
+          <a:p>
+            <a:r>
+              <a:rPr lang="ko-KR" altLang="en-US" dirty="0"/>
+              <a:t>게임 설명</a:t>
+            </a:r>
+          </a:p>
+        </p:txBody>
+      </p:sp>
+      <p:pic>
+        <p:nvPicPr>
+          <p:cNvPr id="1030" name="Picture 6" descr="쿠키런: 오븐브레이크">
+            <a:extLst>
+              <a:ext uri="{FF2B5EF4-FFF2-40B4-BE49-F238E27FC236}">
+                <a16:creationId xmlns:a16="http://schemas.microsoft.com/office/drawing/2014/main" id="{9EC1837D-4B4A-6DC1-0F4B-8AD414E56F94}"/>
+              </a:ext>
+            </a:extLst>
+          </p:cNvPr>
+          <p:cNvPicPr>
+            <a:picLocks noChangeAspect="1" noChangeArrowheads="1"/>
+          </p:cNvPicPr>
+          <p:nvPr/>
+        </p:nvPicPr>
+        <p:blipFill>
+          <a:blip r:embed="rId2">
+            <a:extLst>
+              <a:ext uri="{28A0092B-C50C-407E-A947-70E740481C1C}">
+                <a14:useLocalDpi xmlns:a14="http://schemas.microsoft.com/office/drawing/2010/main" val="0"/>
+              </a:ext>
+            </a:extLst>
+          </a:blip>
+          <a:stretch>
+            <a:fillRect/>
+          </a:stretch>
+        </p:blipFill>
+        <p:spPr bwMode="auto">
+          <a:xfrm>
+            <a:off x="321731" y="3928301"/>
+            <a:ext cx="3730079" cy="2098169"/>
+          </a:xfrm>
+          <a:prstGeom prst="rect">
+            <a:avLst/>
+          </a:prstGeom>
+          <a:noFill/>
+          <a:ln>
+            <a:noFill/>
+          </a:ln>
+          <a:effectLst/>
+          <a:extLst>
+            <a:ext uri="{909E8E84-426E-40DD-AFC4-6F175D3DCCD1}">
+              <a14:hiddenFill xmlns:a14="http://schemas.microsoft.com/office/drawing/2010/main">
+                <a:solidFill>
+                  <a:srgbClr val="FFFFFF"/>
+                </a:solidFill>
+              </a14:hiddenFill>
+            </a:ext>
+          </a:extLst>
+        </p:spPr>
+      </p:pic>
+      <p:pic>
+        <p:nvPicPr>
+          <p:cNvPr id="4" name="Picture 2" descr="쿠키런">
+            <a:extLst>
+              <a:ext uri="{FF2B5EF4-FFF2-40B4-BE49-F238E27FC236}">
+                <a16:creationId xmlns:a16="http://schemas.microsoft.com/office/drawing/2014/main" id="{165FC075-71AA-653A-767B-1AE309BB845F}"/>
+              </a:ext>
+            </a:extLst>
+          </p:cNvPr>
+          <p:cNvPicPr>
+            <a:picLocks noChangeAspect="1" noChangeArrowheads="1"/>
+          </p:cNvPicPr>
+          <p:nvPr/>
+        </p:nvPicPr>
+        <p:blipFill>
+          <a:blip r:embed="rId3">
+            <a:extLst>
+              <a:ext uri="{28A0092B-C50C-407E-A947-70E740481C1C}">
+                <a14:useLocalDpi xmlns:a14="http://schemas.microsoft.com/office/drawing/2010/main" val="0"/>
+              </a:ext>
+            </a:extLst>
+          </a:blip>
+          <a:stretch>
+            <a:fillRect/>
+          </a:stretch>
+        </p:blipFill>
+        <p:spPr bwMode="auto">
+          <a:xfrm>
+            <a:off x="321731" y="1017253"/>
+            <a:ext cx="3730079" cy="2079519"/>
+          </a:xfrm>
+          <a:prstGeom prst="rect">
+            <a:avLst/>
+          </a:prstGeom>
+          <a:noFill/>
+          <a:ln>
+            <a:noFill/>
+          </a:ln>
+          <a:effectLst/>
+          <a:extLst>
+            <a:ext uri="{909E8E84-426E-40DD-AFC4-6F175D3DCCD1}">
+              <a14:hiddenFill xmlns:a14="http://schemas.microsoft.com/office/drawing/2010/main">
+                <a:solidFill>
+                  <a:srgbClr val="FFFFFF"/>
+                </a:solidFill>
+              </a14:hiddenFill>
+            </a:ext>
+          </a:extLst>
+        </p:spPr>
+      </p:pic>
+      <p:sp>
+        <p:nvSpPr>
+          <p:cNvPr id="1040" name="Rectangle 1036">
+            <a:extLst>
+              <a:ext uri="{FF2B5EF4-FFF2-40B4-BE49-F238E27FC236}">
+                <a16:creationId xmlns:a16="http://schemas.microsoft.com/office/drawing/2014/main" id="{E832F3F2-2294-4A8D-ABDC-234B853C7CF9}"/>
+              </a:ext>
+              <a:ext uri="{C183D7F6-B498-43B3-948B-1728B52AA6E4}">
+                <adec:decorative xmlns:adec="http://schemas.microsoft.com/office/drawing/2017/decorative" val="1"/>
+              </a:ext>
+            </a:extLst>
+          </p:cNvPr>
+          <p:cNvSpPr>
+            <a:spLocks noGrp="1" noRot="1" noChangeAspect="1" noMove="1" noResize="1" noEditPoints="1" noAdjustHandles="1" noChangeArrowheads="1" noChangeShapeType="1" noTextEdit="1"/>
+          </p:cNvSpPr>
+          <p:nvPr>
+            <p:extLst>
+              <p:ext uri="{386F3935-93C4-4BCD-93E2-E3B085C9AB24}">
+                <p16:designElem xmlns:p16="http://schemas.microsoft.com/office/powerpoint/2015/main" val="1"/>
+              </p:ext>
+            </p:extLst>
+          </p:nvPr>
+        </p:nvSpPr>
+        <p:spPr>
+          <a:xfrm>
+            <a:off x="4373545" y="376"/>
+            <a:ext cx="228600" cy="6858000"/>
+          </a:xfrm>
+          <a:prstGeom prst="rect">
+            <a:avLst/>
+          </a:prstGeom>
+          <a:solidFill>
+            <a:schemeClr val="tx2"/>
+          </a:solidFill>
+          <a:ln>
+            <a:noFill/>
+          </a:ln>
+        </p:spPr>
+        <p:style>
+          <a:lnRef idx="2">
+            <a:schemeClr val="accent1">
+              <a:shade val="50000"/>
+            </a:schemeClr>
+          </a:lnRef>
+          <a:fillRef idx="1">
+            <a:schemeClr val="accent1"/>
+          </a:fillRef>
+          <a:effectRef idx="0">
+            <a:schemeClr val="accent1"/>
+          </a:effectRef>
+          <a:fontRef idx="minor">
+            <a:schemeClr val="lt1"/>
+          </a:fontRef>
+        </p:style>
         <p:txBody>
           <a:bodyPr/>
           <a:lstStyle/>
           <a:p>
-            <a:r>
-              <a:rPr lang="ko-KR" altLang="en-US" dirty="0"/>
-              <a:t>게임 설명</a:t>
-            </a:r>
+            <a:endParaRPr lang="ko-KR" altLang="en-US"/>
           </a:p>
         </p:txBody>
       </p:sp>
@@ -4010,8 +4250,8 @@
         </p:nvSpPr>
         <p:spPr>
           <a:xfrm>
-            <a:off x="5943600" y="1825625"/>
-            <a:ext cx="5410200" cy="4351338"/>
+            <a:off x="5100824" y="2286000"/>
+            <a:ext cx="6176776" cy="3581400"/>
           </a:xfrm>
         </p:spPr>
         <p:txBody>
@@ -4021,211 +4261,43 @@
           <a:lstStyle/>
           <a:p>
             <a:r>
-              <a:rPr lang="ko-KR" altLang="en-US" sz="2400" dirty="0"/>
-              <a:t>만져라 메이드 인 </a:t>
-            </a:r>
-            <a:r>
-              <a:rPr lang="ko-KR" altLang="en-US" sz="2400" dirty="0" err="1"/>
-              <a:t>와리오</a:t>
-            </a:r>
-            <a:endParaRPr lang="en-US" altLang="ko-KR" sz="2400" dirty="0"/>
-          </a:p>
-          <a:p>
-            <a:endParaRPr lang="en-US" altLang="ko-KR" sz="2400" dirty="0"/>
-          </a:p>
-          <a:p>
-            <a:r>
-              <a:rPr lang="en-US" altLang="ko-KR" sz="2400" dirty="0"/>
-              <a:t>5</a:t>
-            </a:r>
-            <a:r>
-              <a:rPr lang="ko-KR" altLang="en-US" sz="2400" dirty="0"/>
-              <a:t>초 이내에 미니게임을 클리어</a:t>
-            </a:r>
-            <a:r>
-              <a:rPr lang="en-US" altLang="ko-KR" sz="2400" dirty="0"/>
-              <a:t>.</a:t>
-            </a:r>
-          </a:p>
-          <a:p>
-            <a:endParaRPr lang="en-US" altLang="ko-KR" sz="2400" dirty="0"/>
-          </a:p>
-          <a:p>
-            <a:r>
-              <a:rPr lang="ko-KR" altLang="en-US" sz="2400" dirty="0"/>
-              <a:t>만약 클리어하지 못하면</a:t>
-            </a:r>
-            <a:r>
-              <a:rPr lang="en-US" altLang="ko-KR" sz="2400" dirty="0"/>
-              <a:t> </a:t>
-            </a:r>
-            <a:r>
-              <a:rPr lang="ko-KR" altLang="en-US" sz="2400" dirty="0"/>
-              <a:t>목숨</a:t>
-            </a:r>
-            <a:r>
-              <a:rPr lang="en-US" altLang="ko-KR" sz="2400" dirty="0"/>
-              <a:t>	   (</a:t>
-            </a:r>
-            <a:r>
-              <a:rPr lang="ko-KR" altLang="en-US" sz="2400" dirty="0"/>
-              <a:t>기본 </a:t>
-            </a:r>
-            <a:r>
-              <a:rPr lang="en-US" altLang="ko-KR" sz="2400" dirty="0"/>
-              <a:t>4</a:t>
-            </a:r>
-            <a:r>
-              <a:rPr lang="ko-KR" altLang="en-US" sz="2400" dirty="0"/>
-              <a:t>개</a:t>
-            </a:r>
-            <a:r>
-              <a:rPr lang="en-US" altLang="ko-KR" sz="2400" dirty="0"/>
-              <a:t>)</a:t>
-            </a:r>
-            <a:r>
-              <a:rPr lang="ko-KR" altLang="en-US" sz="2400" dirty="0"/>
-              <a:t>이 줄어 </a:t>
-            </a:r>
-            <a:r>
-              <a:rPr lang="ko-KR" altLang="en-US" sz="2400" dirty="0" err="1"/>
-              <a:t>듬</a:t>
-            </a:r>
-            <a:endParaRPr lang="en-US" altLang="ko-KR" sz="2400" dirty="0"/>
-          </a:p>
-          <a:p>
-            <a:endParaRPr lang="en-US" altLang="ko-KR" sz="2400" dirty="0"/>
-          </a:p>
-          <a:p>
-            <a:r>
-              <a:rPr lang="ko-KR" altLang="en-US" sz="2400" dirty="0"/>
-              <a:t>모든 목숨이 소진되면 게임오버</a:t>
-            </a:r>
-            <a:endParaRPr lang="en-US" altLang="ko-KR" sz="2400" dirty="0"/>
-          </a:p>
-        </p:txBody>
-      </p:sp>
-      <p:pic>
-        <p:nvPicPr>
-          <p:cNvPr id="1026" name="Picture 2" descr="Nintendo 만져라! 메이드 인 와리오 NDS (중고) : 다나와 가격비교">
-            <a:extLst>
-              <a:ext uri="{FF2B5EF4-FFF2-40B4-BE49-F238E27FC236}">
-                <a16:creationId xmlns:a16="http://schemas.microsoft.com/office/drawing/2014/main" id="{8685CEFB-3E46-87C0-2E08-3EE1A291F19D}"/>
-              </a:ext>
-            </a:extLst>
-          </p:cNvPr>
-          <p:cNvPicPr>
-            <a:picLocks noChangeAspect="1" noChangeArrowheads="1"/>
-          </p:cNvPicPr>
-          <p:nvPr/>
-        </p:nvPicPr>
-        <p:blipFill rotWithShape="1">
-          <a:blip r:embed="rId2">
-            <a:extLst>
-              <a:ext uri="{28A0092B-C50C-407E-A947-70E740481C1C}">
-                <a14:useLocalDpi xmlns:a14="http://schemas.microsoft.com/office/drawing/2010/main" val="0"/>
-              </a:ext>
-            </a:extLst>
-          </a:blip>
-          <a:srcRect l="16642" t="38703" r="18338"/>
-          <a:stretch/>
-        </p:blipFill>
-        <p:spPr bwMode="auto">
-          <a:xfrm>
-            <a:off x="371958" y="3975316"/>
-            <a:ext cx="2603715" cy="2454625"/>
-          </a:xfrm>
-          <a:prstGeom prst="rect">
-            <a:avLst/>
-          </a:prstGeom>
-          <a:noFill/>
-          <a:extLst>
-            <a:ext uri="{909E8E84-426E-40DD-AFC4-6F175D3DCCD1}">
-              <a14:hiddenFill xmlns:a14="http://schemas.microsoft.com/office/drawing/2010/main">
-                <a:solidFill>
-                  <a:srgbClr val="FFFFFF"/>
-                </a:solidFill>
-              </a14:hiddenFill>
-            </a:ext>
-          </a:extLst>
-        </p:spPr>
-      </p:pic>
-      <p:pic>
-        <p:nvPicPr>
-          <p:cNvPr id="5" name="그림 4">
-            <a:extLst>
-              <a:ext uri="{FF2B5EF4-FFF2-40B4-BE49-F238E27FC236}">
-                <a16:creationId xmlns:a16="http://schemas.microsoft.com/office/drawing/2014/main" id="{B2A20270-8BB3-4B5C-5F11-63F71D94EE5A}"/>
-              </a:ext>
-            </a:extLst>
-          </p:cNvPr>
-          <p:cNvPicPr>
-            <a:picLocks noChangeAspect="1"/>
-          </p:cNvPicPr>
-          <p:nvPr/>
-        </p:nvPicPr>
-        <p:blipFill rotWithShape="1">
-          <a:blip r:embed="rId3"/>
-          <a:srcRect l="26001" t="17623" r="49967" b="16957"/>
-          <a:stretch/>
-        </p:blipFill>
-        <p:spPr>
-          <a:xfrm>
-            <a:off x="3219772" y="2632855"/>
-            <a:ext cx="2479729" cy="3797086"/>
-          </a:xfrm>
-          <a:prstGeom prst="rect">
-            <a:avLst/>
-          </a:prstGeom>
-        </p:spPr>
-      </p:pic>
-      <p:pic>
-        <p:nvPicPr>
-          <p:cNvPr id="1028" name="Picture 4" descr="Nintendo 만져라! 메이드 인 와리오 NDS (중고) : 다나와 가격비교">
-            <a:extLst>
-              <a:ext uri="{FF2B5EF4-FFF2-40B4-BE49-F238E27FC236}">
-                <a16:creationId xmlns:a16="http://schemas.microsoft.com/office/drawing/2014/main" id="{3642C91A-4B5D-E153-AAB9-6945668A43DC}"/>
-              </a:ext>
-            </a:extLst>
-          </p:cNvPr>
-          <p:cNvPicPr>
-            <a:picLocks noChangeAspect="1" noChangeArrowheads="1"/>
-          </p:cNvPicPr>
-          <p:nvPr/>
-        </p:nvPicPr>
-        <p:blipFill>
-          <a:blip r:embed="rId4">
-            <a:extLst>
-              <a:ext uri="{28A0092B-C50C-407E-A947-70E740481C1C}">
-                <a14:useLocalDpi xmlns:a14="http://schemas.microsoft.com/office/drawing/2010/main" val="0"/>
-              </a:ext>
-            </a:extLst>
-          </a:blip>
-          <a:srcRect/>
-          <a:stretch>
-            <a:fillRect/>
-          </a:stretch>
-        </p:blipFill>
-        <p:spPr bwMode="auto">
-          <a:xfrm>
-            <a:off x="371958" y="1576548"/>
-            <a:ext cx="2479729" cy="2112613"/>
-          </a:xfrm>
-          <a:prstGeom prst="rect">
-            <a:avLst/>
-          </a:prstGeom>
-          <a:noFill/>
-          <a:extLst>
-            <a:ext uri="{909E8E84-426E-40DD-AFC4-6F175D3DCCD1}">
-              <a14:hiddenFill xmlns:a14="http://schemas.microsoft.com/office/drawing/2010/main">
-                <a:solidFill>
-                  <a:srgbClr val="FFFFFF"/>
-                </a:solidFill>
-              </a14:hiddenFill>
-            </a:ext>
-          </a:extLst>
-        </p:spPr>
-      </p:pic>
+              <a:rPr lang="ko-KR" altLang="en-US" dirty="0" err="1"/>
+              <a:t>쿠키런</a:t>
+            </a:r>
+            <a:endParaRPr lang="en-US" altLang="ko-KR" dirty="0"/>
+          </a:p>
+          <a:p>
+            <a:endParaRPr lang="en-US" altLang="ko-KR" dirty="0"/>
+          </a:p>
+          <a:p>
+            <a:r>
+              <a:rPr lang="ko-KR" altLang="en-US" dirty="0"/>
+              <a:t>스페이스 바와 마우스로 조작</a:t>
+            </a:r>
+            <a:endParaRPr lang="en-US" altLang="ko-KR" dirty="0"/>
+          </a:p>
+          <a:p>
+            <a:endParaRPr lang="en-US" altLang="ko-KR" dirty="0"/>
+          </a:p>
+          <a:p>
+            <a:r>
+              <a:rPr lang="ko-KR" altLang="en-US" dirty="0"/>
+              <a:t>죽지 않고 목표지점까지 캐릭터를 보내는 게임</a:t>
+            </a:r>
+            <a:endParaRPr lang="en-US" altLang="ko-KR" dirty="0"/>
+          </a:p>
+          <a:p>
+            <a:endParaRPr lang="en-US" altLang="ko-KR" dirty="0"/>
+          </a:p>
+          <a:p>
+            <a:r>
+              <a:rPr lang="ko-KR" altLang="en-US" dirty="0"/>
+              <a:t>점프와 아이템으로 자동 이동하는 캐릭터를 살리는 게임</a:t>
+            </a:r>
+            <a:endParaRPr lang="en-US" altLang="ko-KR" dirty="0"/>
+          </a:p>
+        </p:txBody>
+      </p:sp>
     </p:spTree>
     <p:extLst>
       <p:ext uri="{BB962C8B-B14F-4D97-AF65-F5344CB8AC3E}">
@@ -4393,7 +4465,7 @@
           <a:p>
             <a:r>
               <a:rPr lang="ko-KR" altLang="en-US" dirty="0"/>
-              <a:t>게임 예시</a:t>
+              <a:t>메인 화면</a:t>
             </a:r>
           </a:p>
         </p:txBody>
@@ -4957,120 +5029,6 @@
       </p:grpSpPr>
       <p:sp>
         <p:nvSpPr>
-          <p:cNvPr id="8" name="직사각형 7">
-            <a:extLst>
-              <a:ext uri="{FF2B5EF4-FFF2-40B4-BE49-F238E27FC236}">
-                <a16:creationId xmlns:a16="http://schemas.microsoft.com/office/drawing/2014/main" id="{9298D914-98B3-43C2-F4C6-ABC4E9E3AE33}"/>
-              </a:ext>
-            </a:extLst>
-          </p:cNvPr>
-          <p:cNvSpPr/>
-          <p:nvPr/>
-        </p:nvSpPr>
-        <p:spPr>
-          <a:xfrm>
-            <a:off x="5586983" y="3580574"/>
-            <a:ext cx="6310574" cy="3075026"/>
-          </a:xfrm>
-          <a:prstGeom prst="rect">
-            <a:avLst/>
-          </a:prstGeom>
-          <a:solidFill>
-            <a:schemeClr val="bg1">
-              <a:lumMod val="50000"/>
-            </a:schemeClr>
-          </a:solidFill>
-          <a:ln>
-            <a:solidFill>
-              <a:schemeClr val="tx1"/>
-            </a:solidFill>
-          </a:ln>
-        </p:spPr>
-        <p:style>
-          <a:lnRef idx="2">
-            <a:schemeClr val="accent1">
-              <a:shade val="15000"/>
-            </a:schemeClr>
-          </a:lnRef>
-          <a:fillRef idx="1">
-            <a:schemeClr val="accent1"/>
-          </a:fillRef>
-          <a:effectRef idx="0">
-            <a:schemeClr val="accent1"/>
-          </a:effectRef>
-          <a:fontRef idx="minor">
-            <a:schemeClr val="lt1"/>
-          </a:fontRef>
-        </p:style>
-        <p:txBody>
-          <a:bodyPr rtlCol="0" anchor="ctr"/>
-          <a:lstStyle/>
-          <a:p>
-            <a:pPr algn="ctr"/>
-            <a:endParaRPr lang="ko-KR" altLang="en-US"/>
-          </a:p>
-        </p:txBody>
-      </p:sp>
-      <p:sp>
-        <p:nvSpPr>
-          <p:cNvPr id="9" name="직사각형 8">
-            <a:extLst>
-              <a:ext uri="{FF2B5EF4-FFF2-40B4-BE49-F238E27FC236}">
-                <a16:creationId xmlns:a16="http://schemas.microsoft.com/office/drawing/2014/main" id="{690161B1-05E3-2228-955B-F5B31F8B3E7F}"/>
-              </a:ext>
-            </a:extLst>
-          </p:cNvPr>
-          <p:cNvSpPr/>
-          <p:nvPr/>
-        </p:nvSpPr>
-        <p:spPr>
-          <a:xfrm>
-            <a:off x="6619450" y="3836590"/>
-            <a:ext cx="4245639" cy="559292"/>
-          </a:xfrm>
-          <a:prstGeom prst="rect">
-            <a:avLst/>
-          </a:prstGeom>
-          <a:solidFill>
-            <a:schemeClr val="tx1">
-              <a:lumMod val="75000"/>
-              <a:lumOff val="25000"/>
-            </a:schemeClr>
-          </a:solidFill>
-          <a:ln>
-            <a:noFill/>
-          </a:ln>
-        </p:spPr>
-        <p:style>
-          <a:lnRef idx="2">
-            <a:schemeClr val="accent1">
-              <a:shade val="15000"/>
-            </a:schemeClr>
-          </a:lnRef>
-          <a:fillRef idx="1">
-            <a:schemeClr val="accent1"/>
-          </a:fillRef>
-          <a:effectRef idx="0">
-            <a:schemeClr val="accent1"/>
-          </a:effectRef>
-          <a:fontRef idx="minor">
-            <a:schemeClr val="lt1"/>
-          </a:fontRef>
-        </p:style>
-        <p:txBody>
-          <a:bodyPr rtlCol="0" anchor="ctr"/>
-          <a:lstStyle/>
-          <a:p>
-            <a:pPr algn="ctr"/>
-            <a:r>
-              <a:rPr lang="ko-KR" altLang="en-US" dirty="0"/>
-              <a:t>일시정지</a:t>
-            </a:r>
-          </a:p>
-        </p:txBody>
-      </p:sp>
-      <p:sp>
-        <p:nvSpPr>
           <p:cNvPr id="2" name="제목 1">
             <a:extLst>
               <a:ext uri="{FF2B5EF4-FFF2-40B4-BE49-F238E27FC236}">
@@ -5092,64 +5050,8 @@
           <a:p>
             <a:r>
               <a:rPr lang="ko-KR" altLang="en-US" dirty="0"/>
-              <a:t>게임 예시</a:t>
-            </a:r>
-          </a:p>
-        </p:txBody>
-      </p:sp>
-      <p:sp>
-        <p:nvSpPr>
-          <p:cNvPr id="4" name="직사각형 3">
-            <a:extLst>
-              <a:ext uri="{FF2B5EF4-FFF2-40B4-BE49-F238E27FC236}">
-                <a16:creationId xmlns:a16="http://schemas.microsoft.com/office/drawing/2014/main" id="{F78D49A3-7F21-3801-0201-8F5CE198A4F9}"/>
-              </a:ext>
-            </a:extLst>
-          </p:cNvPr>
-          <p:cNvSpPr/>
-          <p:nvPr/>
-        </p:nvSpPr>
-        <p:spPr>
-          <a:xfrm>
-            <a:off x="578498" y="1576873"/>
-            <a:ext cx="6310574" cy="3075026"/>
-          </a:xfrm>
-          <a:prstGeom prst="rect">
-            <a:avLst/>
-          </a:prstGeom>
-          <a:solidFill>
-            <a:schemeClr val="bg1">
-              <a:lumMod val="50000"/>
-            </a:schemeClr>
-          </a:solidFill>
-          <a:ln>
-            <a:solidFill>
-              <a:schemeClr val="tx1"/>
-            </a:solidFill>
-          </a:ln>
-        </p:spPr>
-        <p:style>
-          <a:lnRef idx="2">
-            <a:schemeClr val="accent1">
-              <a:shade val="15000"/>
-            </a:schemeClr>
-          </a:lnRef>
-          <a:fillRef idx="1">
-            <a:schemeClr val="accent1"/>
-          </a:fillRef>
-          <a:effectRef idx="0">
-            <a:schemeClr val="accent1"/>
-          </a:effectRef>
-          <a:fontRef idx="minor">
-            <a:schemeClr val="lt1"/>
-          </a:fontRef>
-        </p:style>
-        <p:txBody>
-          <a:bodyPr rtlCol="0" anchor="ctr"/>
-          <a:lstStyle/>
-          <a:p>
-            <a:pPr algn="ctr"/>
-            <a:endParaRPr lang="ko-KR" altLang="en-US"/>
+              <a:t>일시정지 기능</a:t>
+            </a:r>
           </a:p>
         </p:txBody>
       </p:sp>
@@ -5231,7 +5133,6 @@
           </p:cNvPr>
           <p:cNvCxnSpPr>
             <a:cxnSpLocks/>
-            <a:stCxn id="4" idx="2"/>
           </p:cNvCxnSpPr>
           <p:nvPr/>
         </p:nvCxnSpPr>
@@ -5319,272 +5220,6 @@
       </p:cxnSp>
       <p:sp>
         <p:nvSpPr>
-          <p:cNvPr id="3" name="직사각형 2">
-            <a:extLst>
-              <a:ext uri="{FF2B5EF4-FFF2-40B4-BE49-F238E27FC236}">
-                <a16:creationId xmlns:a16="http://schemas.microsoft.com/office/drawing/2014/main" id="{D9EDF661-66B2-9F68-2B34-4F0044E2A740}"/>
-              </a:ext>
-            </a:extLst>
-          </p:cNvPr>
-          <p:cNvSpPr/>
-          <p:nvPr/>
-        </p:nvSpPr>
-        <p:spPr>
-          <a:xfrm>
-            <a:off x="2917039" y="2056642"/>
-            <a:ext cx="1633491" cy="639192"/>
-          </a:xfrm>
-          <a:prstGeom prst="rect">
-            <a:avLst/>
-          </a:prstGeom>
-        </p:spPr>
-        <p:style>
-          <a:lnRef idx="2">
-            <a:schemeClr val="accent1">
-              <a:shade val="15000"/>
-            </a:schemeClr>
-          </a:lnRef>
-          <a:fillRef idx="1">
-            <a:schemeClr val="accent1"/>
-          </a:fillRef>
-          <a:effectRef idx="0">
-            <a:schemeClr val="accent1"/>
-          </a:effectRef>
-          <a:fontRef idx="minor">
-            <a:schemeClr val="lt1"/>
-          </a:fontRef>
-        </p:style>
-        <p:txBody>
-          <a:bodyPr rtlCol="0" anchor="ctr"/>
-          <a:lstStyle/>
-          <a:p>
-            <a:pPr algn="ctr"/>
-            <a:r>
-              <a:rPr lang="en-US" altLang="ko-KR" dirty="0"/>
-              <a:t>STAGE 1</a:t>
-            </a:r>
-            <a:endParaRPr lang="ko-KR" altLang="en-US" dirty="0"/>
-          </a:p>
-        </p:txBody>
-      </p:sp>
-      <p:sp>
-        <p:nvSpPr>
-          <p:cNvPr id="12" name="하트 11">
-            <a:extLst>
-              <a:ext uri="{FF2B5EF4-FFF2-40B4-BE49-F238E27FC236}">
-                <a16:creationId xmlns:a16="http://schemas.microsoft.com/office/drawing/2014/main" id="{D5DFC982-93BB-CD1E-FD9B-9C572734FB54}"/>
-              </a:ext>
-            </a:extLst>
-          </p:cNvPr>
-          <p:cNvSpPr/>
-          <p:nvPr/>
-        </p:nvSpPr>
-        <p:spPr>
-          <a:xfrm>
-            <a:off x="1782933" y="3108063"/>
-            <a:ext cx="798991" cy="719091"/>
-          </a:xfrm>
-          <a:prstGeom prst="heart">
-            <a:avLst/>
-          </a:prstGeom>
-          <a:solidFill>
-            <a:schemeClr val="accent6">
-              <a:lumMod val="75000"/>
-            </a:schemeClr>
-          </a:solidFill>
-          <a:ln>
-            <a:noFill/>
-          </a:ln>
-        </p:spPr>
-        <p:style>
-          <a:lnRef idx="2">
-            <a:schemeClr val="accent1">
-              <a:shade val="15000"/>
-            </a:schemeClr>
-          </a:lnRef>
-          <a:fillRef idx="1">
-            <a:schemeClr val="accent1"/>
-          </a:fillRef>
-          <a:effectRef idx="0">
-            <a:schemeClr val="accent1"/>
-          </a:effectRef>
-          <a:fontRef idx="minor">
-            <a:schemeClr val="lt1"/>
-          </a:fontRef>
-        </p:style>
-        <p:txBody>
-          <a:bodyPr rtlCol="0" anchor="ctr"/>
-          <a:lstStyle/>
-          <a:p>
-            <a:pPr algn="ctr"/>
-            <a:endParaRPr lang="ko-KR" altLang="en-US"/>
-          </a:p>
-        </p:txBody>
-      </p:sp>
-      <p:sp>
-        <p:nvSpPr>
-          <p:cNvPr id="13" name="하트 12">
-            <a:extLst>
-              <a:ext uri="{FF2B5EF4-FFF2-40B4-BE49-F238E27FC236}">
-                <a16:creationId xmlns:a16="http://schemas.microsoft.com/office/drawing/2014/main" id="{CA7D274A-2D47-B333-47CD-52EFF2E832A0}"/>
-              </a:ext>
-            </a:extLst>
-          </p:cNvPr>
-          <p:cNvSpPr/>
-          <p:nvPr/>
-        </p:nvSpPr>
-        <p:spPr>
-          <a:xfrm>
-            <a:off x="2867584" y="3127725"/>
-            <a:ext cx="798991" cy="719091"/>
-          </a:xfrm>
-          <a:prstGeom prst="heart">
-            <a:avLst/>
-          </a:prstGeom>
-          <a:solidFill>
-            <a:schemeClr val="accent6">
-              <a:lumMod val="75000"/>
-            </a:schemeClr>
-          </a:solidFill>
-          <a:ln>
-            <a:noFill/>
-          </a:ln>
-        </p:spPr>
-        <p:style>
-          <a:lnRef idx="2">
-            <a:schemeClr val="accent1">
-              <a:shade val="15000"/>
-            </a:schemeClr>
-          </a:lnRef>
-          <a:fillRef idx="1">
-            <a:schemeClr val="accent1"/>
-          </a:fillRef>
-          <a:effectRef idx="0">
-            <a:schemeClr val="accent1"/>
-          </a:effectRef>
-          <a:fontRef idx="minor">
-            <a:schemeClr val="lt1"/>
-          </a:fontRef>
-        </p:style>
-        <p:txBody>
-          <a:bodyPr rtlCol="0" anchor="ctr"/>
-          <a:lstStyle/>
-          <a:p>
-            <a:pPr algn="ctr"/>
-            <a:endParaRPr lang="ko-KR" altLang="en-US"/>
-          </a:p>
-        </p:txBody>
-      </p:sp>
-      <p:sp>
-        <p:nvSpPr>
-          <p:cNvPr id="14" name="하트 13">
-            <a:extLst>
-              <a:ext uri="{FF2B5EF4-FFF2-40B4-BE49-F238E27FC236}">
-                <a16:creationId xmlns:a16="http://schemas.microsoft.com/office/drawing/2014/main" id="{E059E4E5-92B0-6C74-CF8E-59D82A014F29}"/>
-              </a:ext>
-            </a:extLst>
-          </p:cNvPr>
-          <p:cNvSpPr/>
-          <p:nvPr/>
-        </p:nvSpPr>
-        <p:spPr>
-          <a:xfrm>
-            <a:off x="3952235" y="3127725"/>
-            <a:ext cx="798991" cy="719091"/>
-          </a:xfrm>
-          <a:prstGeom prst="heart">
-            <a:avLst/>
-          </a:prstGeom>
-          <a:solidFill>
-            <a:schemeClr val="accent6">
-              <a:lumMod val="75000"/>
-            </a:schemeClr>
-          </a:solidFill>
-          <a:ln>
-            <a:noFill/>
-          </a:ln>
-        </p:spPr>
-        <p:style>
-          <a:lnRef idx="2">
-            <a:schemeClr val="accent1">
-              <a:shade val="15000"/>
-            </a:schemeClr>
-          </a:lnRef>
-          <a:fillRef idx="1">
-            <a:schemeClr val="accent1"/>
-          </a:fillRef>
-          <a:effectRef idx="0">
-            <a:schemeClr val="accent1"/>
-          </a:effectRef>
-          <a:fontRef idx="minor">
-            <a:schemeClr val="lt1"/>
-          </a:fontRef>
-        </p:style>
-        <p:txBody>
-          <a:bodyPr rtlCol="0" anchor="ctr"/>
-          <a:lstStyle/>
-          <a:p>
-            <a:pPr algn="ctr"/>
-            <a:endParaRPr lang="ko-KR" altLang="en-US"/>
-          </a:p>
-        </p:txBody>
-      </p:sp>
-      <p:sp>
-        <p:nvSpPr>
-          <p:cNvPr id="15" name="하트 14">
-            <a:extLst>
-              <a:ext uri="{FF2B5EF4-FFF2-40B4-BE49-F238E27FC236}">
-                <a16:creationId xmlns:a16="http://schemas.microsoft.com/office/drawing/2014/main" id="{1D0208D8-E964-3288-6B7A-28EA3C4314BB}"/>
-              </a:ext>
-            </a:extLst>
-          </p:cNvPr>
-          <p:cNvSpPr/>
-          <p:nvPr/>
-        </p:nvSpPr>
-        <p:spPr>
-          <a:xfrm>
-            <a:off x="5036885" y="3127725"/>
-            <a:ext cx="798991" cy="719091"/>
-          </a:xfrm>
-          <a:prstGeom prst="heart">
-            <a:avLst/>
-          </a:prstGeom>
-          <a:solidFill>
-            <a:schemeClr val="accent6">
-              <a:lumMod val="75000"/>
-            </a:schemeClr>
-          </a:solidFill>
-          <a:ln>
-            <a:noFill/>
-          </a:ln>
-        </p:spPr>
-        <p:style>
-          <a:lnRef idx="2">
-            <a:schemeClr val="accent1">
-              <a:shade val="15000"/>
-            </a:schemeClr>
-          </a:lnRef>
-          <a:fillRef idx="1">
-            <a:schemeClr val="accent1"/>
-          </a:fillRef>
-          <a:effectRef idx="0">
-            <a:schemeClr val="accent1"/>
-          </a:effectRef>
-          <a:fontRef idx="minor">
-            <a:schemeClr val="lt1"/>
-          </a:fontRef>
-        </p:style>
-        <p:txBody>
-          <a:bodyPr rtlCol="0" anchor="ctr"/>
-          <a:lstStyle/>
-          <a:p>
-            <a:pPr algn="ctr"/>
-            <a:endParaRPr lang="ko-KR" altLang="en-US"/>
-          </a:p>
-        </p:txBody>
-      </p:sp>
-      <p:sp>
-        <p:nvSpPr>
           <p:cNvPr id="20" name="직사각형 19">
             <a:extLst>
               <a:ext uri="{FF2B5EF4-FFF2-40B4-BE49-F238E27FC236}">
@@ -5637,23 +5272,15 @@
                   <a:schemeClr val="tx1"/>
                 </a:solidFill>
               </a:rPr>
-              <a:t>미니 게임이 시작되기 전 스테이지 횟수와 남은 목숨이 화면에 표시 됨</a:t>
-            </a:r>
-            <a:endParaRPr lang="en-US" altLang="ko-KR" dirty="0">
-              <a:solidFill>
-                <a:schemeClr val="tx1"/>
-              </a:solidFill>
-            </a:endParaRPr>
-          </a:p>
-          <a:p>
-            <a:pPr algn="ctr"/>
+              <a:t>다시 </a:t>
+            </a:r>
             <a:r>
               <a:rPr lang="en-US" altLang="ko-KR" dirty="0">
                 <a:solidFill>
                   <a:schemeClr val="tx1"/>
                 </a:solidFill>
               </a:rPr>
-              <a:t>4</a:t>
+              <a:t>esc</a:t>
             </a:r>
             <a:r>
               <a:rPr lang="ko-KR" altLang="en-US" dirty="0">
@@ -5661,21 +5288,8 @@
                   <a:schemeClr val="tx1"/>
                 </a:solidFill>
               </a:rPr>
-              <a:t>초 뒤 게임화면으로 </a:t>
-            </a:r>
-            <a:r>
-              <a:rPr lang="ko-KR" altLang="en-US" dirty="0" err="1">
-                <a:solidFill>
-                  <a:schemeClr val="tx1"/>
-                </a:solidFill>
-              </a:rPr>
-              <a:t>넘어감</a:t>
-            </a:r>
-            <a:endParaRPr lang="ko-KR" altLang="en-US" dirty="0">
-              <a:solidFill>
-                <a:schemeClr val="tx1"/>
-              </a:solidFill>
-            </a:endParaRPr>
+              <a:t>를 누르면 게임화면으로 넘어 감</a:t>
+            </a:r>
           </a:p>
         </p:txBody>
       </p:sp>
@@ -5783,6 +5397,727 @@
           </a:p>
         </p:txBody>
       </p:sp>
+      <p:sp>
+        <p:nvSpPr>
+          <p:cNvPr id="5" name="직사각형 4">
+            <a:extLst>
+              <a:ext uri="{FF2B5EF4-FFF2-40B4-BE49-F238E27FC236}">
+                <a16:creationId xmlns:a16="http://schemas.microsoft.com/office/drawing/2014/main" id="{978C8024-8714-42FB-D654-E2241F5B67B7}"/>
+              </a:ext>
+            </a:extLst>
+          </p:cNvPr>
+          <p:cNvSpPr/>
+          <p:nvPr/>
+        </p:nvSpPr>
+        <p:spPr>
+          <a:xfrm>
+            <a:off x="849444" y="1624834"/>
+            <a:ext cx="5994470" cy="2888184"/>
+          </a:xfrm>
+          <a:prstGeom prst="rect">
+            <a:avLst/>
+          </a:prstGeom>
+          <a:solidFill>
+            <a:schemeClr val="bg1">
+              <a:lumMod val="50000"/>
+            </a:schemeClr>
+          </a:solidFill>
+          <a:ln>
+            <a:solidFill>
+              <a:schemeClr val="tx1"/>
+            </a:solidFill>
+          </a:ln>
+        </p:spPr>
+        <p:style>
+          <a:lnRef idx="2">
+            <a:schemeClr val="accent1">
+              <a:shade val="15000"/>
+            </a:schemeClr>
+          </a:lnRef>
+          <a:fillRef idx="1">
+            <a:schemeClr val="accent1"/>
+          </a:fillRef>
+          <a:effectRef idx="0">
+            <a:schemeClr val="accent1"/>
+          </a:effectRef>
+          <a:fontRef idx="minor">
+            <a:schemeClr val="lt1"/>
+          </a:fontRef>
+        </p:style>
+        <p:txBody>
+          <a:bodyPr rtlCol="0" anchor="ctr"/>
+          <a:lstStyle/>
+          <a:p>
+            <a:pPr algn="ctr"/>
+            <a:endParaRPr lang="ko-KR" altLang="en-US"/>
+          </a:p>
+        </p:txBody>
+      </p:sp>
+      <p:sp>
+        <p:nvSpPr>
+          <p:cNvPr id="6" name="직사각형 5">
+            <a:extLst>
+              <a:ext uri="{FF2B5EF4-FFF2-40B4-BE49-F238E27FC236}">
+                <a16:creationId xmlns:a16="http://schemas.microsoft.com/office/drawing/2014/main" id="{313AB9F1-96A2-E553-68CE-E6510F2EA25D}"/>
+              </a:ext>
+            </a:extLst>
+          </p:cNvPr>
+          <p:cNvSpPr/>
+          <p:nvPr/>
+        </p:nvSpPr>
+        <p:spPr>
+          <a:xfrm>
+            <a:off x="849444" y="4225264"/>
+            <a:ext cx="5994470" cy="280229"/>
+          </a:xfrm>
+          <a:prstGeom prst="rect">
+            <a:avLst/>
+          </a:prstGeom>
+          <a:solidFill>
+            <a:schemeClr val="bg1">
+              <a:lumMod val="95000"/>
+            </a:schemeClr>
+          </a:solidFill>
+        </p:spPr>
+        <p:style>
+          <a:lnRef idx="2">
+            <a:schemeClr val="accent1">
+              <a:shade val="15000"/>
+            </a:schemeClr>
+          </a:lnRef>
+          <a:fillRef idx="1">
+            <a:schemeClr val="accent1"/>
+          </a:fillRef>
+          <a:effectRef idx="0">
+            <a:schemeClr val="accent1"/>
+          </a:effectRef>
+          <a:fontRef idx="minor">
+            <a:schemeClr val="lt1"/>
+          </a:fontRef>
+        </p:style>
+        <p:txBody>
+          <a:bodyPr rtlCol="0" anchor="ctr"/>
+          <a:lstStyle/>
+          <a:p>
+            <a:pPr algn="ctr"/>
+            <a:endParaRPr lang="ko-KR" altLang="en-US"/>
+          </a:p>
+        </p:txBody>
+      </p:sp>
+      <p:sp>
+        <p:nvSpPr>
+          <p:cNvPr id="7" name="직사각형 6">
+            <a:extLst>
+              <a:ext uri="{FF2B5EF4-FFF2-40B4-BE49-F238E27FC236}">
+                <a16:creationId xmlns:a16="http://schemas.microsoft.com/office/drawing/2014/main" id="{9B9B1E33-84C4-0C6B-CAA2-E62F01A59E03}"/>
+              </a:ext>
+            </a:extLst>
+          </p:cNvPr>
+          <p:cNvSpPr/>
+          <p:nvPr/>
+        </p:nvSpPr>
+        <p:spPr>
+          <a:xfrm>
+            <a:off x="849443" y="4240314"/>
+            <a:ext cx="1140828" cy="280229"/>
+          </a:xfrm>
+          <a:prstGeom prst="rect">
+            <a:avLst/>
+          </a:prstGeom>
+          <a:solidFill>
+            <a:schemeClr val="accent5">
+              <a:lumMod val="60000"/>
+              <a:lumOff val="40000"/>
+            </a:schemeClr>
+          </a:solidFill>
+        </p:spPr>
+        <p:style>
+          <a:lnRef idx="2">
+            <a:schemeClr val="accent1">
+              <a:shade val="15000"/>
+            </a:schemeClr>
+          </a:lnRef>
+          <a:fillRef idx="1">
+            <a:schemeClr val="accent1"/>
+          </a:fillRef>
+          <a:effectRef idx="0">
+            <a:schemeClr val="accent1"/>
+          </a:effectRef>
+          <a:fontRef idx="minor">
+            <a:schemeClr val="lt1"/>
+          </a:fontRef>
+        </p:style>
+        <p:txBody>
+          <a:bodyPr rtlCol="0" anchor="ctr"/>
+          <a:lstStyle/>
+          <a:p>
+            <a:pPr algn="ctr"/>
+            <a:endParaRPr lang="ko-KR" altLang="en-US"/>
+          </a:p>
+        </p:txBody>
+      </p:sp>
+      <p:sp>
+        <p:nvSpPr>
+          <p:cNvPr id="11" name="직사각형 10">
+            <a:extLst>
+              <a:ext uri="{FF2B5EF4-FFF2-40B4-BE49-F238E27FC236}">
+                <a16:creationId xmlns:a16="http://schemas.microsoft.com/office/drawing/2014/main" id="{9E1B4A1F-AACA-2609-40DE-F5148A824CA6}"/>
+              </a:ext>
+            </a:extLst>
+          </p:cNvPr>
+          <p:cNvSpPr/>
+          <p:nvPr/>
+        </p:nvSpPr>
+        <p:spPr>
+          <a:xfrm>
+            <a:off x="852744" y="3790058"/>
+            <a:ext cx="5991170" cy="435206"/>
+          </a:xfrm>
+          <a:prstGeom prst="rect">
+            <a:avLst/>
+          </a:prstGeom>
+          <a:solidFill>
+            <a:schemeClr val="tx1">
+              <a:lumMod val="75000"/>
+              <a:lumOff val="25000"/>
+            </a:schemeClr>
+          </a:solidFill>
+          <a:ln>
+            <a:noFill/>
+          </a:ln>
+        </p:spPr>
+        <p:style>
+          <a:lnRef idx="2">
+            <a:schemeClr val="accent1">
+              <a:shade val="15000"/>
+            </a:schemeClr>
+          </a:lnRef>
+          <a:fillRef idx="1">
+            <a:schemeClr val="accent1"/>
+          </a:fillRef>
+          <a:effectRef idx="0">
+            <a:schemeClr val="accent1"/>
+          </a:effectRef>
+          <a:fontRef idx="minor">
+            <a:schemeClr val="lt1"/>
+          </a:fontRef>
+        </p:style>
+        <p:txBody>
+          <a:bodyPr rtlCol="0" anchor="ctr"/>
+          <a:lstStyle/>
+          <a:p>
+            <a:pPr algn="ctr"/>
+            <a:endParaRPr lang="ko-KR" altLang="en-US" dirty="0"/>
+          </a:p>
+        </p:txBody>
+      </p:sp>
+      <p:pic>
+        <p:nvPicPr>
+          <p:cNvPr id="17" name="그림 16" descr="픽셀, 다채로움이(가) 표시된 사진&#10;&#10;자동 생성된 설명">
+            <a:extLst>
+              <a:ext uri="{FF2B5EF4-FFF2-40B4-BE49-F238E27FC236}">
+                <a16:creationId xmlns:a16="http://schemas.microsoft.com/office/drawing/2014/main" id="{71EEACC8-77C9-AC2E-9300-CD7AFCAB7321}"/>
+              </a:ext>
+            </a:extLst>
+          </p:cNvPr>
+          <p:cNvPicPr>
+            <a:picLocks noChangeAspect="1"/>
+          </p:cNvPicPr>
+          <p:nvPr/>
+        </p:nvPicPr>
+        <p:blipFill>
+          <a:blip r:embed="rId2">
+            <a:extLst>
+              <a:ext uri="{28A0092B-C50C-407E-A947-70E740481C1C}">
+                <a14:useLocalDpi xmlns:a14="http://schemas.microsoft.com/office/drawing/2010/main" val="0"/>
+              </a:ext>
+            </a:extLst>
+          </a:blip>
+          <a:stretch>
+            <a:fillRect/>
+          </a:stretch>
+        </p:blipFill>
+        <p:spPr>
+          <a:xfrm>
+            <a:off x="3261061" y="2880840"/>
+            <a:ext cx="754819" cy="810438"/>
+          </a:xfrm>
+          <a:prstGeom prst="rect">
+            <a:avLst/>
+          </a:prstGeom>
+        </p:spPr>
+      </p:pic>
+      <p:sp>
+        <p:nvSpPr>
+          <p:cNvPr id="8" name="직사각형 7">
+            <a:extLst>
+              <a:ext uri="{FF2B5EF4-FFF2-40B4-BE49-F238E27FC236}">
+                <a16:creationId xmlns:a16="http://schemas.microsoft.com/office/drawing/2014/main" id="{9298D914-98B3-43C2-F4C6-ABC4E9E3AE33}"/>
+              </a:ext>
+            </a:extLst>
+          </p:cNvPr>
+          <p:cNvSpPr/>
+          <p:nvPr/>
+        </p:nvSpPr>
+        <p:spPr>
+          <a:xfrm>
+            <a:off x="5586983" y="3580574"/>
+            <a:ext cx="6310574" cy="3075026"/>
+          </a:xfrm>
+          <a:prstGeom prst="rect">
+            <a:avLst/>
+          </a:prstGeom>
+          <a:solidFill>
+            <a:schemeClr val="bg1">
+              <a:lumMod val="50000"/>
+            </a:schemeClr>
+          </a:solidFill>
+          <a:ln>
+            <a:solidFill>
+              <a:schemeClr val="tx1"/>
+            </a:solidFill>
+          </a:ln>
+        </p:spPr>
+        <p:style>
+          <a:lnRef idx="2">
+            <a:schemeClr val="accent1">
+              <a:shade val="15000"/>
+            </a:schemeClr>
+          </a:lnRef>
+          <a:fillRef idx="1">
+            <a:schemeClr val="accent1"/>
+          </a:fillRef>
+          <a:effectRef idx="0">
+            <a:schemeClr val="accent1"/>
+          </a:effectRef>
+          <a:fontRef idx="minor">
+            <a:schemeClr val="lt1"/>
+          </a:fontRef>
+        </p:style>
+        <p:txBody>
+          <a:bodyPr rtlCol="0" anchor="ctr"/>
+          <a:lstStyle/>
+          <a:p>
+            <a:pPr algn="ctr"/>
+            <a:endParaRPr lang="ko-KR" altLang="en-US"/>
+          </a:p>
+        </p:txBody>
+      </p:sp>
+      <p:sp>
+        <p:nvSpPr>
+          <p:cNvPr id="9" name="직사각형 8">
+            <a:extLst>
+              <a:ext uri="{FF2B5EF4-FFF2-40B4-BE49-F238E27FC236}">
+                <a16:creationId xmlns:a16="http://schemas.microsoft.com/office/drawing/2014/main" id="{690161B1-05E3-2228-955B-F5B31F8B3E7F}"/>
+              </a:ext>
+            </a:extLst>
+          </p:cNvPr>
+          <p:cNvSpPr/>
+          <p:nvPr/>
+        </p:nvSpPr>
+        <p:spPr>
+          <a:xfrm>
+            <a:off x="6619450" y="3744382"/>
+            <a:ext cx="4245639" cy="559292"/>
+          </a:xfrm>
+          <a:prstGeom prst="rect">
+            <a:avLst/>
+          </a:prstGeom>
+          <a:solidFill>
+            <a:schemeClr val="tx1">
+              <a:lumMod val="75000"/>
+              <a:lumOff val="25000"/>
+            </a:schemeClr>
+          </a:solidFill>
+          <a:ln>
+            <a:noFill/>
+          </a:ln>
+        </p:spPr>
+        <p:style>
+          <a:lnRef idx="2">
+            <a:schemeClr val="accent1">
+              <a:shade val="15000"/>
+            </a:schemeClr>
+          </a:lnRef>
+          <a:fillRef idx="1">
+            <a:schemeClr val="accent1"/>
+          </a:fillRef>
+          <a:effectRef idx="0">
+            <a:schemeClr val="accent1"/>
+          </a:effectRef>
+          <a:fontRef idx="minor">
+            <a:schemeClr val="lt1"/>
+          </a:fontRef>
+        </p:style>
+        <p:txBody>
+          <a:bodyPr rtlCol="0" anchor="ctr"/>
+          <a:lstStyle/>
+          <a:p>
+            <a:pPr algn="ctr"/>
+            <a:r>
+              <a:rPr lang="ko-KR" altLang="en-US" dirty="0"/>
+              <a:t>일시정지</a:t>
+            </a:r>
+          </a:p>
+        </p:txBody>
+      </p:sp>
+      <p:grpSp>
+        <p:nvGrpSpPr>
+          <p:cNvPr id="19" name="그룹 18">
+            <a:extLst>
+              <a:ext uri="{FF2B5EF4-FFF2-40B4-BE49-F238E27FC236}">
+                <a16:creationId xmlns:a16="http://schemas.microsoft.com/office/drawing/2014/main" id="{5E77A711-57AA-345F-4D36-624D7D5A5D61}"/>
+              </a:ext>
+            </a:extLst>
+          </p:cNvPr>
+          <p:cNvGrpSpPr/>
+          <p:nvPr/>
+        </p:nvGrpSpPr>
+        <p:grpSpPr>
+          <a:xfrm>
+            <a:off x="4354229" y="3006413"/>
+            <a:ext cx="612310" cy="559292"/>
+            <a:chOff x="4683967" y="3237722"/>
+            <a:chExt cx="612310" cy="559292"/>
+          </a:xfrm>
+        </p:grpSpPr>
+        <p:sp>
+          <p:nvSpPr>
+            <p:cNvPr id="22" name="타원 21">
+              <a:extLst>
+                <a:ext uri="{FF2B5EF4-FFF2-40B4-BE49-F238E27FC236}">
+                  <a16:creationId xmlns:a16="http://schemas.microsoft.com/office/drawing/2014/main" id="{72A5DA52-CD40-272F-D705-DA32844847A6}"/>
+                </a:ext>
+              </a:extLst>
+            </p:cNvPr>
+            <p:cNvSpPr/>
+            <p:nvPr/>
+          </p:nvSpPr>
+          <p:spPr>
+            <a:xfrm>
+              <a:off x="4683967" y="3237722"/>
+              <a:ext cx="612310" cy="559292"/>
+            </a:xfrm>
+            <a:prstGeom prst="ellipse">
+              <a:avLst/>
+            </a:prstGeom>
+            <a:solidFill>
+              <a:schemeClr val="accent2"/>
+            </a:solidFill>
+          </p:spPr>
+          <p:style>
+            <a:lnRef idx="2">
+              <a:schemeClr val="accent1">
+                <a:shade val="15000"/>
+              </a:schemeClr>
+            </a:lnRef>
+            <a:fillRef idx="1">
+              <a:schemeClr val="accent1"/>
+            </a:fillRef>
+            <a:effectRef idx="0">
+              <a:schemeClr val="accent1"/>
+            </a:effectRef>
+            <a:fontRef idx="minor">
+              <a:schemeClr val="lt1"/>
+            </a:fontRef>
+          </p:style>
+          <p:txBody>
+            <a:bodyPr rtlCol="0" anchor="ctr"/>
+            <a:lstStyle/>
+            <a:p>
+              <a:pPr algn="ctr"/>
+              <a:endParaRPr lang="ko-KR" altLang="en-US"/>
+            </a:p>
+          </p:txBody>
+        </p:sp>
+        <p:sp>
+          <p:nvSpPr>
+            <p:cNvPr id="23" name="타원 22">
+              <a:extLst>
+                <a:ext uri="{FF2B5EF4-FFF2-40B4-BE49-F238E27FC236}">
+                  <a16:creationId xmlns:a16="http://schemas.microsoft.com/office/drawing/2014/main" id="{28A214B3-DE35-CA84-2399-DA90CD9F1FB8}"/>
+                </a:ext>
+              </a:extLst>
+            </p:cNvPr>
+            <p:cNvSpPr/>
+            <p:nvPr/>
+          </p:nvSpPr>
+          <p:spPr>
+            <a:xfrm>
+              <a:off x="4779938" y="3344091"/>
+              <a:ext cx="411032" cy="362724"/>
+            </a:xfrm>
+            <a:prstGeom prst="ellipse">
+              <a:avLst/>
+            </a:prstGeom>
+            <a:solidFill>
+              <a:schemeClr val="accent2"/>
+            </a:solidFill>
+          </p:spPr>
+          <p:style>
+            <a:lnRef idx="2">
+              <a:schemeClr val="accent1">
+                <a:shade val="15000"/>
+              </a:schemeClr>
+            </a:lnRef>
+            <a:fillRef idx="1">
+              <a:schemeClr val="accent1"/>
+            </a:fillRef>
+            <a:effectRef idx="0">
+              <a:schemeClr val="accent1"/>
+            </a:effectRef>
+            <a:fontRef idx="minor">
+              <a:schemeClr val="lt1"/>
+            </a:fontRef>
+          </p:style>
+          <p:txBody>
+            <a:bodyPr rtlCol="0" anchor="ctr"/>
+            <a:lstStyle/>
+            <a:p>
+              <a:pPr algn="ctr"/>
+              <a:endParaRPr lang="ko-KR" altLang="en-US"/>
+            </a:p>
+          </p:txBody>
+        </p:sp>
+      </p:grpSp>
+      <p:grpSp>
+        <p:nvGrpSpPr>
+          <p:cNvPr id="24" name="그룹 23">
+            <a:extLst>
+              <a:ext uri="{FF2B5EF4-FFF2-40B4-BE49-F238E27FC236}">
+                <a16:creationId xmlns:a16="http://schemas.microsoft.com/office/drawing/2014/main" id="{81B94CB1-3AD6-BE2E-975A-DE4D981A407C}"/>
+              </a:ext>
+            </a:extLst>
+          </p:cNvPr>
+          <p:cNvGrpSpPr/>
+          <p:nvPr/>
+        </p:nvGrpSpPr>
+        <p:grpSpPr>
+          <a:xfrm>
+            <a:off x="5096798" y="2994526"/>
+            <a:ext cx="612310" cy="559292"/>
+            <a:chOff x="4683967" y="3237722"/>
+            <a:chExt cx="612310" cy="559292"/>
+          </a:xfrm>
+        </p:grpSpPr>
+        <p:sp>
+          <p:nvSpPr>
+            <p:cNvPr id="25" name="타원 24">
+              <a:extLst>
+                <a:ext uri="{FF2B5EF4-FFF2-40B4-BE49-F238E27FC236}">
+                  <a16:creationId xmlns:a16="http://schemas.microsoft.com/office/drawing/2014/main" id="{3C3D2596-D1C3-26A8-8C98-259092A66C5A}"/>
+                </a:ext>
+              </a:extLst>
+            </p:cNvPr>
+            <p:cNvSpPr/>
+            <p:nvPr/>
+          </p:nvSpPr>
+          <p:spPr>
+            <a:xfrm>
+              <a:off x="4683967" y="3237722"/>
+              <a:ext cx="612310" cy="559292"/>
+            </a:xfrm>
+            <a:prstGeom prst="ellipse">
+              <a:avLst/>
+            </a:prstGeom>
+            <a:solidFill>
+              <a:schemeClr val="accent2"/>
+            </a:solidFill>
+          </p:spPr>
+          <p:style>
+            <a:lnRef idx="2">
+              <a:schemeClr val="accent1">
+                <a:shade val="15000"/>
+              </a:schemeClr>
+            </a:lnRef>
+            <a:fillRef idx="1">
+              <a:schemeClr val="accent1"/>
+            </a:fillRef>
+            <a:effectRef idx="0">
+              <a:schemeClr val="accent1"/>
+            </a:effectRef>
+            <a:fontRef idx="minor">
+              <a:schemeClr val="lt1"/>
+            </a:fontRef>
+          </p:style>
+          <p:txBody>
+            <a:bodyPr rtlCol="0" anchor="ctr"/>
+            <a:lstStyle/>
+            <a:p>
+              <a:pPr algn="ctr"/>
+              <a:endParaRPr lang="ko-KR" altLang="en-US"/>
+            </a:p>
+          </p:txBody>
+        </p:sp>
+        <p:sp>
+          <p:nvSpPr>
+            <p:cNvPr id="26" name="타원 25">
+              <a:extLst>
+                <a:ext uri="{FF2B5EF4-FFF2-40B4-BE49-F238E27FC236}">
+                  <a16:creationId xmlns:a16="http://schemas.microsoft.com/office/drawing/2014/main" id="{15688C47-6602-6CF6-16E5-565AC600112A}"/>
+                </a:ext>
+              </a:extLst>
+            </p:cNvPr>
+            <p:cNvSpPr/>
+            <p:nvPr/>
+          </p:nvSpPr>
+          <p:spPr>
+            <a:xfrm>
+              <a:off x="4779938" y="3344091"/>
+              <a:ext cx="411032" cy="362724"/>
+            </a:xfrm>
+            <a:prstGeom prst="ellipse">
+              <a:avLst/>
+            </a:prstGeom>
+            <a:solidFill>
+              <a:schemeClr val="accent2"/>
+            </a:solidFill>
+          </p:spPr>
+          <p:style>
+            <a:lnRef idx="2">
+              <a:schemeClr val="accent1">
+                <a:shade val="15000"/>
+              </a:schemeClr>
+            </a:lnRef>
+            <a:fillRef idx="1">
+              <a:schemeClr val="accent1"/>
+            </a:fillRef>
+            <a:effectRef idx="0">
+              <a:schemeClr val="accent1"/>
+            </a:effectRef>
+            <a:fontRef idx="minor">
+              <a:schemeClr val="lt1"/>
+            </a:fontRef>
+          </p:style>
+          <p:txBody>
+            <a:bodyPr rtlCol="0" anchor="ctr"/>
+            <a:lstStyle/>
+            <a:p>
+              <a:pPr algn="ctr"/>
+              <a:endParaRPr lang="ko-KR" altLang="en-US"/>
+            </a:p>
+          </p:txBody>
+        </p:sp>
+      </p:grpSp>
+      <p:grpSp>
+        <p:nvGrpSpPr>
+          <p:cNvPr id="27" name="그룹 26">
+            <a:extLst>
+              <a:ext uri="{FF2B5EF4-FFF2-40B4-BE49-F238E27FC236}">
+                <a16:creationId xmlns:a16="http://schemas.microsoft.com/office/drawing/2014/main" id="{15829B0F-0646-2155-75EF-F21DF1EC1C67}"/>
+              </a:ext>
+            </a:extLst>
+          </p:cNvPr>
+          <p:cNvGrpSpPr/>
+          <p:nvPr/>
+        </p:nvGrpSpPr>
+        <p:grpSpPr>
+          <a:xfrm>
+            <a:off x="5872953" y="3013163"/>
+            <a:ext cx="612310" cy="559292"/>
+            <a:chOff x="4683967" y="3237722"/>
+            <a:chExt cx="612310" cy="559292"/>
+          </a:xfrm>
+        </p:grpSpPr>
+        <p:sp>
+          <p:nvSpPr>
+            <p:cNvPr id="28" name="타원 27">
+              <a:extLst>
+                <a:ext uri="{FF2B5EF4-FFF2-40B4-BE49-F238E27FC236}">
+                  <a16:creationId xmlns:a16="http://schemas.microsoft.com/office/drawing/2014/main" id="{76676221-E74A-60E8-289B-883F0F75B893}"/>
+                </a:ext>
+              </a:extLst>
+            </p:cNvPr>
+            <p:cNvSpPr/>
+            <p:nvPr/>
+          </p:nvSpPr>
+          <p:spPr>
+            <a:xfrm>
+              <a:off x="4683967" y="3237722"/>
+              <a:ext cx="612310" cy="559292"/>
+            </a:xfrm>
+            <a:prstGeom prst="ellipse">
+              <a:avLst/>
+            </a:prstGeom>
+            <a:solidFill>
+              <a:schemeClr val="accent2"/>
+            </a:solidFill>
+          </p:spPr>
+          <p:style>
+            <a:lnRef idx="2">
+              <a:schemeClr val="accent1">
+                <a:shade val="15000"/>
+              </a:schemeClr>
+            </a:lnRef>
+            <a:fillRef idx="1">
+              <a:schemeClr val="accent1"/>
+            </a:fillRef>
+            <a:effectRef idx="0">
+              <a:schemeClr val="accent1"/>
+            </a:effectRef>
+            <a:fontRef idx="minor">
+              <a:schemeClr val="lt1"/>
+            </a:fontRef>
+          </p:style>
+          <p:txBody>
+            <a:bodyPr rtlCol="0" anchor="ctr"/>
+            <a:lstStyle/>
+            <a:p>
+              <a:pPr algn="ctr"/>
+              <a:endParaRPr lang="ko-KR" altLang="en-US"/>
+            </a:p>
+          </p:txBody>
+        </p:sp>
+        <p:sp>
+          <p:nvSpPr>
+            <p:cNvPr id="29" name="타원 28">
+              <a:extLst>
+                <a:ext uri="{FF2B5EF4-FFF2-40B4-BE49-F238E27FC236}">
+                  <a16:creationId xmlns:a16="http://schemas.microsoft.com/office/drawing/2014/main" id="{EF16C4F3-4AEF-9F9C-F01E-07B64F4D807D}"/>
+                </a:ext>
+              </a:extLst>
+            </p:cNvPr>
+            <p:cNvSpPr/>
+            <p:nvPr/>
+          </p:nvSpPr>
+          <p:spPr>
+            <a:xfrm>
+              <a:off x="4779938" y="3344091"/>
+              <a:ext cx="411032" cy="362724"/>
+            </a:xfrm>
+            <a:prstGeom prst="ellipse">
+              <a:avLst/>
+            </a:prstGeom>
+            <a:solidFill>
+              <a:schemeClr val="accent2"/>
+            </a:solidFill>
+          </p:spPr>
+          <p:style>
+            <a:lnRef idx="2">
+              <a:schemeClr val="accent1">
+                <a:shade val="15000"/>
+              </a:schemeClr>
+            </a:lnRef>
+            <a:fillRef idx="1">
+              <a:schemeClr val="accent1"/>
+            </a:fillRef>
+            <a:effectRef idx="0">
+              <a:schemeClr val="accent1"/>
+            </a:effectRef>
+            <a:fontRef idx="minor">
+              <a:schemeClr val="lt1"/>
+            </a:fontRef>
+          </p:style>
+          <p:txBody>
+            <a:bodyPr rtlCol="0" anchor="ctr"/>
+            <a:lstStyle/>
+            <a:p>
+              <a:pPr algn="ctr"/>
+              <a:endParaRPr lang="ko-KR" altLang="en-US"/>
+            </a:p>
+          </p:txBody>
+        </p:sp>
+      </p:grpSp>
     </p:spTree>
     <p:extLst>
       <p:ext uri="{BB962C8B-B14F-4D97-AF65-F5344CB8AC3E}">
@@ -5951,23 +6286,7 @@
                   <a:schemeClr val="tx1"/>
                 </a:solidFill>
               </a:rPr>
-              <a:t>미니 게임 </a:t>
-            </a:r>
-            <a:r>
-              <a:rPr lang="en-US" altLang="ko-KR" dirty="0">
-                <a:solidFill>
-                  <a:schemeClr val="tx1"/>
-                </a:solidFill>
-              </a:rPr>
-              <a:t>1 : </a:t>
-            </a:r>
-            <a:r>
-              <a:rPr lang="ko-KR" altLang="en-US" dirty="0">
-                <a:solidFill>
-                  <a:schemeClr val="tx1"/>
-                </a:solidFill>
-              </a:rPr>
-              <a:t>풍선 터트리기</a:t>
+              <a:t>카메라는 캐릭터를 따라서 이동</a:t>
             </a:r>
             <a:endParaRPr lang="en-US" altLang="ko-KR" dirty="0">
               <a:solidFill>
@@ -5986,20 +6305,12 @@
           <a:p>
             <a:pPr algn="ctr"/>
             <a:r>
-              <a:rPr lang="en-US" altLang="ko-KR" dirty="0">
+              <a:rPr lang="ko-KR" altLang="en-US" dirty="0">
                 <a:solidFill>
                   <a:schemeClr val="tx1"/>
                 </a:solidFill>
               </a:rPr>
-              <a:t>5</a:t>
-            </a:r>
-            <a:r>
-              <a:rPr lang="ko-KR" altLang="en-US" dirty="0">
-                <a:solidFill>
-                  <a:schemeClr val="tx1"/>
-                </a:solidFill>
-              </a:rPr>
-              <a:t>초의 시간이 주어짐</a:t>
+              <a:t>화면에는 캐릭터와 다른 오브젝트 등장</a:t>
             </a:r>
             <a:endParaRPr lang="en-US" altLang="ko-KR" dirty="0">
               <a:solidFill>
@@ -6015,7 +6326,7 @@
                   <a:schemeClr val="tx1"/>
                 </a:solidFill>
               </a:rPr>
-              <a:t>(</a:t>
+              <a:t>(ex : </a:t>
             </a:r>
             <a:r>
               <a:rPr lang="ko-KR" altLang="en-US" dirty="0">
@@ -6023,7 +6334,55 @@
                   <a:schemeClr val="tx1"/>
                 </a:solidFill>
               </a:rPr>
-              <a:t>화면아래의 게이지로 남은 시간 확인 가능</a:t>
+              <a:t>코인</a:t>
+            </a:r>
+            <a:r>
+              <a:rPr lang="en-US" altLang="ko-KR" dirty="0">
+                <a:solidFill>
+                  <a:schemeClr val="tx1"/>
+                </a:solidFill>
+              </a:rPr>
+              <a:t>, </a:t>
+            </a:r>
+            <a:r>
+              <a:rPr lang="ko-KR" altLang="en-US" dirty="0">
+                <a:solidFill>
+                  <a:schemeClr val="tx1"/>
+                </a:solidFill>
+              </a:rPr>
+              <a:t>버섯</a:t>
+            </a:r>
+            <a:r>
+              <a:rPr lang="en-US" altLang="ko-KR" dirty="0">
+                <a:solidFill>
+                  <a:schemeClr val="tx1"/>
+                </a:solidFill>
+              </a:rPr>
+              <a:t>, </a:t>
+            </a:r>
+            <a:r>
+              <a:rPr lang="ko-KR" altLang="en-US" dirty="0">
+                <a:solidFill>
+                  <a:schemeClr val="tx1"/>
+                </a:solidFill>
+              </a:rPr>
+              <a:t>바나나</a:t>
+            </a:r>
+            <a:r>
+              <a:rPr lang="en-US" altLang="ko-KR" dirty="0">
+                <a:solidFill>
+                  <a:schemeClr val="tx1"/>
+                </a:solidFill>
+              </a:rPr>
+              <a:t>, </a:t>
+            </a:r>
+            <a:r>
+              <a:rPr lang="ko-KR" altLang="en-US" dirty="0">
+                <a:solidFill>
+                  <a:schemeClr val="tx1"/>
+                </a:solidFill>
+              </a:rPr>
+              <a:t>적</a:t>
             </a:r>
             <a:r>
               <a:rPr lang="en-US" altLang="ko-KR" dirty="0">
@@ -6050,23 +6409,7 @@
                   <a:schemeClr val="tx1"/>
                 </a:solidFill>
               </a:rPr>
-              <a:t>풍선 오브젝트가 화면에 무작위로 표시됨</a:t>
-            </a:r>
-            <a:endParaRPr lang="en-US" altLang="ko-KR" dirty="0">
-              <a:solidFill>
-                <a:schemeClr val="tx1"/>
-              </a:solidFill>
-            </a:endParaRPr>
-          </a:p>
-          <a:p>
-            <a:pPr algn="ctr"/>
-            <a:r>
-              <a:rPr lang="ko-KR" altLang="en-US" dirty="0">
-                <a:solidFill>
-                  <a:schemeClr val="tx1"/>
-                </a:solidFill>
-              </a:rPr>
-              <a:t>풍선의 색은 랜덤하게 설정</a:t>
+              <a:t>캐릭터는 일정한 속도로 달리는 중</a:t>
             </a:r>
             <a:endParaRPr lang="en-US" altLang="ko-KR" dirty="0">
               <a:solidFill>
@@ -6090,7 +6433,7 @@
                   <a:schemeClr val="tx1"/>
                 </a:solidFill>
               </a:rPr>
-              <a:t>풍선 오브젝트를 마우스 좌 클릭 하면</a:t>
+              <a:t>아이템은 화면에 랜덤하게 생성</a:t>
             </a:r>
             <a:endParaRPr lang="en-US" altLang="ko-KR" dirty="0">
               <a:solidFill>
@@ -6098,54 +6441,14 @@
               </a:solidFill>
             </a:endParaRPr>
           </a:p>
-          <a:p>
-            <a:pPr algn="ctr"/>
-            <a:r>
-              <a:rPr lang="ko-KR" altLang="en-US" dirty="0">
-                <a:solidFill>
-                  <a:schemeClr val="tx1"/>
-                </a:solidFill>
-              </a:rPr>
-              <a:t>터지는 효과</a:t>
-            </a:r>
-            <a:endParaRPr lang="en-US" altLang="ko-KR" dirty="0">
-              <a:solidFill>
-                <a:schemeClr val="tx1"/>
-              </a:solidFill>
-            </a:endParaRPr>
-          </a:p>
-          <a:p>
-            <a:pPr algn="ctr"/>
-            <a:endParaRPr lang="en-US" altLang="ko-KR" dirty="0">
-              <a:solidFill>
-                <a:schemeClr val="tx1"/>
-              </a:solidFill>
-            </a:endParaRPr>
-          </a:p>
-          <a:p>
-            <a:pPr algn="ctr"/>
-            <a:r>
-              <a:rPr lang="ko-KR" altLang="en-US" dirty="0">
-                <a:solidFill>
-                  <a:schemeClr val="tx1"/>
-                </a:solidFill>
-              </a:rPr>
-              <a:t>모든 풍선을 터뜨리면 게임 클리어</a:t>
-            </a:r>
-            <a:endParaRPr lang="en-US" altLang="ko-KR" dirty="0">
-              <a:solidFill>
-                <a:schemeClr val="tx1"/>
-              </a:solidFill>
-            </a:endParaRPr>
-          </a:p>
-        </p:txBody>
-      </p:sp>
-      <p:sp>
-        <p:nvSpPr>
-          <p:cNvPr id="6" name="직사각형 5">
+        </p:txBody>
+      </p:sp>
+      <p:sp>
+        <p:nvSpPr>
+          <p:cNvPr id="36" name="직사각형 35">
             <a:extLst>
               <a:ext uri="{FF2B5EF4-FFF2-40B4-BE49-F238E27FC236}">
-                <a16:creationId xmlns:a16="http://schemas.microsoft.com/office/drawing/2014/main" id="{C496A909-7DE0-3385-A79E-30DDD00ED9CD}"/>
+                <a16:creationId xmlns:a16="http://schemas.microsoft.com/office/drawing/2014/main" id="{F6D36A01-5FF4-CBF6-0808-2B8B0318D31F}"/>
               </a:ext>
             </a:extLst>
           </p:cNvPr>
@@ -6154,8 +6457,111 @@
         </p:nvSpPr>
         <p:spPr>
           <a:xfrm>
-            <a:off x="1829415" y="1680654"/>
-            <a:ext cx="4245639" cy="559292"/>
+            <a:off x="796948" y="4922086"/>
+            <a:ext cx="6310574" cy="360128"/>
+          </a:xfrm>
+          <a:prstGeom prst="rect">
+            <a:avLst/>
+          </a:prstGeom>
+          <a:solidFill>
+            <a:schemeClr val="bg1">
+              <a:lumMod val="95000"/>
+            </a:schemeClr>
+          </a:solidFill>
+        </p:spPr>
+        <p:style>
+          <a:lnRef idx="2">
+            <a:schemeClr val="accent1">
+              <a:shade val="15000"/>
+            </a:schemeClr>
+          </a:lnRef>
+          <a:fillRef idx="1">
+            <a:schemeClr val="accent1"/>
+          </a:fillRef>
+          <a:effectRef idx="0">
+            <a:schemeClr val="accent1"/>
+          </a:effectRef>
+          <a:fontRef idx="minor">
+            <a:schemeClr val="lt1"/>
+          </a:fontRef>
+        </p:style>
+        <p:txBody>
+          <a:bodyPr rtlCol="0" anchor="ctr"/>
+          <a:lstStyle/>
+          <a:p>
+            <a:pPr algn="ctr"/>
+            <a:endParaRPr lang="ko-KR" altLang="en-US"/>
+          </a:p>
+        </p:txBody>
+      </p:sp>
+      <p:sp>
+        <p:nvSpPr>
+          <p:cNvPr id="37" name="직사각형 36">
+            <a:extLst>
+              <a:ext uri="{FF2B5EF4-FFF2-40B4-BE49-F238E27FC236}">
+                <a16:creationId xmlns:a16="http://schemas.microsoft.com/office/drawing/2014/main" id="{8CB10136-336D-7407-5527-44F2C818E892}"/>
+              </a:ext>
+            </a:extLst>
+          </p:cNvPr>
+          <p:cNvSpPr/>
+          <p:nvPr/>
+        </p:nvSpPr>
+        <p:spPr>
+          <a:xfrm>
+            <a:off x="769856" y="4924050"/>
+            <a:ext cx="3367578" cy="360128"/>
+          </a:xfrm>
+          <a:prstGeom prst="rect">
+            <a:avLst/>
+          </a:prstGeom>
+          <a:solidFill>
+            <a:schemeClr val="accent5">
+              <a:lumMod val="60000"/>
+              <a:lumOff val="40000"/>
+            </a:schemeClr>
+          </a:solidFill>
+        </p:spPr>
+        <p:style>
+          <a:lnRef idx="2">
+            <a:schemeClr val="accent1">
+              <a:shade val="15000"/>
+            </a:schemeClr>
+          </a:lnRef>
+          <a:fillRef idx="1">
+            <a:schemeClr val="accent1"/>
+          </a:fillRef>
+          <a:effectRef idx="0">
+            <a:schemeClr val="accent1"/>
+          </a:effectRef>
+          <a:fontRef idx="minor">
+            <a:schemeClr val="lt1"/>
+          </a:fontRef>
+        </p:style>
+        <p:txBody>
+          <a:bodyPr rtlCol="0" anchor="ctr"/>
+          <a:lstStyle/>
+          <a:p>
+            <a:pPr algn="ctr"/>
+            <a:endParaRPr lang="ko-KR" altLang="en-US"/>
+          </a:p>
+        </p:txBody>
+      </p:sp>
+      <p:sp>
+        <p:nvSpPr>
+          <p:cNvPr id="3" name="직사각형 2">
+            <a:extLst>
+              <a:ext uri="{FF2B5EF4-FFF2-40B4-BE49-F238E27FC236}">
+                <a16:creationId xmlns:a16="http://schemas.microsoft.com/office/drawing/2014/main" id="{DEA1A006-F1DD-1816-7087-60C3528C2A30}"/>
+              </a:ext>
+            </a:extLst>
+          </p:cNvPr>
+          <p:cNvSpPr/>
+          <p:nvPr/>
+        </p:nvSpPr>
+        <p:spPr>
+          <a:xfrm>
+            <a:off x="796948" y="4360830"/>
+            <a:ext cx="6310574" cy="559292"/>
           </a:xfrm>
           <a:prstGeom prst="rect">
             <a:avLst/>
@@ -6191,19 +6597,116 @@
           <a:lstStyle/>
           <a:p>
             <a:pPr algn="ctr"/>
-            <a:r>
-              <a:rPr lang="ko-KR" altLang="en-US" dirty="0"/>
-              <a:t>풍선 터트리기</a:t>
-            </a:r>
+            <a:endParaRPr lang="ko-KR" altLang="en-US" dirty="0"/>
+          </a:p>
+        </p:txBody>
+      </p:sp>
+      <p:pic>
+        <p:nvPicPr>
+          <p:cNvPr id="9" name="그림 8" descr="픽셀, 다채로움이(가) 표시된 사진&#10;&#10;자동 생성된 설명">
+            <a:extLst>
+              <a:ext uri="{FF2B5EF4-FFF2-40B4-BE49-F238E27FC236}">
+                <a16:creationId xmlns:a16="http://schemas.microsoft.com/office/drawing/2014/main" id="{0480CD0B-31F1-8C14-241C-9D28E367698C}"/>
+              </a:ext>
+            </a:extLst>
+          </p:cNvPr>
+          <p:cNvPicPr>
+            <a:picLocks noChangeAspect="1"/>
+          </p:cNvPicPr>
+          <p:nvPr/>
+        </p:nvPicPr>
+        <p:blipFill>
+          <a:blip r:embed="rId2">
+            <a:extLst>
+              <a:ext uri="{28A0092B-C50C-407E-A947-70E740481C1C}">
+                <a14:useLocalDpi xmlns:a14="http://schemas.microsoft.com/office/drawing/2010/main" val="0"/>
+              </a:ext>
+            </a:extLst>
+          </a:blip>
+          <a:stretch>
+            <a:fillRect/>
+          </a:stretch>
+        </p:blipFill>
+        <p:spPr>
+          <a:xfrm>
+            <a:off x="3449616" y="3531177"/>
+            <a:ext cx="794623" cy="853175"/>
+          </a:xfrm>
+          <a:prstGeom prst="rect">
+            <a:avLst/>
+          </a:prstGeom>
+        </p:spPr>
+      </p:pic>
+      <p:sp>
+        <p:nvSpPr>
+          <p:cNvPr id="13" name="직사각형 12">
+            <a:extLst>
+              <a:ext uri="{FF2B5EF4-FFF2-40B4-BE49-F238E27FC236}">
+                <a16:creationId xmlns:a16="http://schemas.microsoft.com/office/drawing/2014/main" id="{809921A1-50F4-9F35-5602-310A5508AF26}"/>
+              </a:ext>
+            </a:extLst>
+          </p:cNvPr>
+          <p:cNvSpPr/>
+          <p:nvPr/>
+        </p:nvSpPr>
+        <p:spPr>
+          <a:xfrm>
+            <a:off x="796948" y="5504507"/>
+            <a:ext cx="6310574" cy="1082723"/>
+          </a:xfrm>
+          <a:prstGeom prst="rect">
+            <a:avLst/>
+          </a:prstGeom>
+          <a:noFill/>
+          <a:ln>
+            <a:solidFill>
+              <a:schemeClr val="tx1"/>
+            </a:solidFill>
+          </a:ln>
+        </p:spPr>
+        <p:style>
+          <a:lnRef idx="2">
+            <a:schemeClr val="accent1">
+              <a:shade val="15000"/>
+            </a:schemeClr>
+          </a:lnRef>
+          <a:fillRef idx="1">
+            <a:schemeClr val="accent1"/>
+          </a:fillRef>
+          <a:effectRef idx="0">
+            <a:schemeClr val="accent1"/>
+          </a:effectRef>
+          <a:fontRef idx="minor">
+            <a:schemeClr val="lt1"/>
+          </a:fontRef>
+        </p:style>
+        <p:txBody>
+          <a:bodyPr rtlCol="0" anchor="ctr"/>
+          <a:lstStyle/>
+          <a:p>
+            <a:pPr algn="ctr"/>
+            <a:r>
+              <a:rPr lang="ko-KR" altLang="en-US" dirty="0">
+                <a:solidFill>
+                  <a:schemeClr val="tx1"/>
+                </a:solidFill>
+              </a:rPr>
+              <a:t>하단에 현재까지 진행도를 표시해 줌</a:t>
+            </a:r>
+            <a:endParaRPr lang="en-US" altLang="ko-KR" dirty="0">
+              <a:solidFill>
+                <a:schemeClr val="tx1"/>
+              </a:solidFill>
+            </a:endParaRPr>
           </a:p>
         </p:txBody>
       </p:sp>
       <p:grpSp>
         <p:nvGrpSpPr>
-          <p:cNvPr id="11" name="그룹 10">
+          <p:cNvPr id="21" name="그룹 20">
             <a:extLst>
               <a:ext uri="{FF2B5EF4-FFF2-40B4-BE49-F238E27FC236}">
-                <a16:creationId xmlns:a16="http://schemas.microsoft.com/office/drawing/2014/main" id="{9C8452EB-AD31-6F26-E097-0662EE026FAF}"/>
+                <a16:creationId xmlns:a16="http://schemas.microsoft.com/office/drawing/2014/main" id="{DDBDFF88-9906-3178-C3BE-CC411EC2C28F}"/>
               </a:ext>
             </a:extLst>
           </p:cNvPr>
@@ -6212,18 +6715,18 @@
         </p:nvGrpSpPr>
         <p:grpSpPr>
           <a:xfrm>
-            <a:off x="1371600" y="2721143"/>
-            <a:ext cx="759041" cy="937981"/>
-            <a:chOff x="1305016" y="3062796"/>
-            <a:chExt cx="896645" cy="1130237"/>
+            <a:off x="3339925" y="2171700"/>
+            <a:ext cx="612310" cy="559292"/>
+            <a:chOff x="4683967" y="3237722"/>
+            <a:chExt cx="612310" cy="559292"/>
           </a:xfrm>
         </p:grpSpPr>
         <p:sp>
           <p:nvSpPr>
-            <p:cNvPr id="5" name="순서도: 연결자 4">
+            <p:cNvPr id="16" name="타원 15">
               <a:extLst>
                 <a:ext uri="{FF2B5EF4-FFF2-40B4-BE49-F238E27FC236}">
-                  <a16:creationId xmlns:a16="http://schemas.microsoft.com/office/drawing/2014/main" id="{8058D7D2-B917-0779-A4C1-2EDD100C7CB6}"/>
+                  <a16:creationId xmlns:a16="http://schemas.microsoft.com/office/drawing/2014/main" id="{740F3684-DD8D-C6AD-3B21-4317450CFF8F}"/>
                 </a:ext>
               </a:extLst>
             </p:cNvPr>
@@ -6232,21 +6735,15 @@
           </p:nvSpPr>
           <p:spPr>
             <a:xfrm>
-              <a:off x="1305016" y="3062796"/>
-              <a:ext cx="896645" cy="861134"/>
+              <a:off x="4683967" y="3237722"/>
+              <a:ext cx="612310" cy="559292"/>
             </a:xfrm>
-            <a:prstGeom prst="flowChartConnector">
+            <a:prstGeom prst="ellipse">
               <a:avLst/>
             </a:prstGeom>
             <a:solidFill>
-              <a:schemeClr val="accent6">
-                <a:lumMod val="40000"/>
-                <a:lumOff val="60000"/>
-              </a:schemeClr>
+              <a:schemeClr val="accent2"/>
             </a:solidFill>
-            <a:ln>
-              <a:noFill/>
-            </a:ln>
           </p:spPr>
           <p:style>
             <a:lnRef idx="2">
@@ -6275,10 +6772,10 @@
         </p:sp>
         <p:sp>
           <p:nvSpPr>
-            <p:cNvPr id="7" name="이등변 삼각형 6">
+            <p:cNvPr id="17" name="타원 16">
               <a:extLst>
                 <a:ext uri="{FF2B5EF4-FFF2-40B4-BE49-F238E27FC236}">
-                  <a16:creationId xmlns:a16="http://schemas.microsoft.com/office/drawing/2014/main" id="{65E05F46-C5CF-50D1-0537-60DD010FA97E}"/>
+                  <a16:creationId xmlns:a16="http://schemas.microsoft.com/office/drawing/2014/main" id="{74441320-3A09-C9E4-96DB-572FB3D813F5}"/>
                 </a:ext>
               </a:extLst>
             </p:cNvPr>
@@ -6287,21 +6784,15 @@
           </p:nvSpPr>
           <p:spPr>
             <a:xfrm>
-              <a:off x="1605790" y="3923930"/>
-              <a:ext cx="295096" cy="269103"/>
+              <a:off x="4779938" y="3344091"/>
+              <a:ext cx="411032" cy="362724"/>
             </a:xfrm>
-            <a:prstGeom prst="triangle">
+            <a:prstGeom prst="ellipse">
               <a:avLst/>
             </a:prstGeom>
             <a:solidFill>
-              <a:schemeClr val="accent6">
-                <a:lumMod val="40000"/>
-                <a:lumOff val="60000"/>
-              </a:schemeClr>
+              <a:schemeClr val="accent2"/>
             </a:solidFill>
-            <a:ln>
-              <a:noFill/>
-            </a:ln>
           </p:spPr>
           <p:style>
             <a:lnRef idx="2">
@@ -6331,10 +6822,10 @@
       </p:grpSp>
       <p:grpSp>
         <p:nvGrpSpPr>
-          <p:cNvPr id="17" name="그룹 16">
+          <p:cNvPr id="22" name="그룹 21">
             <a:extLst>
               <a:ext uri="{FF2B5EF4-FFF2-40B4-BE49-F238E27FC236}">
-                <a16:creationId xmlns:a16="http://schemas.microsoft.com/office/drawing/2014/main" id="{4A0CA845-5607-CC76-74AB-78ABC5BB4642}"/>
+                <a16:creationId xmlns:a16="http://schemas.microsoft.com/office/drawing/2014/main" id="{6F0D011F-2450-E7B9-E35C-F71EC8BC3914}"/>
               </a:ext>
             </a:extLst>
           </p:cNvPr>
@@ -6343,24 +6834,18 @@
         </p:nvGrpSpPr>
         <p:grpSpPr>
           <a:xfrm>
-            <a:off x="2721006" y="2972493"/>
-            <a:ext cx="759041" cy="937981"/>
-            <a:chOff x="1305016" y="3062796"/>
-            <a:chExt cx="896645" cy="1130237"/>
-          </a:xfrm>
-          <a:solidFill>
-            <a:schemeClr val="tx2">
-              <a:lumMod val="50000"/>
-              <a:lumOff val="50000"/>
-            </a:schemeClr>
-          </a:solidFill>
+            <a:off x="4195472" y="2157989"/>
+            <a:ext cx="612310" cy="559292"/>
+            <a:chOff x="4683967" y="3237722"/>
+            <a:chExt cx="612310" cy="559292"/>
+          </a:xfrm>
         </p:grpSpPr>
         <p:sp>
           <p:nvSpPr>
-            <p:cNvPr id="19" name="순서도: 연결자 18">
+            <p:cNvPr id="23" name="타원 22">
               <a:extLst>
                 <a:ext uri="{FF2B5EF4-FFF2-40B4-BE49-F238E27FC236}">
-                  <a16:creationId xmlns:a16="http://schemas.microsoft.com/office/drawing/2014/main" id="{AC382FEA-2D48-FB0D-91DD-BF561C51B8C6}"/>
+                  <a16:creationId xmlns:a16="http://schemas.microsoft.com/office/drawing/2014/main" id="{2559F7E8-E1C2-FB2E-7E1E-171EDE2DA1A8}"/>
                 </a:ext>
               </a:extLst>
             </p:cNvPr>
@@ -6369,16 +6854,15 @@
           </p:nvSpPr>
           <p:spPr>
             <a:xfrm>
-              <a:off x="1305016" y="3062796"/>
-              <a:ext cx="896645" cy="861134"/>
+              <a:off x="4683967" y="3237722"/>
+              <a:ext cx="612310" cy="559292"/>
             </a:xfrm>
-            <a:prstGeom prst="flowChartConnector">
+            <a:prstGeom prst="ellipse">
               <a:avLst/>
             </a:prstGeom>
-            <a:grpFill/>
-            <a:ln>
-              <a:noFill/>
-            </a:ln>
+            <a:solidFill>
+              <a:schemeClr val="accent2"/>
+            </a:solidFill>
           </p:spPr>
           <p:style>
             <a:lnRef idx="2">
@@ -6407,10 +6891,10 @@
         </p:sp>
         <p:sp>
           <p:nvSpPr>
-            <p:cNvPr id="22" name="이등변 삼각형 21">
+            <p:cNvPr id="24" name="타원 23">
               <a:extLst>
                 <a:ext uri="{FF2B5EF4-FFF2-40B4-BE49-F238E27FC236}">
-                  <a16:creationId xmlns:a16="http://schemas.microsoft.com/office/drawing/2014/main" id="{C6EA93EF-D270-A1CA-2B5E-458434DAF6EA}"/>
+                  <a16:creationId xmlns:a16="http://schemas.microsoft.com/office/drawing/2014/main" id="{26EFE03E-C479-FF11-5630-7F9E2186EAFD}"/>
                 </a:ext>
               </a:extLst>
             </p:cNvPr>
@@ -6419,16 +6903,15 @@
           </p:nvSpPr>
           <p:spPr>
             <a:xfrm>
-              <a:off x="1605790" y="3923930"/>
-              <a:ext cx="295096" cy="269103"/>
+              <a:off x="4779938" y="3344091"/>
+              <a:ext cx="411032" cy="362724"/>
             </a:xfrm>
-            <a:prstGeom prst="triangle">
+            <a:prstGeom prst="ellipse">
               <a:avLst/>
             </a:prstGeom>
-            <a:grpFill/>
-            <a:ln>
-              <a:noFill/>
-            </a:ln>
+            <a:solidFill>
+              <a:schemeClr val="accent2"/>
+            </a:solidFill>
           </p:spPr>
           <p:style>
             <a:lnRef idx="2">
@@ -6458,10 +6941,10 @@
       </p:grpSp>
       <p:grpSp>
         <p:nvGrpSpPr>
-          <p:cNvPr id="23" name="그룹 22">
+          <p:cNvPr id="25" name="그룹 24">
             <a:extLst>
               <a:ext uri="{FF2B5EF4-FFF2-40B4-BE49-F238E27FC236}">
-                <a16:creationId xmlns:a16="http://schemas.microsoft.com/office/drawing/2014/main" id="{F5C099AC-AC4A-A2DF-F4E3-3B2C7F75DC27}"/>
+                <a16:creationId xmlns:a16="http://schemas.microsoft.com/office/drawing/2014/main" id="{3217457F-904C-6791-56E7-9B71ED422DF6}"/>
               </a:ext>
             </a:extLst>
           </p:cNvPr>
@@ -6470,23 +6953,18 @@
         </p:nvGrpSpPr>
         <p:grpSpPr>
           <a:xfrm>
-            <a:off x="3972492" y="3720854"/>
-            <a:ext cx="759041" cy="937981"/>
-            <a:chOff x="1305016" y="3062796"/>
-            <a:chExt cx="896645" cy="1130237"/>
-          </a:xfrm>
-          <a:solidFill>
-            <a:schemeClr val="accent2">
-              <a:lumMod val="75000"/>
-            </a:schemeClr>
-          </a:solidFill>
+            <a:off x="5051019" y="2185053"/>
+            <a:ext cx="612310" cy="559292"/>
+            <a:chOff x="4683967" y="3237722"/>
+            <a:chExt cx="612310" cy="559292"/>
+          </a:xfrm>
         </p:grpSpPr>
         <p:sp>
           <p:nvSpPr>
-            <p:cNvPr id="24" name="순서도: 연결자 23">
+            <p:cNvPr id="26" name="타원 25">
               <a:extLst>
                 <a:ext uri="{FF2B5EF4-FFF2-40B4-BE49-F238E27FC236}">
-                  <a16:creationId xmlns:a16="http://schemas.microsoft.com/office/drawing/2014/main" id="{8AA41B52-8CA3-123A-764C-E8D8AC4921A6}"/>
+                  <a16:creationId xmlns:a16="http://schemas.microsoft.com/office/drawing/2014/main" id="{08723C73-2C42-6CB5-83CF-D04481288226}"/>
                 </a:ext>
               </a:extLst>
             </p:cNvPr>
@@ -6495,16 +6973,15 @@
           </p:nvSpPr>
           <p:spPr>
             <a:xfrm>
-              <a:off x="1305016" y="3062796"/>
-              <a:ext cx="896645" cy="861134"/>
+              <a:off x="4683967" y="3237722"/>
+              <a:ext cx="612310" cy="559292"/>
             </a:xfrm>
-            <a:prstGeom prst="flowChartConnector">
+            <a:prstGeom prst="ellipse">
               <a:avLst/>
             </a:prstGeom>
-            <a:grpFill/>
-            <a:ln>
-              <a:noFill/>
-            </a:ln>
+            <a:solidFill>
+              <a:schemeClr val="accent2"/>
+            </a:solidFill>
           </p:spPr>
           <p:style>
             <a:lnRef idx="2">
@@ -6533,10 +7010,10 @@
         </p:sp>
         <p:sp>
           <p:nvSpPr>
-            <p:cNvPr id="25" name="이등변 삼각형 24">
+            <p:cNvPr id="27" name="타원 26">
               <a:extLst>
                 <a:ext uri="{FF2B5EF4-FFF2-40B4-BE49-F238E27FC236}">
-                  <a16:creationId xmlns:a16="http://schemas.microsoft.com/office/drawing/2014/main" id="{0087168C-2B26-C8D6-A0F8-3768E62E23C5}"/>
+                  <a16:creationId xmlns:a16="http://schemas.microsoft.com/office/drawing/2014/main" id="{9EBD2123-7111-2820-9F18-7C366C32BB1B}"/>
                 </a:ext>
               </a:extLst>
             </p:cNvPr>
@@ -6545,16 +7022,15 @@
           </p:nvSpPr>
           <p:spPr>
             <a:xfrm>
-              <a:off x="1605790" y="3923930"/>
-              <a:ext cx="295096" cy="269103"/>
+              <a:off x="4779938" y="3344091"/>
+              <a:ext cx="411032" cy="362724"/>
             </a:xfrm>
-            <a:prstGeom prst="triangle">
+            <a:prstGeom prst="ellipse">
               <a:avLst/>
             </a:prstGeom>
-            <a:grpFill/>
-            <a:ln>
-              <a:noFill/>
-            </a:ln>
+            <a:solidFill>
+              <a:schemeClr val="accent2"/>
+            </a:solidFill>
           </p:spPr>
           <p:style>
             <a:lnRef idx="2">
@@ -6582,12 +7058,187 @@
           </p:txBody>
         </p:sp>
       </p:grpSp>
+      <p:sp>
+        <p:nvSpPr>
+          <p:cNvPr id="28" name="직사각형 27">
+            <a:extLst>
+              <a:ext uri="{FF2B5EF4-FFF2-40B4-BE49-F238E27FC236}">
+                <a16:creationId xmlns:a16="http://schemas.microsoft.com/office/drawing/2014/main" id="{DD154581-59BB-8027-7BAB-5E644BF49B17}"/>
+              </a:ext>
+            </a:extLst>
+          </p:cNvPr>
+          <p:cNvSpPr/>
+          <p:nvPr/>
+        </p:nvSpPr>
+        <p:spPr>
+          <a:xfrm>
+            <a:off x="3010069" y="2832908"/>
+            <a:ext cx="2973780" cy="559292"/>
+          </a:xfrm>
+          <a:prstGeom prst="rect">
+            <a:avLst/>
+          </a:prstGeom>
+          <a:solidFill>
+            <a:schemeClr val="tx1">
+              <a:lumMod val="75000"/>
+              <a:lumOff val="25000"/>
+            </a:schemeClr>
+          </a:solidFill>
+          <a:ln>
+            <a:noFill/>
+          </a:ln>
+        </p:spPr>
+        <p:style>
+          <a:lnRef idx="2">
+            <a:schemeClr val="accent1">
+              <a:shade val="15000"/>
+            </a:schemeClr>
+          </a:lnRef>
+          <a:fillRef idx="1">
+            <a:schemeClr val="accent1"/>
+          </a:fillRef>
+          <a:effectRef idx="0">
+            <a:schemeClr val="accent1"/>
+          </a:effectRef>
+          <a:fontRef idx="minor">
+            <a:schemeClr val="lt1"/>
+          </a:fontRef>
+        </p:style>
+        <p:txBody>
+          <a:bodyPr rtlCol="0" anchor="ctr"/>
+          <a:lstStyle/>
+          <a:p>
+            <a:pPr algn="ctr"/>
+            <a:endParaRPr lang="ko-KR" altLang="en-US" dirty="0"/>
+          </a:p>
+        </p:txBody>
+      </p:sp>
+    </p:spTree>
+    <p:extLst>
+      <p:ext uri="{BB962C8B-B14F-4D97-AF65-F5344CB8AC3E}">
+        <p14:creationId xmlns:p14="http://schemas.microsoft.com/office/powerpoint/2010/main" val="3509325709"/>
+      </p:ext>
+    </p:extLst>
+  </p:cSld>
+  <p:clrMapOvr>
+    <a:masterClrMapping/>
+  </p:clrMapOvr>
+</p:sld>
+</file>
+
+<file path=ppt/slides/slide6.xml><?xml version="1.0" encoding="utf-8"?>
+<p:sld xmlns:a="http://schemas.openxmlformats.org/drawingml/2006/main" xmlns:r="http://schemas.openxmlformats.org/officeDocument/2006/relationships" xmlns:p="http://schemas.openxmlformats.org/presentationml/2006/main">
+  <p:cSld>
+    <p:spTree>
+      <p:nvGrpSpPr>
+        <p:cNvPr id="1" name=""/>
+        <p:cNvGrpSpPr/>
+        <p:nvPr/>
+      </p:nvGrpSpPr>
+      <p:grpSpPr>
+        <a:xfrm>
+          <a:off x="0" y="0"/>
+          <a:ext cx="0" cy="0"/>
+          <a:chOff x="0" y="0"/>
+          <a:chExt cx="0" cy="0"/>
+        </a:xfrm>
+      </p:grpSpPr>
+      <p:sp>
+        <p:nvSpPr>
+          <p:cNvPr id="2" name="제목 1">
+            <a:extLst>
+              <a:ext uri="{FF2B5EF4-FFF2-40B4-BE49-F238E27FC236}">
+                <a16:creationId xmlns:a16="http://schemas.microsoft.com/office/drawing/2014/main" id="{3AA6211A-5181-DCEE-F8C4-98D533967D7A}"/>
+              </a:ext>
+            </a:extLst>
+          </p:cNvPr>
+          <p:cNvSpPr>
+            <a:spLocks noGrp="1"/>
+          </p:cNvSpPr>
+          <p:nvPr>
+            <p:ph type="title"/>
+          </p:nvPr>
+        </p:nvSpPr>
+        <p:spPr/>
+        <p:txBody>
+          <a:bodyPr/>
+          <a:lstStyle/>
+          <a:p>
+            <a:r>
+              <a:rPr lang="ko-KR" altLang="en-US" dirty="0"/>
+              <a:t>오브젝트 설명</a:t>
+            </a:r>
+            <a:br>
+              <a:rPr lang="en-US" altLang="ko-KR" dirty="0"/>
+            </a:br>
+            <a:endParaRPr lang="ko-KR" altLang="en-US" dirty="0"/>
+          </a:p>
+        </p:txBody>
+      </p:sp>
+      <p:sp>
+        <p:nvSpPr>
+          <p:cNvPr id="14" name="직사각형 13">
+            <a:extLst>
+              <a:ext uri="{FF2B5EF4-FFF2-40B4-BE49-F238E27FC236}">
+                <a16:creationId xmlns:a16="http://schemas.microsoft.com/office/drawing/2014/main" id="{ECB313EB-856A-ECFB-45FB-E39B3CFABFD0}"/>
+              </a:ext>
+            </a:extLst>
+          </p:cNvPr>
+          <p:cNvSpPr/>
+          <p:nvPr/>
+        </p:nvSpPr>
+        <p:spPr>
+          <a:xfrm>
+            <a:off x="1371600" y="1578601"/>
+            <a:ext cx="4581409" cy="2232436"/>
+          </a:xfrm>
+          <a:prstGeom prst="rect">
+            <a:avLst/>
+          </a:prstGeom>
+          <a:solidFill>
+            <a:schemeClr val="accent1"/>
+          </a:solidFill>
+          <a:ln>
+            <a:solidFill>
+              <a:schemeClr val="tx1"/>
+            </a:solidFill>
+          </a:ln>
+        </p:spPr>
+        <p:style>
+          <a:lnRef idx="2">
+            <a:schemeClr val="accent1">
+              <a:shade val="15000"/>
+            </a:schemeClr>
+          </a:lnRef>
+          <a:fillRef idx="1">
+            <a:schemeClr val="accent1"/>
+          </a:fillRef>
+          <a:effectRef idx="0">
+            <a:schemeClr val="accent1"/>
+          </a:effectRef>
+          <a:fontRef idx="minor">
+            <a:schemeClr val="lt1"/>
+          </a:fontRef>
+        </p:style>
+        <p:txBody>
+          <a:bodyPr rtlCol="0" anchor="ctr"/>
+          <a:lstStyle/>
+          <a:p>
+            <a:pPr algn="ctr"/>
+            <a:endParaRPr lang="en-US" altLang="ko-KR" dirty="0">
+              <a:solidFill>
+                <a:schemeClr val="tx1"/>
+              </a:solidFill>
+            </a:endParaRPr>
+          </a:p>
+        </p:txBody>
+      </p:sp>
       <p:grpSp>
         <p:nvGrpSpPr>
-          <p:cNvPr id="26" name="그룹 25">
+          <p:cNvPr id="5" name="그룹 4">
             <a:extLst>
               <a:ext uri="{FF2B5EF4-FFF2-40B4-BE49-F238E27FC236}">
-                <a16:creationId xmlns:a16="http://schemas.microsoft.com/office/drawing/2014/main" id="{7854C72C-35DC-3F20-DEDC-BB448934B4F2}"/>
+                <a16:creationId xmlns:a16="http://schemas.microsoft.com/office/drawing/2014/main" id="{DDF4F485-1A02-1CE0-16B1-E378D14A1383}"/>
               </a:ext>
             </a:extLst>
           </p:cNvPr>
@@ -6596,23 +7247,18 @@
         </p:nvGrpSpPr>
         <p:grpSpPr>
           <a:xfrm>
-            <a:off x="5499451" y="2655705"/>
-            <a:ext cx="759041" cy="937981"/>
-            <a:chOff x="1305016" y="3062796"/>
-            <a:chExt cx="896645" cy="1130237"/>
-          </a:xfrm>
-          <a:solidFill>
-            <a:schemeClr val="accent5">
-              <a:lumMod val="75000"/>
-            </a:schemeClr>
-          </a:solidFill>
+            <a:off x="1903588" y="2157451"/>
+            <a:ext cx="1145296" cy="1152071"/>
+            <a:chOff x="4683967" y="3237722"/>
+            <a:chExt cx="612310" cy="559292"/>
+          </a:xfrm>
         </p:grpSpPr>
         <p:sp>
           <p:nvSpPr>
-            <p:cNvPr id="27" name="순서도: 연결자 26">
+            <p:cNvPr id="6" name="타원 5">
               <a:extLst>
                 <a:ext uri="{FF2B5EF4-FFF2-40B4-BE49-F238E27FC236}">
-                  <a16:creationId xmlns:a16="http://schemas.microsoft.com/office/drawing/2014/main" id="{35C423CB-EE75-2DDB-A066-D9C46B1F76F2}"/>
+                  <a16:creationId xmlns:a16="http://schemas.microsoft.com/office/drawing/2014/main" id="{40F9E3C2-B593-4254-4B94-60BD8CC5CDF2}"/>
                 </a:ext>
               </a:extLst>
             </p:cNvPr>
@@ -6621,16 +7267,15 @@
           </p:nvSpPr>
           <p:spPr>
             <a:xfrm>
-              <a:off x="1305016" y="3062796"/>
-              <a:ext cx="896645" cy="861134"/>
+              <a:off x="4683967" y="3237722"/>
+              <a:ext cx="612310" cy="559292"/>
             </a:xfrm>
-            <a:prstGeom prst="flowChartConnector">
+            <a:prstGeom prst="ellipse">
               <a:avLst/>
             </a:prstGeom>
-            <a:grpFill/>
-            <a:ln>
-              <a:noFill/>
-            </a:ln>
+            <a:solidFill>
+              <a:schemeClr val="accent2"/>
+            </a:solidFill>
           </p:spPr>
           <p:style>
             <a:lnRef idx="2">
@@ -6659,10 +7304,10 @@
         </p:sp>
         <p:sp>
           <p:nvSpPr>
-            <p:cNvPr id="28" name="이등변 삼각형 27">
+            <p:cNvPr id="7" name="타원 6">
               <a:extLst>
                 <a:ext uri="{FF2B5EF4-FFF2-40B4-BE49-F238E27FC236}">
-                  <a16:creationId xmlns:a16="http://schemas.microsoft.com/office/drawing/2014/main" id="{2B2A3328-6C36-7E59-4D47-1D4947B88237}"/>
+                  <a16:creationId xmlns:a16="http://schemas.microsoft.com/office/drawing/2014/main" id="{DF6C93F1-3939-2D14-B144-2220FB6282DA}"/>
                 </a:ext>
               </a:extLst>
             </p:cNvPr>
@@ -6671,16 +7316,15 @@
           </p:nvSpPr>
           <p:spPr>
             <a:xfrm>
-              <a:off x="1605790" y="3923930"/>
-              <a:ext cx="295096" cy="269103"/>
+              <a:off x="4779938" y="3344091"/>
+              <a:ext cx="411032" cy="362724"/>
             </a:xfrm>
-            <a:prstGeom prst="triangle">
+            <a:prstGeom prst="ellipse">
               <a:avLst/>
             </a:prstGeom>
-            <a:grpFill/>
-            <a:ln>
-              <a:noFill/>
-            </a:ln>
+            <a:solidFill>
+              <a:schemeClr val="accent2"/>
+            </a:solidFill>
           </p:spPr>
           <p:style>
             <a:lnRef idx="2">
@@ -6708,139 +7352,12 @@
           </p:txBody>
         </p:sp>
       </p:grpSp>
-      <p:grpSp>
-        <p:nvGrpSpPr>
-          <p:cNvPr id="29" name="그룹 28">
+      <p:sp>
+        <p:nvSpPr>
+          <p:cNvPr id="15" name="직사각형 14">
             <a:extLst>
               <a:ext uri="{FF2B5EF4-FFF2-40B4-BE49-F238E27FC236}">
-                <a16:creationId xmlns:a16="http://schemas.microsoft.com/office/drawing/2014/main" id="{A00D4909-D6DC-4FAA-1BB0-C28B87B5A62D}"/>
-              </a:ext>
-            </a:extLst>
-          </p:cNvPr>
-          <p:cNvGrpSpPr/>
-          <p:nvPr/>
-        </p:nvGrpSpPr>
-        <p:grpSpPr>
-          <a:xfrm>
-            <a:off x="2005200" y="3764339"/>
-            <a:ext cx="759041" cy="937981"/>
-            <a:chOff x="1305016" y="3062796"/>
-            <a:chExt cx="896645" cy="1130237"/>
-          </a:xfrm>
-          <a:solidFill>
-            <a:schemeClr val="accent5">
-              <a:lumMod val="40000"/>
-              <a:lumOff val="60000"/>
-            </a:schemeClr>
-          </a:solidFill>
-        </p:grpSpPr>
-        <p:sp>
-          <p:nvSpPr>
-            <p:cNvPr id="30" name="순서도: 연결자 29">
-              <a:extLst>
-                <a:ext uri="{FF2B5EF4-FFF2-40B4-BE49-F238E27FC236}">
-                  <a16:creationId xmlns:a16="http://schemas.microsoft.com/office/drawing/2014/main" id="{A3D6BDE8-58D1-C61D-92E5-5C6A0230F4BB}"/>
-                </a:ext>
-              </a:extLst>
-            </p:cNvPr>
-            <p:cNvSpPr/>
-            <p:nvPr/>
-          </p:nvSpPr>
-          <p:spPr>
-            <a:xfrm>
-              <a:off x="1305016" y="3062796"/>
-              <a:ext cx="896645" cy="861134"/>
-            </a:xfrm>
-            <a:prstGeom prst="flowChartConnector">
-              <a:avLst/>
-            </a:prstGeom>
-            <a:grpFill/>
-            <a:ln>
-              <a:noFill/>
-            </a:ln>
-          </p:spPr>
-          <p:style>
-            <a:lnRef idx="2">
-              <a:schemeClr val="accent1">
-                <a:shade val="15000"/>
-              </a:schemeClr>
-            </a:lnRef>
-            <a:fillRef idx="1">
-              <a:schemeClr val="accent1"/>
-            </a:fillRef>
-            <a:effectRef idx="0">
-              <a:schemeClr val="accent1"/>
-            </a:effectRef>
-            <a:fontRef idx="minor">
-              <a:schemeClr val="lt1"/>
-            </a:fontRef>
-          </p:style>
-          <p:txBody>
-            <a:bodyPr rtlCol="0" anchor="ctr"/>
-            <a:lstStyle/>
-            <a:p>
-              <a:pPr algn="ctr"/>
-              <a:endParaRPr lang="ko-KR" altLang="en-US"/>
-            </a:p>
-          </p:txBody>
-        </p:sp>
-        <p:sp>
-          <p:nvSpPr>
-            <p:cNvPr id="31" name="이등변 삼각형 30">
-              <a:extLst>
-                <a:ext uri="{FF2B5EF4-FFF2-40B4-BE49-F238E27FC236}">
-                  <a16:creationId xmlns:a16="http://schemas.microsoft.com/office/drawing/2014/main" id="{C94AED6B-649A-51D5-FE2E-D07DC58EA36A}"/>
-                </a:ext>
-              </a:extLst>
-            </p:cNvPr>
-            <p:cNvSpPr/>
-            <p:nvPr/>
-          </p:nvSpPr>
-          <p:spPr>
-            <a:xfrm>
-              <a:off x="1605790" y="3923930"/>
-              <a:ext cx="295096" cy="269103"/>
-            </a:xfrm>
-            <a:prstGeom prst="triangle">
-              <a:avLst/>
-            </a:prstGeom>
-            <a:grpFill/>
-            <a:ln>
-              <a:noFill/>
-            </a:ln>
-          </p:spPr>
-          <p:style>
-            <a:lnRef idx="2">
-              <a:schemeClr val="accent1">
-                <a:shade val="15000"/>
-              </a:schemeClr>
-            </a:lnRef>
-            <a:fillRef idx="1">
-              <a:schemeClr val="accent1"/>
-            </a:fillRef>
-            <a:effectRef idx="0">
-              <a:schemeClr val="accent1"/>
-            </a:effectRef>
-            <a:fontRef idx="minor">
-              <a:schemeClr val="lt1"/>
-            </a:fontRef>
-          </p:style>
-          <p:txBody>
-            <a:bodyPr rtlCol="0" anchor="ctr"/>
-            <a:lstStyle/>
-            <a:p>
-              <a:pPr algn="ctr"/>
-              <a:endParaRPr lang="ko-KR" altLang="en-US"/>
-            </a:p>
-          </p:txBody>
-        </p:sp>
-      </p:grpSp>
-      <p:sp>
-        <p:nvSpPr>
-          <p:cNvPr id="32" name="순서도: 연결자 31">
-            <a:extLst>
-              <a:ext uri="{FF2B5EF4-FFF2-40B4-BE49-F238E27FC236}">
-                <a16:creationId xmlns:a16="http://schemas.microsoft.com/office/drawing/2014/main" id="{DDA7EA36-DC29-4BC3-F236-BB997E5EC0EA}"/>
+                <a16:creationId xmlns:a16="http://schemas.microsoft.com/office/drawing/2014/main" id="{D5F198E6-BA9B-291F-F816-6AA4983E9581}"/>
               </a:ext>
             </a:extLst>
           </p:cNvPr>
@@ -6849,24 +7366,18 @@
         </p:nvSpPr>
         <p:spPr>
           <a:xfrm>
-            <a:off x="3972492" y="2721143"/>
-            <a:ext cx="590497" cy="584523"/>
-          </a:xfrm>
-          <a:prstGeom prst="flowChartConnector">
+            <a:off x="3622541" y="1731519"/>
+            <a:ext cx="2199992" cy="1926599"/>
+          </a:xfrm>
+          <a:prstGeom prst="rect">
             <a:avLst/>
           </a:prstGeom>
           <a:solidFill>
-            <a:schemeClr val="accent2">
-              <a:lumMod val="60000"/>
-              <a:lumOff val="40000"/>
-            </a:schemeClr>
+            <a:schemeClr val="bg1"/>
           </a:solidFill>
           <a:ln>
             <a:solidFill>
-              <a:schemeClr val="tx1">
-                <a:lumMod val="50000"/>
-                <a:lumOff val="50000"/>
-              </a:schemeClr>
+              <a:schemeClr val="tx1"/>
             </a:solidFill>
           </a:ln>
         </p:spPr>
@@ -6891,16 +7402,68 @@
           <a:lstStyle/>
           <a:p>
             <a:pPr algn="ctr"/>
-            <a:endParaRPr lang="ko-KR" altLang="en-US"/>
-          </a:p>
-        </p:txBody>
-      </p:sp>
-      <p:sp>
-        <p:nvSpPr>
-          <p:cNvPr id="33" name="순서도: 연결자 32">
+            <a:r>
+              <a:rPr lang="ko-KR" altLang="en-US" dirty="0">
+                <a:solidFill>
+                  <a:schemeClr val="tx1"/>
+                </a:solidFill>
+              </a:rPr>
+              <a:t>코인</a:t>
+            </a:r>
+            <a:endParaRPr lang="en-US" altLang="ko-KR" dirty="0">
+              <a:solidFill>
+                <a:schemeClr val="tx1"/>
+              </a:solidFill>
+            </a:endParaRPr>
+          </a:p>
+          <a:p>
+            <a:pPr algn="ctr"/>
+            <a:endParaRPr lang="en-US" altLang="ko-KR" dirty="0">
+              <a:solidFill>
+                <a:schemeClr val="tx1"/>
+              </a:solidFill>
+            </a:endParaRPr>
+          </a:p>
+          <a:p>
+            <a:pPr algn="ctr"/>
+            <a:r>
+              <a:rPr lang="ko-KR" altLang="en-US" dirty="0">
+                <a:solidFill>
+                  <a:schemeClr val="tx1"/>
+                </a:solidFill>
+              </a:rPr>
+              <a:t>게임이 끝나면</a:t>
+            </a:r>
+            <a:endParaRPr lang="en-US" altLang="ko-KR" dirty="0">
+              <a:solidFill>
+                <a:schemeClr val="tx1"/>
+              </a:solidFill>
+            </a:endParaRPr>
+          </a:p>
+          <a:p>
+            <a:pPr algn="ctr"/>
+            <a:r>
+              <a:rPr lang="ko-KR" altLang="en-US" dirty="0">
+                <a:solidFill>
+                  <a:schemeClr val="tx1"/>
+                </a:solidFill>
+              </a:rPr>
+              <a:t>점수로 환산된다</a:t>
+            </a:r>
+            <a:endParaRPr lang="en-US" altLang="ko-KR" dirty="0">
+              <a:solidFill>
+                <a:schemeClr val="tx1"/>
+              </a:solidFill>
+            </a:endParaRPr>
+          </a:p>
+        </p:txBody>
+      </p:sp>
+      <p:sp>
+        <p:nvSpPr>
+          <p:cNvPr id="18" name="직사각형 17">
             <a:extLst>
               <a:ext uri="{FF2B5EF4-FFF2-40B4-BE49-F238E27FC236}">
-                <a16:creationId xmlns:a16="http://schemas.microsoft.com/office/drawing/2014/main" id="{94A4EE77-7643-E420-8B42-A6A1A018C7B9}"/>
+                <a16:creationId xmlns:a16="http://schemas.microsoft.com/office/drawing/2014/main" id="{46A149C5-6628-13AB-9F99-C2C99F5F9954}"/>
               </a:ext>
             </a:extLst>
           </p:cNvPr>
@@ -6909,24 +7472,18 @@
         </p:nvSpPr>
         <p:spPr>
           <a:xfrm>
-            <a:off x="4270900" y="2895523"/>
-            <a:ext cx="759041" cy="714653"/>
-          </a:xfrm>
-          <a:prstGeom prst="flowChartConnector">
+            <a:off x="6526666" y="1578601"/>
+            <a:ext cx="4581409" cy="2232436"/>
+          </a:xfrm>
+          <a:prstGeom prst="rect">
             <a:avLst/>
           </a:prstGeom>
           <a:solidFill>
-            <a:schemeClr val="accent2">
-              <a:lumMod val="60000"/>
-              <a:lumOff val="40000"/>
-            </a:schemeClr>
+            <a:schemeClr val="accent1"/>
           </a:solidFill>
           <a:ln>
             <a:solidFill>
-              <a:schemeClr val="tx1">
-                <a:lumMod val="50000"/>
-                <a:lumOff val="50000"/>
-              </a:schemeClr>
+              <a:schemeClr val="tx1"/>
             </a:solidFill>
           </a:ln>
         </p:spPr>
@@ -6951,16 +7508,20 @@
           <a:lstStyle/>
           <a:p>
             <a:pPr algn="ctr"/>
-            <a:endParaRPr lang="ko-KR" altLang="en-US"/>
-          </a:p>
-        </p:txBody>
-      </p:sp>
-      <p:sp>
-        <p:nvSpPr>
-          <p:cNvPr id="34" name="순서도: 연결자 33">
+            <a:endParaRPr lang="en-US" altLang="ko-KR" dirty="0">
+              <a:solidFill>
+                <a:schemeClr val="tx1"/>
+              </a:solidFill>
+            </a:endParaRPr>
+          </a:p>
+        </p:txBody>
+      </p:sp>
+      <p:sp>
+        <p:nvSpPr>
+          <p:cNvPr id="30" name="직사각형 29">
             <a:extLst>
               <a:ext uri="{FF2B5EF4-FFF2-40B4-BE49-F238E27FC236}">
-                <a16:creationId xmlns:a16="http://schemas.microsoft.com/office/drawing/2014/main" id="{F2D35222-7A21-67C3-EAAB-9DB37A07E661}"/>
+                <a16:creationId xmlns:a16="http://schemas.microsoft.com/office/drawing/2014/main" id="{3666DAAD-1CF7-B371-86CF-D378B15E58AB}"/>
               </a:ext>
             </a:extLst>
           </p:cNvPr>
@@ -6969,24 +7530,18 @@
         </p:nvSpPr>
         <p:spPr>
           <a:xfrm>
-            <a:off x="4334554" y="2457670"/>
-            <a:ext cx="590497" cy="547206"/>
-          </a:xfrm>
-          <a:prstGeom prst="flowChartConnector">
+            <a:off x="8777607" y="1731519"/>
+            <a:ext cx="2199992" cy="1926599"/>
+          </a:xfrm>
+          <a:prstGeom prst="rect">
             <a:avLst/>
           </a:prstGeom>
           <a:solidFill>
-            <a:schemeClr val="accent2">
-              <a:lumMod val="60000"/>
-              <a:lumOff val="40000"/>
-            </a:schemeClr>
+            <a:schemeClr val="bg1"/>
           </a:solidFill>
           <a:ln>
             <a:solidFill>
-              <a:schemeClr val="tx1">
-                <a:lumMod val="50000"/>
-                <a:lumOff val="50000"/>
-              </a:schemeClr>
+              <a:schemeClr val="tx1"/>
             </a:solidFill>
           </a:ln>
         </p:spPr>
@@ -7011,16 +7566,68 @@
           <a:lstStyle/>
           <a:p>
             <a:pPr algn="ctr"/>
-            <a:endParaRPr lang="ko-KR" altLang="en-US"/>
-          </a:p>
-        </p:txBody>
-      </p:sp>
-      <p:sp>
-        <p:nvSpPr>
-          <p:cNvPr id="35" name="이등변 삼각형 34">
+            <a:r>
+              <a:rPr lang="ko-KR" altLang="en-US" dirty="0">
+                <a:solidFill>
+                  <a:schemeClr val="tx1"/>
+                </a:solidFill>
+              </a:rPr>
+              <a:t>버섯</a:t>
+            </a:r>
+            <a:endParaRPr lang="en-US" altLang="ko-KR" dirty="0">
+              <a:solidFill>
+                <a:schemeClr val="tx1"/>
+              </a:solidFill>
+            </a:endParaRPr>
+          </a:p>
+          <a:p>
+            <a:pPr algn="ctr"/>
+            <a:endParaRPr lang="en-US" altLang="ko-KR" dirty="0">
+              <a:solidFill>
+                <a:schemeClr val="tx1"/>
+              </a:solidFill>
+            </a:endParaRPr>
+          </a:p>
+          <a:p>
+            <a:pPr algn="ctr"/>
+            <a:r>
+              <a:rPr lang="ko-KR" altLang="en-US" dirty="0">
+                <a:solidFill>
+                  <a:schemeClr val="tx1"/>
+                </a:solidFill>
+              </a:rPr>
+              <a:t>일정시간동안</a:t>
+            </a:r>
+            <a:endParaRPr lang="en-US" altLang="ko-KR" dirty="0">
+              <a:solidFill>
+                <a:schemeClr val="tx1"/>
+              </a:solidFill>
+            </a:endParaRPr>
+          </a:p>
+          <a:p>
+            <a:pPr algn="ctr"/>
+            <a:r>
+              <a:rPr lang="ko-KR" altLang="en-US" dirty="0">
+                <a:solidFill>
+                  <a:schemeClr val="tx1"/>
+                </a:solidFill>
+              </a:rPr>
+              <a:t>캐릭터의 크기를 키운다</a:t>
+            </a:r>
+            <a:endParaRPr lang="en-US" altLang="ko-KR" dirty="0">
+              <a:solidFill>
+                <a:schemeClr val="tx1"/>
+              </a:solidFill>
+            </a:endParaRPr>
+          </a:p>
+        </p:txBody>
+      </p:sp>
+      <p:sp>
+        <p:nvSpPr>
+          <p:cNvPr id="31" name="직사각형 30">
             <a:extLst>
               <a:ext uri="{FF2B5EF4-FFF2-40B4-BE49-F238E27FC236}">
-                <a16:creationId xmlns:a16="http://schemas.microsoft.com/office/drawing/2014/main" id="{1485809E-E877-DBAF-D85A-3125B483D4C7}"/>
+                <a16:creationId xmlns:a16="http://schemas.microsoft.com/office/drawing/2014/main" id="{E7F46B65-B133-26F9-FA87-22BB31FBABFB}"/>
               </a:ext>
             </a:extLst>
           </p:cNvPr>
@@ -7028,19 +7635,17 @@
           <p:nvPr/>
         </p:nvSpPr>
         <p:spPr>
-          <a:xfrm rot="19356767">
-            <a:off x="4825684" y="3187672"/>
-            <a:ext cx="333087" cy="358171"/>
-          </a:xfrm>
-          <a:prstGeom prst="triangle">
+          <a:xfrm>
+            <a:off x="1371600" y="4372824"/>
+            <a:ext cx="4581409" cy="2232436"/>
+          </a:xfrm>
+          <a:prstGeom prst="rect">
             <a:avLst/>
           </a:prstGeom>
           <a:solidFill>
-            <a:schemeClr val="bg1">
-              <a:lumMod val="95000"/>
-            </a:schemeClr>
+            <a:schemeClr val="accent1"/>
           </a:solidFill>
-          <a:ln w="12700">
+          <a:ln>
             <a:solidFill>
               <a:schemeClr val="tx1"/>
             </a:solidFill>
@@ -7067,16 +7672,20 @@
           <a:lstStyle/>
           <a:p>
             <a:pPr algn="ctr"/>
-            <a:endParaRPr lang="ko-KR" altLang="en-US"/>
-          </a:p>
-        </p:txBody>
-      </p:sp>
-      <p:sp>
-        <p:nvSpPr>
-          <p:cNvPr id="36" name="직사각형 35">
+            <a:endParaRPr lang="en-US" altLang="ko-KR" dirty="0">
+              <a:solidFill>
+                <a:schemeClr val="tx1"/>
+              </a:solidFill>
+            </a:endParaRPr>
+          </a:p>
+        </p:txBody>
+      </p:sp>
+      <p:sp>
+        <p:nvSpPr>
+          <p:cNvPr id="32" name="직사각형 31">
             <a:extLst>
               <a:ext uri="{FF2B5EF4-FFF2-40B4-BE49-F238E27FC236}">
-                <a16:creationId xmlns:a16="http://schemas.microsoft.com/office/drawing/2014/main" id="{F6D36A01-5FF4-CBF6-0808-2B8B0318D31F}"/>
+                <a16:creationId xmlns:a16="http://schemas.microsoft.com/office/drawing/2014/main" id="{216305FF-E091-3625-FE6C-00F016BA6162}"/>
               </a:ext>
             </a:extLst>
           </p:cNvPr>
@@ -7085,17 +7694,20 @@
         </p:nvSpPr>
         <p:spPr>
           <a:xfrm>
-            <a:off x="796948" y="4922086"/>
-            <a:ext cx="6310574" cy="360128"/>
+            <a:off x="3622541" y="4525742"/>
+            <a:ext cx="2199992" cy="1926599"/>
           </a:xfrm>
           <a:prstGeom prst="rect">
             <a:avLst/>
           </a:prstGeom>
           <a:solidFill>
-            <a:schemeClr val="bg1">
-              <a:lumMod val="95000"/>
-            </a:schemeClr>
+            <a:schemeClr val="bg1"/>
           </a:solidFill>
+          <a:ln>
+            <a:solidFill>
+              <a:schemeClr val="tx1"/>
+            </a:solidFill>
+          </a:ln>
         </p:spPr>
         <p:style>
           <a:lnRef idx="2">
@@ -7118,16 +7730,68 @@
           <a:lstStyle/>
           <a:p>
             <a:pPr algn="ctr"/>
-            <a:endParaRPr lang="ko-KR" altLang="en-US"/>
-          </a:p>
-        </p:txBody>
-      </p:sp>
-      <p:sp>
-        <p:nvSpPr>
-          <p:cNvPr id="37" name="직사각형 36">
+            <a:r>
+              <a:rPr lang="ko-KR" altLang="en-US" dirty="0">
+                <a:solidFill>
+                  <a:schemeClr val="tx1"/>
+                </a:solidFill>
+              </a:rPr>
+              <a:t>바나나</a:t>
+            </a:r>
+            <a:endParaRPr lang="en-US" altLang="ko-KR" dirty="0">
+              <a:solidFill>
+                <a:schemeClr val="tx1"/>
+              </a:solidFill>
+            </a:endParaRPr>
+          </a:p>
+          <a:p>
+            <a:pPr algn="ctr"/>
+            <a:endParaRPr lang="en-US" altLang="ko-KR" dirty="0">
+              <a:solidFill>
+                <a:schemeClr val="tx1"/>
+              </a:solidFill>
+            </a:endParaRPr>
+          </a:p>
+          <a:p>
+            <a:pPr algn="ctr"/>
+            <a:r>
+              <a:rPr lang="ko-KR" altLang="en-US" dirty="0">
+                <a:solidFill>
+                  <a:schemeClr val="tx1"/>
+                </a:solidFill>
+              </a:rPr>
+              <a:t>일정시간동안</a:t>
+            </a:r>
+            <a:endParaRPr lang="en-US" altLang="ko-KR" dirty="0">
+              <a:solidFill>
+                <a:schemeClr val="tx1"/>
+              </a:solidFill>
+            </a:endParaRPr>
+          </a:p>
+          <a:p>
+            <a:pPr algn="ctr"/>
+            <a:r>
+              <a:rPr lang="ko-KR" altLang="en-US" dirty="0">
+                <a:solidFill>
+                  <a:schemeClr val="tx1"/>
+                </a:solidFill>
+              </a:rPr>
+              <a:t>캐릭터의 속도를 느리게 한다</a:t>
+            </a:r>
+            <a:endParaRPr lang="en-US" altLang="ko-KR" dirty="0">
+              <a:solidFill>
+                <a:schemeClr val="tx1"/>
+              </a:solidFill>
+            </a:endParaRPr>
+          </a:p>
+        </p:txBody>
+      </p:sp>
+      <p:sp>
+        <p:nvSpPr>
+          <p:cNvPr id="33" name="직사각형 32">
             <a:extLst>
               <a:ext uri="{FF2B5EF4-FFF2-40B4-BE49-F238E27FC236}">
-                <a16:creationId xmlns:a16="http://schemas.microsoft.com/office/drawing/2014/main" id="{8CB10136-336D-7407-5527-44F2C818E892}"/>
+                <a16:creationId xmlns:a16="http://schemas.microsoft.com/office/drawing/2014/main" id="{A3E0086B-71BD-3340-4E34-A13E55E9311D}"/>
               </a:ext>
             </a:extLst>
           </p:cNvPr>
@@ -7136,18 +7800,20 @@
         </p:nvSpPr>
         <p:spPr>
           <a:xfrm>
-            <a:off x="769856" y="4924050"/>
-            <a:ext cx="4661339" cy="360128"/>
+            <a:off x="6521867" y="4372824"/>
+            <a:ext cx="4581409" cy="2232436"/>
           </a:xfrm>
           <a:prstGeom prst="rect">
             <a:avLst/>
           </a:prstGeom>
           <a:solidFill>
-            <a:schemeClr val="accent5">
-              <a:lumMod val="60000"/>
-              <a:lumOff val="40000"/>
-            </a:schemeClr>
+            <a:schemeClr val="accent1"/>
           </a:solidFill>
+          <a:ln>
+            <a:solidFill>
+              <a:schemeClr val="tx1"/>
+            </a:solidFill>
+          </a:ln>
         </p:spPr>
         <p:style>
           <a:lnRef idx="2">
@@ -7170,74 +7836,20 @@
           <a:lstStyle/>
           <a:p>
             <a:pPr algn="ctr"/>
-            <a:endParaRPr lang="ko-KR" altLang="en-US"/>
-          </a:p>
-        </p:txBody>
-      </p:sp>
-    </p:spTree>
-    <p:extLst>
-      <p:ext uri="{BB962C8B-B14F-4D97-AF65-F5344CB8AC3E}">
-        <p14:creationId xmlns:p14="http://schemas.microsoft.com/office/powerpoint/2010/main" val="2904209546"/>
-      </p:ext>
-    </p:extLst>
-  </p:cSld>
-  <p:clrMapOvr>
-    <a:masterClrMapping/>
-  </p:clrMapOvr>
-</p:sld>
-</file>
-
-<file path=ppt/slides/slide6.xml><?xml version="1.0" encoding="utf-8"?>
-<p:sld xmlns:a="http://schemas.openxmlformats.org/drawingml/2006/main" xmlns:r="http://schemas.openxmlformats.org/officeDocument/2006/relationships" xmlns:p="http://schemas.openxmlformats.org/presentationml/2006/main">
-  <p:cSld>
-    <p:spTree>
-      <p:nvGrpSpPr>
-        <p:cNvPr id="1" name=""/>
-        <p:cNvGrpSpPr/>
-        <p:nvPr/>
-      </p:nvGrpSpPr>
-      <p:grpSpPr>
-        <a:xfrm>
-          <a:off x="0" y="0"/>
-          <a:ext cx="0" cy="0"/>
-          <a:chOff x="0" y="0"/>
-          <a:chExt cx="0" cy="0"/>
-        </a:xfrm>
-      </p:grpSpPr>
-      <p:sp>
-        <p:nvSpPr>
-          <p:cNvPr id="2" name="제목 1">
+            <a:endParaRPr lang="en-US" altLang="ko-KR" dirty="0">
+              <a:solidFill>
+                <a:schemeClr val="tx1"/>
+              </a:solidFill>
+            </a:endParaRPr>
+          </a:p>
+        </p:txBody>
+      </p:sp>
+      <p:sp>
+        <p:nvSpPr>
+          <p:cNvPr id="34" name="직사각형 33">
             <a:extLst>
               <a:ext uri="{FF2B5EF4-FFF2-40B4-BE49-F238E27FC236}">
-                <a16:creationId xmlns:a16="http://schemas.microsoft.com/office/drawing/2014/main" id="{3AA6211A-5181-DCEE-F8C4-98D533967D7A}"/>
-              </a:ext>
-            </a:extLst>
-          </p:cNvPr>
-          <p:cNvSpPr>
-            <a:spLocks noGrp="1"/>
-          </p:cNvSpPr>
-          <p:nvPr>
-            <p:ph type="title"/>
-          </p:nvPr>
-        </p:nvSpPr>
-        <p:spPr/>
-        <p:txBody>
-          <a:bodyPr/>
-          <a:lstStyle/>
-          <a:p>
-            <a:r>
-              <a:rPr lang="ko-KR" altLang="en-US" dirty="0"/>
-              <a:t>게임 예시</a:t>
-            </a:r>
-          </a:p>
-        </p:txBody>
-      </p:sp>
-      <p:sp>
-        <p:nvSpPr>
-          <p:cNvPr id="4" name="직사각형 3">
-            <a:extLst>
-              <a:ext uri="{FF2B5EF4-FFF2-40B4-BE49-F238E27FC236}">
-                <a16:creationId xmlns:a16="http://schemas.microsoft.com/office/drawing/2014/main" id="{F78D49A3-7F21-3801-0201-8F5CE198A4F9}"/>
+                <a16:creationId xmlns:a16="http://schemas.microsoft.com/office/drawing/2014/main" id="{1805A655-F1CE-59FB-DDCF-E76A55848EF9}"/>
               </a:ext>
             </a:extLst>
           </p:cNvPr>
@@ -7246,16 +7858,14 @@
         </p:nvSpPr>
         <p:spPr>
           <a:xfrm>
-            <a:off x="796948" y="1570550"/>
-            <a:ext cx="6310574" cy="3711664"/>
+            <a:off x="8772808" y="4525742"/>
+            <a:ext cx="2199992" cy="1926599"/>
           </a:xfrm>
           <a:prstGeom prst="rect">
             <a:avLst/>
           </a:prstGeom>
           <a:solidFill>
-            <a:schemeClr val="bg1">
-              <a:lumMod val="50000"/>
-            </a:schemeClr>
+            <a:schemeClr val="bg1"/>
           </a:solidFill>
           <a:ln>
             <a:solidFill>
@@ -7284,81 +7894,13 @@
           <a:lstStyle/>
           <a:p>
             <a:pPr algn="ctr"/>
-            <a:endParaRPr lang="ko-KR" altLang="en-US"/>
-          </a:p>
-        </p:txBody>
-      </p:sp>
-      <p:sp>
-        <p:nvSpPr>
-          <p:cNvPr id="20" name="직사각형 19">
-            <a:extLst>
-              <a:ext uri="{FF2B5EF4-FFF2-40B4-BE49-F238E27FC236}">
-                <a16:creationId xmlns:a16="http://schemas.microsoft.com/office/drawing/2014/main" id="{848CAFF1-0CE7-F728-4EE9-803C4F8AA00B}"/>
-              </a:ext>
-            </a:extLst>
-          </p:cNvPr>
-          <p:cNvSpPr/>
-          <p:nvPr/>
-        </p:nvSpPr>
-        <p:spPr>
-          <a:xfrm>
-            <a:off x="7332424" y="1570549"/>
-            <a:ext cx="4581409" cy="5016681"/>
-          </a:xfrm>
-          <a:prstGeom prst="rect">
-            <a:avLst/>
-          </a:prstGeom>
-          <a:noFill/>
-          <a:ln>
-            <a:solidFill>
-              <a:schemeClr val="tx1"/>
-            </a:solidFill>
-          </a:ln>
-        </p:spPr>
-        <p:style>
-          <a:lnRef idx="2">
-            <a:schemeClr val="accent1">
-              <a:shade val="15000"/>
-            </a:schemeClr>
-          </a:lnRef>
-          <a:fillRef idx="1">
-            <a:schemeClr val="accent1"/>
-          </a:fillRef>
-          <a:effectRef idx="0">
-            <a:schemeClr val="accent1"/>
-          </a:effectRef>
-          <a:fontRef idx="minor">
-            <a:schemeClr val="lt1"/>
-          </a:fontRef>
-        </p:style>
-        <p:txBody>
-          <a:bodyPr rtlCol="0" anchor="ctr"/>
-          <a:lstStyle/>
-          <a:p>
-            <a:pPr algn="ctr"/>
             <a:r>
               <a:rPr lang="ko-KR" altLang="en-US" dirty="0">
                 <a:solidFill>
                   <a:schemeClr val="tx1"/>
                 </a:solidFill>
               </a:rPr>
-              <a:t>미니 게임 </a:t>
-            </a:r>
-            <a:r>
-              <a:rPr lang="en-US" altLang="ko-KR" dirty="0">
-                <a:solidFill>
-                  <a:schemeClr val="tx1"/>
-                </a:solidFill>
-              </a:rPr>
-              <a:t>2 :</a:t>
-            </a:r>
-            <a:r>
-              <a:rPr lang="ko-KR" altLang="en-US" dirty="0">
-                <a:solidFill>
-                  <a:schemeClr val="tx1"/>
-                </a:solidFill>
-              </a:rPr>
-              <a:t>물건 분류하기</a:t>
+              <a:t>적</a:t>
             </a:r>
             <a:endParaRPr lang="en-US" altLang="ko-KR" dirty="0">
               <a:solidFill>
@@ -7377,20 +7919,12 @@
           <a:p>
             <a:pPr algn="ctr"/>
             <a:r>
-              <a:rPr lang="en-US" altLang="ko-KR" dirty="0">
+              <a:rPr lang="ko-KR" altLang="en-US" dirty="0">
                 <a:solidFill>
                   <a:schemeClr val="tx1"/>
                 </a:solidFill>
               </a:rPr>
-              <a:t>5</a:t>
-            </a:r>
-            <a:r>
-              <a:rPr lang="ko-KR" altLang="en-US" dirty="0">
-                <a:solidFill>
-                  <a:schemeClr val="tx1"/>
-                </a:solidFill>
-              </a:rPr>
-              <a:t>초의 시간이 주어짐</a:t>
+              <a:t>플레이어를 공격한다</a:t>
             </a:r>
             <a:endParaRPr lang="en-US" altLang="ko-KR" dirty="0">
               <a:solidFill>
@@ -7398,2940 +7932,120 @@
               </a:solidFill>
             </a:endParaRPr>
           </a:p>
-          <a:p>
-            <a:pPr algn="ctr"/>
-            <a:r>
-              <a:rPr lang="en-US" altLang="ko-KR" dirty="0">
-                <a:solidFill>
-                  <a:schemeClr val="tx1"/>
-                </a:solidFill>
-              </a:rPr>
-              <a:t>(</a:t>
-            </a:r>
-            <a:r>
-              <a:rPr lang="ko-KR" altLang="en-US" dirty="0">
-                <a:solidFill>
-                  <a:schemeClr val="tx1"/>
-                </a:solidFill>
-              </a:rPr>
-              <a:t>화면아래의 게이지로 남은 시간 확인 가능</a:t>
-            </a:r>
-            <a:r>
-              <a:rPr lang="en-US" altLang="ko-KR" dirty="0">
-                <a:solidFill>
-                  <a:schemeClr val="tx1"/>
-                </a:solidFill>
-              </a:rPr>
-              <a:t>)</a:t>
-            </a:r>
-          </a:p>
-          <a:p>
-            <a:pPr algn="ctr"/>
-            <a:endParaRPr lang="en-US" altLang="ko-KR" dirty="0">
-              <a:solidFill>
-                <a:schemeClr val="tx1"/>
-              </a:solidFill>
-            </a:endParaRPr>
-          </a:p>
-          <a:p>
-            <a:pPr algn="ctr"/>
-            <a:r>
-              <a:rPr lang="ko-KR" altLang="en-US" dirty="0">
-                <a:solidFill>
-                  <a:schemeClr val="tx1"/>
-                </a:solidFill>
-              </a:rPr>
-              <a:t>다른 모양의  두 오브젝트가 화면 좌측에 무작위로 생성됨</a:t>
-            </a:r>
-            <a:endParaRPr lang="en-US" altLang="ko-KR" dirty="0">
-              <a:solidFill>
-                <a:schemeClr val="tx1"/>
-              </a:solidFill>
-            </a:endParaRPr>
-          </a:p>
-          <a:p>
-            <a:pPr algn="ctr"/>
-            <a:r>
-              <a:rPr lang="en-US" altLang="ko-KR" dirty="0">
-                <a:solidFill>
-                  <a:schemeClr val="tx1"/>
-                </a:solidFill>
-              </a:rPr>
-              <a:t>(</a:t>
-            </a:r>
-            <a:r>
-              <a:rPr lang="ko-KR" altLang="en-US" dirty="0">
-                <a:solidFill>
-                  <a:schemeClr val="tx1"/>
-                </a:solidFill>
-              </a:rPr>
-              <a:t>같은 오브젝트는 같은 색 같은 크기</a:t>
-            </a:r>
-            <a:r>
-              <a:rPr lang="en-US" altLang="ko-KR" dirty="0">
-                <a:solidFill>
-                  <a:schemeClr val="tx1"/>
-                </a:solidFill>
-              </a:rPr>
-              <a:t>)</a:t>
-            </a:r>
-          </a:p>
-          <a:p>
-            <a:pPr algn="ctr"/>
-            <a:endParaRPr lang="en-US" altLang="ko-KR" dirty="0">
-              <a:solidFill>
-                <a:schemeClr val="tx1"/>
-              </a:solidFill>
-            </a:endParaRPr>
-          </a:p>
-          <a:p>
-            <a:pPr algn="ctr"/>
-            <a:r>
-              <a:rPr lang="ko-KR" altLang="en-US" dirty="0">
-                <a:solidFill>
-                  <a:schemeClr val="tx1"/>
-                </a:solidFill>
-              </a:rPr>
-              <a:t>오브젝트를 마우스 좌 클릭 후</a:t>
-            </a:r>
-            <a:endParaRPr lang="en-US" altLang="ko-KR" dirty="0">
-              <a:solidFill>
-                <a:schemeClr val="tx1"/>
-              </a:solidFill>
-            </a:endParaRPr>
-          </a:p>
-          <a:p>
-            <a:pPr algn="ctr"/>
-            <a:r>
-              <a:rPr lang="ko-KR" altLang="en-US" dirty="0">
-                <a:solidFill>
-                  <a:schemeClr val="tx1"/>
-                </a:solidFill>
-              </a:rPr>
-              <a:t>드래그 하면 위치 이동</a:t>
-            </a:r>
-            <a:endParaRPr lang="en-US" altLang="ko-KR" dirty="0">
-              <a:solidFill>
-                <a:schemeClr val="tx1"/>
-              </a:solidFill>
-            </a:endParaRPr>
-          </a:p>
-          <a:p>
-            <a:pPr algn="ctr"/>
-            <a:r>
-              <a:rPr lang="en-US" altLang="ko-KR" dirty="0">
-                <a:solidFill>
-                  <a:schemeClr val="tx1"/>
-                </a:solidFill>
-              </a:rPr>
-              <a:t> </a:t>
-            </a:r>
-          </a:p>
-          <a:p>
-            <a:pPr algn="ctr"/>
-            <a:r>
-              <a:rPr lang="ko-KR" altLang="en-US" dirty="0">
-                <a:solidFill>
-                  <a:schemeClr val="tx1"/>
-                </a:solidFill>
-              </a:rPr>
-              <a:t>우측의 해당 오브젝트와 같은 모양의 상자로 오브젝트를 이동시키면</a:t>
-            </a:r>
-            <a:endParaRPr lang="en-US" altLang="ko-KR" dirty="0">
-              <a:solidFill>
-                <a:schemeClr val="tx1"/>
-              </a:solidFill>
-            </a:endParaRPr>
-          </a:p>
-          <a:p>
-            <a:pPr algn="ctr"/>
-            <a:r>
-              <a:rPr lang="ko-KR" altLang="en-US" dirty="0">
-                <a:solidFill>
-                  <a:schemeClr val="tx1"/>
-                </a:solidFill>
-              </a:rPr>
-              <a:t>오브젝트가 사라짐</a:t>
-            </a:r>
-            <a:endParaRPr lang="en-US" altLang="ko-KR" dirty="0">
-              <a:solidFill>
-                <a:schemeClr val="tx1"/>
-              </a:solidFill>
-            </a:endParaRPr>
-          </a:p>
-          <a:p>
-            <a:pPr algn="ctr"/>
-            <a:endParaRPr lang="en-US" altLang="ko-KR" dirty="0">
-              <a:solidFill>
-                <a:schemeClr val="tx1"/>
-              </a:solidFill>
-            </a:endParaRPr>
-          </a:p>
-          <a:p>
-            <a:pPr algn="ctr"/>
-            <a:r>
-              <a:rPr lang="ko-KR" altLang="en-US" dirty="0">
-                <a:solidFill>
-                  <a:schemeClr val="tx1"/>
-                </a:solidFill>
-              </a:rPr>
-              <a:t>상자를 제외한 오브젝트를 사라지게 하면  게임 클리어</a:t>
-            </a:r>
-            <a:endParaRPr lang="en-US" altLang="ko-KR" dirty="0">
-              <a:solidFill>
-                <a:schemeClr val="tx1"/>
-              </a:solidFill>
-            </a:endParaRPr>
-          </a:p>
-        </p:txBody>
-      </p:sp>
-      <p:sp>
-        <p:nvSpPr>
-          <p:cNvPr id="6" name="직사각형 5">
+        </p:txBody>
+      </p:sp>
+      <p:pic>
+        <p:nvPicPr>
+          <p:cNvPr id="41" name="그림 40" descr="만화 영화, 클립아트, 일러스트레이션이(가) 표시된 사진&#10;&#10;중간 신뢰도로 자동 생성된 설명">
             <a:extLst>
               <a:ext uri="{FF2B5EF4-FFF2-40B4-BE49-F238E27FC236}">
-                <a16:creationId xmlns:a16="http://schemas.microsoft.com/office/drawing/2014/main" id="{C496A909-7DE0-3385-A79E-30DDD00ED9CD}"/>
+                <a16:creationId xmlns:a16="http://schemas.microsoft.com/office/drawing/2014/main" id="{AAD56788-90E7-E6B5-C054-B6F0E332F2FD}"/>
               </a:ext>
             </a:extLst>
           </p:cNvPr>
-          <p:cNvSpPr/>
+          <p:cNvPicPr>
+            <a:picLocks noChangeAspect="1"/>
+          </p:cNvPicPr>
           <p:nvPr/>
-        </p:nvSpPr>
-        <p:spPr>
-          <a:xfrm>
-            <a:off x="1829415" y="1680654"/>
-            <a:ext cx="4245639" cy="559292"/>
+        </p:nvPicPr>
+        <p:blipFill>
+          <a:blip r:embed="rId2">
+            <a:extLst>
+              <a:ext uri="{28A0092B-C50C-407E-A947-70E740481C1C}">
+                <a14:useLocalDpi xmlns:a14="http://schemas.microsoft.com/office/drawing/2010/main" val="0"/>
+              </a:ext>
+            </a:extLst>
+          </a:blip>
+          <a:stretch>
+            <a:fillRect/>
+          </a:stretch>
+        </p:blipFill>
+        <p:spPr>
+          <a:xfrm>
+            <a:off x="6814373" y="1889417"/>
+            <a:ext cx="1560295" cy="1539583"/>
           </a:xfrm>
           <a:prstGeom prst="rect">
             <a:avLst/>
           </a:prstGeom>
-          <a:solidFill>
-            <a:schemeClr val="tx1">
-              <a:lumMod val="75000"/>
-              <a:lumOff val="25000"/>
-            </a:schemeClr>
-          </a:solidFill>
-          <a:ln>
-            <a:noFill/>
-          </a:ln>
-        </p:spPr>
-        <p:style>
-          <a:lnRef idx="2">
-            <a:schemeClr val="accent1">
-              <a:shade val="15000"/>
-            </a:schemeClr>
-          </a:lnRef>
-          <a:fillRef idx="1">
-            <a:schemeClr val="accent1"/>
-          </a:fillRef>
-          <a:effectRef idx="0">
-            <a:schemeClr val="accent1"/>
-          </a:effectRef>
-          <a:fontRef idx="minor">
-            <a:schemeClr val="lt1"/>
-          </a:fontRef>
-        </p:style>
-        <p:txBody>
-          <a:bodyPr rtlCol="0" anchor="ctr"/>
-          <a:lstStyle/>
-          <a:p>
-            <a:pPr algn="ctr"/>
-            <a:r>
-              <a:rPr lang="ko-KR" altLang="en-US" dirty="0"/>
-              <a:t>물건 분류하기</a:t>
-            </a:r>
-          </a:p>
-        </p:txBody>
-      </p:sp>
-      <p:sp>
-        <p:nvSpPr>
-          <p:cNvPr id="36" name="직사각형 35">
+        </p:spPr>
+      </p:pic>
+      <p:pic>
+        <p:nvPicPr>
+          <p:cNvPr id="43" name="그림 42" descr="노랑, 과일, 바나나, 쿠킹 바나나이(가) 표시된 사진&#10;&#10;자동 생성된 설명">
             <a:extLst>
               <a:ext uri="{FF2B5EF4-FFF2-40B4-BE49-F238E27FC236}">
-                <a16:creationId xmlns:a16="http://schemas.microsoft.com/office/drawing/2014/main" id="{F6D36A01-5FF4-CBF6-0808-2B8B0318D31F}"/>
+                <a16:creationId xmlns:a16="http://schemas.microsoft.com/office/drawing/2014/main" id="{9786C678-9966-700C-E1A0-759BA8F6B227}"/>
               </a:ext>
             </a:extLst>
           </p:cNvPr>
-          <p:cNvSpPr/>
+          <p:cNvPicPr>
+            <a:picLocks noChangeAspect="1"/>
+          </p:cNvPicPr>
           <p:nvPr/>
-        </p:nvSpPr>
-        <p:spPr>
-          <a:xfrm>
-            <a:off x="796948" y="4922086"/>
-            <a:ext cx="6310574" cy="360128"/>
+        </p:nvPicPr>
+        <p:blipFill>
+          <a:blip r:embed="rId3">
+            <a:extLst>
+              <a:ext uri="{28A0092B-C50C-407E-A947-70E740481C1C}">
+                <a14:useLocalDpi xmlns:a14="http://schemas.microsoft.com/office/drawing/2010/main" val="0"/>
+              </a:ext>
+            </a:extLst>
+          </a:blip>
+          <a:stretch>
+            <a:fillRect/>
+          </a:stretch>
+        </p:blipFill>
+        <p:spPr>
+          <a:xfrm>
+            <a:off x="1587193" y="4800520"/>
+            <a:ext cx="1955374" cy="1371680"/>
           </a:xfrm>
           <a:prstGeom prst="rect">
             <a:avLst/>
           </a:prstGeom>
-          <a:solidFill>
-            <a:schemeClr val="bg1">
-              <a:lumMod val="95000"/>
-            </a:schemeClr>
-          </a:solidFill>
-        </p:spPr>
-        <p:style>
-          <a:lnRef idx="2">
-            <a:schemeClr val="accent1">
-              <a:shade val="15000"/>
-            </a:schemeClr>
-          </a:lnRef>
-          <a:fillRef idx="1">
-            <a:schemeClr val="accent1"/>
-          </a:fillRef>
-          <a:effectRef idx="0">
-            <a:schemeClr val="accent1"/>
-          </a:effectRef>
-          <a:fontRef idx="minor">
-            <a:schemeClr val="lt1"/>
-          </a:fontRef>
-        </p:style>
-        <p:txBody>
-          <a:bodyPr rtlCol="0" anchor="ctr"/>
-          <a:lstStyle/>
-          <a:p>
-            <a:pPr algn="ctr"/>
-            <a:endParaRPr lang="ko-KR" altLang="en-US"/>
-          </a:p>
-        </p:txBody>
-      </p:sp>
-      <p:sp>
-        <p:nvSpPr>
-          <p:cNvPr id="37" name="직사각형 36">
+        </p:spPr>
+      </p:pic>
+      <p:pic>
+        <p:nvPicPr>
+          <p:cNvPr id="45" name="그림 44" descr="만화 영화, 그림, 일러스트레이션, 클립아트이(가) 표시된 사진&#10;&#10;자동 생성된 설명">
             <a:extLst>
               <a:ext uri="{FF2B5EF4-FFF2-40B4-BE49-F238E27FC236}">
-                <a16:creationId xmlns:a16="http://schemas.microsoft.com/office/drawing/2014/main" id="{8CB10136-336D-7407-5527-44F2C818E892}"/>
+                <a16:creationId xmlns:a16="http://schemas.microsoft.com/office/drawing/2014/main" id="{DF63E2A1-429A-DABE-1970-4DFBA67734B5}"/>
               </a:ext>
             </a:extLst>
           </p:cNvPr>
-          <p:cNvSpPr/>
+          <p:cNvPicPr>
+            <a:picLocks noChangeAspect="1"/>
+          </p:cNvPicPr>
           <p:nvPr/>
-        </p:nvSpPr>
-        <p:spPr>
-          <a:xfrm>
-            <a:off x="769857" y="4924050"/>
-            <a:ext cx="3216218" cy="360128"/>
+        </p:nvPicPr>
+        <p:blipFill>
+          <a:blip r:embed="rId4">
+            <a:extLst>
+              <a:ext uri="{28A0092B-C50C-407E-A947-70E740481C1C}">
+                <a14:useLocalDpi xmlns:a14="http://schemas.microsoft.com/office/drawing/2010/main" val="0"/>
+              </a:ext>
+            </a:extLst>
+          </a:blip>
+          <a:stretch>
+            <a:fillRect/>
+          </a:stretch>
+        </p:blipFill>
+        <p:spPr>
+          <a:xfrm>
+            <a:off x="6814373" y="4672202"/>
+            <a:ext cx="1795712" cy="1628315"/>
           </a:xfrm>
           <a:prstGeom prst="rect">
             <a:avLst/>
           </a:prstGeom>
-          <a:solidFill>
-            <a:schemeClr val="accent5">
-              <a:lumMod val="60000"/>
-              <a:lumOff val="40000"/>
-            </a:schemeClr>
-          </a:solidFill>
-        </p:spPr>
-        <p:style>
-          <a:lnRef idx="2">
-            <a:schemeClr val="accent1">
-              <a:shade val="15000"/>
-            </a:schemeClr>
-          </a:lnRef>
-          <a:fillRef idx="1">
-            <a:schemeClr val="accent1"/>
-          </a:fillRef>
-          <a:effectRef idx="0">
-            <a:schemeClr val="accent1"/>
-          </a:effectRef>
-          <a:fontRef idx="minor">
-            <a:schemeClr val="lt1"/>
-          </a:fontRef>
-        </p:style>
-        <p:txBody>
-          <a:bodyPr rtlCol="0" anchor="ctr"/>
-          <a:lstStyle/>
-          <a:p>
-            <a:pPr algn="ctr"/>
-            <a:endParaRPr lang="ko-KR" altLang="en-US"/>
-          </a:p>
-        </p:txBody>
-      </p:sp>
-      <p:sp>
-        <p:nvSpPr>
-          <p:cNvPr id="3" name="직사각형 2">
-            <a:extLst>
-              <a:ext uri="{FF2B5EF4-FFF2-40B4-BE49-F238E27FC236}">
-                <a16:creationId xmlns:a16="http://schemas.microsoft.com/office/drawing/2014/main" id="{311EF250-5FD5-901C-6019-F2B3318DB249}"/>
-              </a:ext>
-            </a:extLst>
-          </p:cNvPr>
-          <p:cNvSpPr/>
-          <p:nvPr/>
-        </p:nvSpPr>
-        <p:spPr>
-          <a:xfrm>
-            <a:off x="5400316" y="2594277"/>
-            <a:ext cx="957310" cy="870263"/>
-          </a:xfrm>
-          <a:prstGeom prst="rect">
-            <a:avLst/>
-          </a:prstGeom>
-          <a:solidFill>
-            <a:schemeClr val="tx1">
-              <a:lumMod val="75000"/>
-              <a:lumOff val="25000"/>
-            </a:schemeClr>
-          </a:solidFill>
-          <a:ln>
-            <a:noFill/>
-          </a:ln>
-        </p:spPr>
-        <p:style>
-          <a:lnRef idx="2">
-            <a:schemeClr val="accent1">
-              <a:shade val="15000"/>
-            </a:schemeClr>
-          </a:lnRef>
-          <a:fillRef idx="1">
-            <a:schemeClr val="accent1"/>
-          </a:fillRef>
-          <a:effectRef idx="0">
-            <a:schemeClr val="accent1"/>
-          </a:effectRef>
-          <a:fontRef idx="minor">
-            <a:schemeClr val="lt1"/>
-          </a:fontRef>
-        </p:style>
-        <p:txBody>
-          <a:bodyPr rtlCol="0" anchor="ctr"/>
-          <a:lstStyle/>
-          <a:p>
-            <a:pPr algn="ctr"/>
-            <a:endParaRPr lang="ko-KR" altLang="en-US" dirty="0"/>
-          </a:p>
-        </p:txBody>
-      </p:sp>
-      <p:sp>
-        <p:nvSpPr>
-          <p:cNvPr id="27" name="순서도: 연결자 26">
-            <a:extLst>
-              <a:ext uri="{FF2B5EF4-FFF2-40B4-BE49-F238E27FC236}">
-                <a16:creationId xmlns:a16="http://schemas.microsoft.com/office/drawing/2014/main" id="{35C423CB-EE75-2DDB-A066-D9C46B1F76F2}"/>
-              </a:ext>
-            </a:extLst>
-          </p:cNvPr>
-          <p:cNvSpPr/>
-          <p:nvPr/>
-        </p:nvSpPr>
-        <p:spPr>
-          <a:xfrm>
-            <a:off x="5499451" y="2655705"/>
-            <a:ext cx="759041" cy="714653"/>
-          </a:xfrm>
-          <a:prstGeom prst="flowChartConnector">
-            <a:avLst/>
-          </a:prstGeom>
-          <a:solidFill>
-            <a:schemeClr val="accent5">
-              <a:lumMod val="75000"/>
-            </a:schemeClr>
-          </a:solidFill>
-          <a:ln>
-            <a:noFill/>
-          </a:ln>
-        </p:spPr>
-        <p:style>
-          <a:lnRef idx="2">
-            <a:schemeClr val="accent1">
-              <a:shade val="15000"/>
-            </a:schemeClr>
-          </a:lnRef>
-          <a:fillRef idx="1">
-            <a:schemeClr val="accent1"/>
-          </a:fillRef>
-          <a:effectRef idx="0">
-            <a:schemeClr val="accent1"/>
-          </a:effectRef>
-          <a:fontRef idx="minor">
-            <a:schemeClr val="lt1"/>
-          </a:fontRef>
-        </p:style>
-        <p:txBody>
-          <a:bodyPr rtlCol="0" anchor="ctr"/>
-          <a:lstStyle/>
-          <a:p>
-            <a:pPr algn="ctr"/>
-            <a:endParaRPr lang="ko-KR" altLang="en-US"/>
-          </a:p>
-        </p:txBody>
-      </p:sp>
-      <p:sp>
-        <p:nvSpPr>
-          <p:cNvPr id="8" name="직사각형 7">
-            <a:extLst>
-              <a:ext uri="{FF2B5EF4-FFF2-40B4-BE49-F238E27FC236}">
-                <a16:creationId xmlns:a16="http://schemas.microsoft.com/office/drawing/2014/main" id="{4812446A-650A-9EAF-3426-FDB3E51A0DE6}"/>
-              </a:ext>
-            </a:extLst>
-          </p:cNvPr>
-          <p:cNvSpPr/>
-          <p:nvPr/>
-        </p:nvSpPr>
-        <p:spPr>
-          <a:xfrm>
-            <a:off x="5400316" y="3781408"/>
-            <a:ext cx="957310" cy="870263"/>
-          </a:xfrm>
-          <a:prstGeom prst="rect">
-            <a:avLst/>
-          </a:prstGeom>
-          <a:solidFill>
-            <a:schemeClr val="tx1">
-              <a:lumMod val="75000"/>
-              <a:lumOff val="25000"/>
-            </a:schemeClr>
-          </a:solidFill>
-          <a:ln>
-            <a:noFill/>
-          </a:ln>
-        </p:spPr>
-        <p:style>
-          <a:lnRef idx="2">
-            <a:schemeClr val="accent1">
-              <a:shade val="15000"/>
-            </a:schemeClr>
-          </a:lnRef>
-          <a:fillRef idx="1">
-            <a:schemeClr val="accent1"/>
-          </a:fillRef>
-          <a:effectRef idx="0">
-            <a:schemeClr val="accent1"/>
-          </a:effectRef>
-          <a:fontRef idx="minor">
-            <a:schemeClr val="lt1"/>
-          </a:fontRef>
-        </p:style>
-        <p:txBody>
-          <a:bodyPr rtlCol="0" anchor="ctr"/>
-          <a:lstStyle/>
-          <a:p>
-            <a:pPr algn="ctr"/>
-            <a:endParaRPr lang="ko-KR" altLang="en-US" dirty="0"/>
-          </a:p>
-        </p:txBody>
-      </p:sp>
-      <p:sp>
-        <p:nvSpPr>
-          <p:cNvPr id="7" name="이등변 삼각형 6">
-            <a:extLst>
-              <a:ext uri="{FF2B5EF4-FFF2-40B4-BE49-F238E27FC236}">
-                <a16:creationId xmlns:a16="http://schemas.microsoft.com/office/drawing/2014/main" id="{65E05F46-C5CF-50D1-0537-60DD010FA97E}"/>
-              </a:ext>
-            </a:extLst>
-          </p:cNvPr>
-          <p:cNvSpPr/>
-          <p:nvPr/>
-        </p:nvSpPr>
-        <p:spPr>
-          <a:xfrm>
-            <a:off x="5499451" y="3875591"/>
-            <a:ext cx="759041" cy="635445"/>
-          </a:xfrm>
-          <a:prstGeom prst="triangle">
-            <a:avLst/>
-          </a:prstGeom>
-          <a:solidFill>
-            <a:schemeClr val="accent6">
-              <a:lumMod val="40000"/>
-              <a:lumOff val="60000"/>
-            </a:schemeClr>
-          </a:solidFill>
-          <a:ln>
-            <a:noFill/>
-          </a:ln>
-        </p:spPr>
-        <p:style>
-          <a:lnRef idx="2">
-            <a:schemeClr val="accent1">
-              <a:shade val="15000"/>
-            </a:schemeClr>
-          </a:lnRef>
-          <a:fillRef idx="1">
-            <a:schemeClr val="accent1"/>
-          </a:fillRef>
-          <a:effectRef idx="0">
-            <a:schemeClr val="accent1"/>
-          </a:effectRef>
-          <a:fontRef idx="minor">
-            <a:schemeClr val="lt1"/>
-          </a:fontRef>
-        </p:style>
-        <p:txBody>
-          <a:bodyPr rtlCol="0" anchor="ctr"/>
-          <a:lstStyle/>
-          <a:p>
-            <a:pPr algn="ctr"/>
-            <a:endParaRPr lang="ko-KR" altLang="en-US"/>
-          </a:p>
-        </p:txBody>
-      </p:sp>
-      <p:sp>
-        <p:nvSpPr>
-          <p:cNvPr id="10" name="순서도: 연결자 9">
-            <a:extLst>
-              <a:ext uri="{FF2B5EF4-FFF2-40B4-BE49-F238E27FC236}">
-                <a16:creationId xmlns:a16="http://schemas.microsoft.com/office/drawing/2014/main" id="{BD8D7CF7-6FFE-1E01-47A0-ED55D0E1C280}"/>
-              </a:ext>
-            </a:extLst>
-          </p:cNvPr>
-          <p:cNvSpPr/>
-          <p:nvPr/>
-        </p:nvSpPr>
-        <p:spPr>
-          <a:xfrm>
-            <a:off x="1281343" y="2655704"/>
-            <a:ext cx="759041" cy="714653"/>
-          </a:xfrm>
-          <a:prstGeom prst="flowChartConnector">
-            <a:avLst/>
-          </a:prstGeom>
-          <a:solidFill>
-            <a:schemeClr val="accent5">
-              <a:lumMod val="75000"/>
-            </a:schemeClr>
-          </a:solidFill>
-          <a:ln w="12700">
-            <a:solidFill>
-              <a:schemeClr val="tx1"/>
-            </a:solidFill>
-          </a:ln>
-        </p:spPr>
-        <p:style>
-          <a:lnRef idx="2">
-            <a:schemeClr val="accent1">
-              <a:shade val="15000"/>
-            </a:schemeClr>
-          </a:lnRef>
-          <a:fillRef idx="1">
-            <a:schemeClr val="accent1"/>
-          </a:fillRef>
-          <a:effectRef idx="0">
-            <a:schemeClr val="accent1"/>
-          </a:effectRef>
-          <a:fontRef idx="minor">
-            <a:schemeClr val="lt1"/>
-          </a:fontRef>
-        </p:style>
-        <p:txBody>
-          <a:bodyPr rtlCol="0" anchor="ctr"/>
-          <a:lstStyle/>
-          <a:p>
-            <a:pPr algn="ctr"/>
-            <a:endParaRPr lang="ko-KR" altLang="en-US"/>
-          </a:p>
-        </p:txBody>
-      </p:sp>
-      <p:sp>
-        <p:nvSpPr>
-          <p:cNvPr id="12" name="이등변 삼각형 11">
-            <a:extLst>
-              <a:ext uri="{FF2B5EF4-FFF2-40B4-BE49-F238E27FC236}">
-                <a16:creationId xmlns:a16="http://schemas.microsoft.com/office/drawing/2014/main" id="{C5571D00-E94D-8AE4-8573-838D0EC56ED2}"/>
-              </a:ext>
-            </a:extLst>
-          </p:cNvPr>
-          <p:cNvSpPr/>
-          <p:nvPr/>
-        </p:nvSpPr>
-        <p:spPr>
-          <a:xfrm>
-            <a:off x="1513942" y="2966400"/>
-            <a:ext cx="759041" cy="635445"/>
-          </a:xfrm>
-          <a:prstGeom prst="triangle">
-            <a:avLst/>
-          </a:prstGeom>
-          <a:solidFill>
-            <a:schemeClr val="accent6">
-              <a:lumMod val="40000"/>
-              <a:lumOff val="60000"/>
-            </a:schemeClr>
-          </a:solidFill>
-          <a:ln w="12700">
-            <a:solidFill>
-              <a:schemeClr val="tx1"/>
-            </a:solidFill>
-          </a:ln>
-        </p:spPr>
-        <p:style>
-          <a:lnRef idx="2">
-            <a:schemeClr val="accent1">
-              <a:shade val="15000"/>
-            </a:schemeClr>
-          </a:lnRef>
-          <a:fillRef idx="1">
-            <a:schemeClr val="accent1"/>
-          </a:fillRef>
-          <a:effectRef idx="0">
-            <a:schemeClr val="accent1"/>
-          </a:effectRef>
-          <a:fontRef idx="minor">
-            <a:schemeClr val="lt1"/>
-          </a:fontRef>
-        </p:style>
-        <p:txBody>
-          <a:bodyPr rtlCol="0" anchor="ctr"/>
-          <a:lstStyle/>
-          <a:p>
-            <a:pPr algn="ctr"/>
-            <a:endParaRPr lang="ko-KR" altLang="en-US"/>
-          </a:p>
-        </p:txBody>
-      </p:sp>
-      <p:sp>
-        <p:nvSpPr>
-          <p:cNvPr id="13" name="이등변 삼각형 12">
-            <a:extLst>
-              <a:ext uri="{FF2B5EF4-FFF2-40B4-BE49-F238E27FC236}">
-                <a16:creationId xmlns:a16="http://schemas.microsoft.com/office/drawing/2014/main" id="{94E60E43-6E9E-D774-D422-97EE391AD6A4}"/>
-              </a:ext>
-            </a:extLst>
-          </p:cNvPr>
-          <p:cNvSpPr/>
-          <p:nvPr/>
-        </p:nvSpPr>
-        <p:spPr>
-          <a:xfrm>
-            <a:off x="2379954" y="2655945"/>
-            <a:ext cx="759041" cy="635445"/>
-          </a:xfrm>
-          <a:prstGeom prst="triangle">
-            <a:avLst/>
-          </a:prstGeom>
-          <a:solidFill>
-            <a:schemeClr val="accent6">
-              <a:lumMod val="40000"/>
-              <a:lumOff val="60000"/>
-            </a:schemeClr>
-          </a:solidFill>
-          <a:ln w="12700">
-            <a:solidFill>
-              <a:schemeClr val="tx1"/>
-            </a:solidFill>
-          </a:ln>
-        </p:spPr>
-        <p:style>
-          <a:lnRef idx="2">
-            <a:schemeClr val="accent1">
-              <a:shade val="15000"/>
-            </a:schemeClr>
-          </a:lnRef>
-          <a:fillRef idx="1">
-            <a:schemeClr val="accent1"/>
-          </a:fillRef>
-          <a:effectRef idx="0">
-            <a:schemeClr val="accent1"/>
-          </a:effectRef>
-          <a:fontRef idx="minor">
-            <a:schemeClr val="lt1"/>
-          </a:fontRef>
-        </p:style>
-        <p:txBody>
-          <a:bodyPr rtlCol="0" anchor="ctr"/>
-          <a:lstStyle/>
-          <a:p>
-            <a:pPr algn="ctr"/>
-            <a:endParaRPr lang="ko-KR" altLang="en-US"/>
-          </a:p>
-        </p:txBody>
-      </p:sp>
-      <p:sp>
-        <p:nvSpPr>
-          <p:cNvPr id="14" name="이등변 삼각형 13">
-            <a:extLst>
-              <a:ext uri="{FF2B5EF4-FFF2-40B4-BE49-F238E27FC236}">
-                <a16:creationId xmlns:a16="http://schemas.microsoft.com/office/drawing/2014/main" id="{532C9C96-AD31-09DD-4FF3-71E46CBE4F0F}"/>
-              </a:ext>
-            </a:extLst>
-          </p:cNvPr>
-          <p:cNvSpPr/>
-          <p:nvPr/>
-        </p:nvSpPr>
-        <p:spPr>
-          <a:xfrm>
-            <a:off x="1519242" y="3791293"/>
-            <a:ext cx="759041" cy="635445"/>
-          </a:xfrm>
-          <a:prstGeom prst="triangle">
-            <a:avLst/>
-          </a:prstGeom>
-          <a:solidFill>
-            <a:schemeClr val="accent6">
-              <a:lumMod val="40000"/>
-              <a:lumOff val="60000"/>
-            </a:schemeClr>
-          </a:solidFill>
-          <a:ln w="12700">
-            <a:solidFill>
-              <a:schemeClr val="tx1"/>
-            </a:solidFill>
-          </a:ln>
-        </p:spPr>
-        <p:style>
-          <a:lnRef idx="2">
-            <a:schemeClr val="accent1">
-              <a:shade val="15000"/>
-            </a:schemeClr>
-          </a:lnRef>
-          <a:fillRef idx="1">
-            <a:schemeClr val="accent1"/>
-          </a:fillRef>
-          <a:effectRef idx="0">
-            <a:schemeClr val="accent1"/>
-          </a:effectRef>
-          <a:fontRef idx="minor">
-            <a:schemeClr val="lt1"/>
-          </a:fontRef>
-        </p:style>
-        <p:txBody>
-          <a:bodyPr rtlCol="0" anchor="ctr"/>
-          <a:lstStyle/>
-          <a:p>
-            <a:pPr algn="ctr"/>
-            <a:endParaRPr lang="ko-KR" altLang="en-US"/>
-          </a:p>
-        </p:txBody>
-      </p:sp>
-      <p:sp>
-        <p:nvSpPr>
-          <p:cNvPr id="15" name="이등변 삼각형 14">
-            <a:extLst>
-              <a:ext uri="{FF2B5EF4-FFF2-40B4-BE49-F238E27FC236}">
-                <a16:creationId xmlns:a16="http://schemas.microsoft.com/office/drawing/2014/main" id="{AFDC39D6-CB3E-8A63-0E1B-EC066E38C63A}"/>
-              </a:ext>
-            </a:extLst>
-          </p:cNvPr>
-          <p:cNvSpPr/>
-          <p:nvPr/>
-        </p:nvSpPr>
-        <p:spPr>
-          <a:xfrm>
-            <a:off x="4454309" y="3423985"/>
-            <a:ext cx="759041" cy="635445"/>
-          </a:xfrm>
-          <a:prstGeom prst="triangle">
-            <a:avLst/>
-          </a:prstGeom>
-          <a:solidFill>
-            <a:schemeClr val="accent6">
-              <a:lumMod val="40000"/>
-              <a:lumOff val="60000"/>
-            </a:schemeClr>
-          </a:solidFill>
-          <a:ln w="12700">
-            <a:solidFill>
-              <a:schemeClr val="tx1"/>
-            </a:solidFill>
-          </a:ln>
-        </p:spPr>
-        <p:style>
-          <a:lnRef idx="2">
-            <a:schemeClr val="accent1">
-              <a:shade val="15000"/>
-            </a:schemeClr>
-          </a:lnRef>
-          <a:fillRef idx="1">
-            <a:schemeClr val="accent1"/>
-          </a:fillRef>
-          <a:effectRef idx="0">
-            <a:schemeClr val="accent1"/>
-          </a:effectRef>
-          <a:fontRef idx="minor">
-            <a:schemeClr val="lt1"/>
-          </a:fontRef>
-        </p:style>
-        <p:txBody>
-          <a:bodyPr rtlCol="0" anchor="ctr"/>
-          <a:lstStyle/>
-          <a:p>
-            <a:pPr algn="ctr"/>
-            <a:endParaRPr lang="ko-KR" altLang="en-US"/>
-          </a:p>
-        </p:txBody>
-      </p:sp>
-      <p:sp>
-        <p:nvSpPr>
-          <p:cNvPr id="16" name="이등변 삼각형 15">
-            <a:extLst>
-              <a:ext uri="{FF2B5EF4-FFF2-40B4-BE49-F238E27FC236}">
-                <a16:creationId xmlns:a16="http://schemas.microsoft.com/office/drawing/2014/main" id="{A2FA999B-7086-406A-32A9-6E67C9BB60D6}"/>
-              </a:ext>
-            </a:extLst>
-          </p:cNvPr>
-          <p:cNvSpPr/>
-          <p:nvPr/>
-        </p:nvSpPr>
-        <p:spPr>
-          <a:xfrm>
-            <a:off x="2313232" y="3423986"/>
-            <a:ext cx="759041" cy="635445"/>
-          </a:xfrm>
-          <a:prstGeom prst="triangle">
-            <a:avLst/>
-          </a:prstGeom>
-          <a:solidFill>
-            <a:schemeClr val="accent6">
-              <a:lumMod val="40000"/>
-              <a:lumOff val="60000"/>
-            </a:schemeClr>
-          </a:solidFill>
-          <a:ln w="12700">
-            <a:solidFill>
-              <a:schemeClr val="tx1"/>
-            </a:solidFill>
-          </a:ln>
-        </p:spPr>
-        <p:style>
-          <a:lnRef idx="2">
-            <a:schemeClr val="accent1">
-              <a:shade val="15000"/>
-            </a:schemeClr>
-          </a:lnRef>
-          <a:fillRef idx="1">
-            <a:schemeClr val="accent1"/>
-          </a:fillRef>
-          <a:effectRef idx="0">
-            <a:schemeClr val="accent1"/>
-          </a:effectRef>
-          <a:fontRef idx="minor">
-            <a:schemeClr val="lt1"/>
-          </a:fontRef>
-        </p:style>
-        <p:txBody>
-          <a:bodyPr rtlCol="0" anchor="ctr"/>
-          <a:lstStyle/>
-          <a:p>
-            <a:pPr algn="ctr"/>
-            <a:endParaRPr lang="ko-KR" altLang="en-US"/>
-          </a:p>
-        </p:txBody>
-      </p:sp>
-      <p:sp>
-        <p:nvSpPr>
-          <p:cNvPr id="18" name="순서도: 연결자 17">
-            <a:extLst>
-              <a:ext uri="{FF2B5EF4-FFF2-40B4-BE49-F238E27FC236}">
-                <a16:creationId xmlns:a16="http://schemas.microsoft.com/office/drawing/2014/main" id="{9E905243-6643-9A66-A326-4D934EEDEF5A}"/>
-              </a:ext>
-            </a:extLst>
-          </p:cNvPr>
-          <p:cNvSpPr/>
-          <p:nvPr/>
-        </p:nvSpPr>
-        <p:spPr>
-          <a:xfrm>
-            <a:off x="1920235" y="3315824"/>
-            <a:ext cx="759041" cy="714653"/>
-          </a:xfrm>
-          <a:prstGeom prst="flowChartConnector">
-            <a:avLst/>
-          </a:prstGeom>
-          <a:solidFill>
-            <a:schemeClr val="accent5">
-              <a:lumMod val="75000"/>
-            </a:schemeClr>
-          </a:solidFill>
-          <a:ln w="12700">
-            <a:solidFill>
-              <a:schemeClr val="tx1"/>
-            </a:solidFill>
-          </a:ln>
-        </p:spPr>
-        <p:style>
-          <a:lnRef idx="2">
-            <a:schemeClr val="accent1">
-              <a:shade val="15000"/>
-            </a:schemeClr>
-          </a:lnRef>
-          <a:fillRef idx="1">
-            <a:schemeClr val="accent1"/>
-          </a:fillRef>
-          <a:effectRef idx="0">
-            <a:schemeClr val="accent1"/>
-          </a:effectRef>
-          <a:fontRef idx="minor">
-            <a:schemeClr val="lt1"/>
-          </a:fontRef>
-        </p:style>
-        <p:txBody>
-          <a:bodyPr rtlCol="0" anchor="ctr"/>
-          <a:lstStyle/>
-          <a:p>
-            <a:pPr algn="ctr"/>
-            <a:endParaRPr lang="ko-KR" altLang="en-US"/>
-          </a:p>
-        </p:txBody>
-      </p:sp>
-      <p:sp>
-        <p:nvSpPr>
-          <p:cNvPr id="38" name="순서도: 연결자 37">
-            <a:extLst>
-              <a:ext uri="{FF2B5EF4-FFF2-40B4-BE49-F238E27FC236}">
-                <a16:creationId xmlns:a16="http://schemas.microsoft.com/office/drawing/2014/main" id="{9D598A74-8CF0-241C-4AE0-0E3D66692C93}"/>
-              </a:ext>
-            </a:extLst>
-          </p:cNvPr>
-          <p:cNvSpPr/>
-          <p:nvPr/>
-        </p:nvSpPr>
-        <p:spPr>
-          <a:xfrm>
-            <a:off x="2593436" y="3904639"/>
-            <a:ext cx="759041" cy="714653"/>
-          </a:xfrm>
-          <a:prstGeom prst="flowChartConnector">
-            <a:avLst/>
-          </a:prstGeom>
-          <a:solidFill>
-            <a:schemeClr val="accent5">
-              <a:lumMod val="75000"/>
-            </a:schemeClr>
-          </a:solidFill>
-          <a:ln w="12700">
-            <a:solidFill>
-              <a:schemeClr val="tx1"/>
-            </a:solidFill>
-          </a:ln>
-        </p:spPr>
-        <p:style>
-          <a:lnRef idx="2">
-            <a:schemeClr val="accent1">
-              <a:shade val="15000"/>
-            </a:schemeClr>
-          </a:lnRef>
-          <a:fillRef idx="1">
-            <a:schemeClr val="accent1"/>
-          </a:fillRef>
-          <a:effectRef idx="0">
-            <a:schemeClr val="accent1"/>
-          </a:effectRef>
-          <a:fontRef idx="minor">
-            <a:schemeClr val="lt1"/>
-          </a:fontRef>
-        </p:style>
-        <p:txBody>
-          <a:bodyPr rtlCol="0" anchor="ctr"/>
-          <a:lstStyle/>
-          <a:p>
-            <a:pPr algn="ctr"/>
-            <a:endParaRPr lang="ko-KR" altLang="en-US"/>
-          </a:p>
-        </p:txBody>
-      </p:sp>
-      <p:sp>
-        <p:nvSpPr>
-          <p:cNvPr id="35" name="이등변 삼각형 34">
-            <a:extLst>
-              <a:ext uri="{FF2B5EF4-FFF2-40B4-BE49-F238E27FC236}">
-                <a16:creationId xmlns:a16="http://schemas.microsoft.com/office/drawing/2014/main" id="{1485809E-E877-DBAF-D85A-3125B483D4C7}"/>
-              </a:ext>
-            </a:extLst>
-          </p:cNvPr>
-          <p:cNvSpPr/>
-          <p:nvPr/>
-        </p:nvSpPr>
-        <p:spPr>
-          <a:xfrm rot="19356767">
-            <a:off x="4841498" y="3890183"/>
-            <a:ext cx="333087" cy="358171"/>
-          </a:xfrm>
-          <a:prstGeom prst="triangle">
-            <a:avLst/>
-          </a:prstGeom>
-          <a:solidFill>
-            <a:schemeClr val="bg1">
-              <a:lumMod val="95000"/>
-            </a:schemeClr>
-          </a:solidFill>
-          <a:ln w="12700">
-            <a:solidFill>
-              <a:schemeClr val="tx1"/>
-            </a:solidFill>
-          </a:ln>
-        </p:spPr>
-        <p:style>
-          <a:lnRef idx="2">
-            <a:schemeClr val="accent1">
-              <a:shade val="15000"/>
-            </a:schemeClr>
-          </a:lnRef>
-          <a:fillRef idx="1">
-            <a:schemeClr val="accent1"/>
-          </a:fillRef>
-          <a:effectRef idx="0">
-            <a:schemeClr val="accent1"/>
-          </a:effectRef>
-          <a:fontRef idx="minor">
-            <a:schemeClr val="lt1"/>
-          </a:fontRef>
-        </p:style>
-        <p:txBody>
-          <a:bodyPr rtlCol="0" anchor="ctr"/>
-          <a:lstStyle/>
-          <a:p>
-            <a:pPr algn="ctr"/>
-            <a:endParaRPr lang="ko-KR" altLang="en-US"/>
-          </a:p>
-        </p:txBody>
-      </p:sp>
+        </p:spPr>
+      </p:pic>
     </p:spTree>
     <p:extLst>
       <p:ext uri="{BB962C8B-B14F-4D97-AF65-F5344CB8AC3E}">
-        <p14:creationId xmlns:p14="http://schemas.microsoft.com/office/powerpoint/2010/main" val="3496413028"/>
-      </p:ext>
-    </p:extLst>
-  </p:cSld>
-  <p:clrMapOvr>
-    <a:masterClrMapping/>
-  </p:clrMapOvr>
-</p:sld>
-</file>
-
-<file path=ppt/slides/slide7.xml><?xml version="1.0" encoding="utf-8"?>
-<p:sld xmlns:a="http://schemas.openxmlformats.org/drawingml/2006/main" xmlns:r="http://schemas.openxmlformats.org/officeDocument/2006/relationships" xmlns:p="http://schemas.openxmlformats.org/presentationml/2006/main">
-  <p:cSld>
-    <p:spTree>
-      <p:nvGrpSpPr>
-        <p:cNvPr id="1" name=""/>
-        <p:cNvGrpSpPr/>
-        <p:nvPr/>
-      </p:nvGrpSpPr>
-      <p:grpSpPr>
-        <a:xfrm>
-          <a:off x="0" y="0"/>
-          <a:ext cx="0" cy="0"/>
-          <a:chOff x="0" y="0"/>
-          <a:chExt cx="0" cy="0"/>
-        </a:xfrm>
-      </p:grpSpPr>
-      <p:sp>
-        <p:nvSpPr>
-          <p:cNvPr id="2" name="제목 1">
-            <a:extLst>
-              <a:ext uri="{FF2B5EF4-FFF2-40B4-BE49-F238E27FC236}">
-                <a16:creationId xmlns:a16="http://schemas.microsoft.com/office/drawing/2014/main" id="{3AA6211A-5181-DCEE-F8C4-98D533967D7A}"/>
-              </a:ext>
-            </a:extLst>
-          </p:cNvPr>
-          <p:cNvSpPr>
-            <a:spLocks noGrp="1"/>
-          </p:cNvSpPr>
-          <p:nvPr>
-            <p:ph type="title"/>
-          </p:nvPr>
-        </p:nvSpPr>
-        <p:spPr/>
-        <p:txBody>
-          <a:bodyPr/>
-          <a:lstStyle/>
-          <a:p>
-            <a:r>
-              <a:rPr lang="ko-KR" altLang="en-US" dirty="0"/>
-              <a:t>게임 예시</a:t>
-            </a:r>
-          </a:p>
-        </p:txBody>
-      </p:sp>
-      <p:sp>
-        <p:nvSpPr>
-          <p:cNvPr id="4" name="직사각형 3">
-            <a:extLst>
-              <a:ext uri="{FF2B5EF4-FFF2-40B4-BE49-F238E27FC236}">
-                <a16:creationId xmlns:a16="http://schemas.microsoft.com/office/drawing/2014/main" id="{F78D49A3-7F21-3801-0201-8F5CE198A4F9}"/>
-              </a:ext>
-            </a:extLst>
-          </p:cNvPr>
-          <p:cNvSpPr/>
-          <p:nvPr/>
-        </p:nvSpPr>
-        <p:spPr>
-          <a:xfrm>
-            <a:off x="796948" y="1570550"/>
-            <a:ext cx="6310574" cy="3711664"/>
-          </a:xfrm>
-          <a:prstGeom prst="rect">
-            <a:avLst/>
-          </a:prstGeom>
-          <a:solidFill>
-            <a:schemeClr val="bg1">
-              <a:lumMod val="50000"/>
-            </a:schemeClr>
-          </a:solidFill>
-          <a:ln>
-            <a:solidFill>
-              <a:schemeClr val="tx1"/>
-            </a:solidFill>
-          </a:ln>
-        </p:spPr>
-        <p:style>
-          <a:lnRef idx="2">
-            <a:schemeClr val="accent1">
-              <a:shade val="15000"/>
-            </a:schemeClr>
-          </a:lnRef>
-          <a:fillRef idx="1">
-            <a:schemeClr val="accent1"/>
-          </a:fillRef>
-          <a:effectRef idx="0">
-            <a:schemeClr val="accent1"/>
-          </a:effectRef>
-          <a:fontRef idx="minor">
-            <a:schemeClr val="lt1"/>
-          </a:fontRef>
-        </p:style>
-        <p:txBody>
-          <a:bodyPr rtlCol="0" anchor="ctr"/>
-          <a:lstStyle/>
-          <a:p>
-            <a:pPr algn="ctr"/>
-            <a:endParaRPr lang="ko-KR" altLang="en-US"/>
-          </a:p>
-        </p:txBody>
-      </p:sp>
-      <p:sp>
-        <p:nvSpPr>
-          <p:cNvPr id="20" name="직사각형 19">
-            <a:extLst>
-              <a:ext uri="{FF2B5EF4-FFF2-40B4-BE49-F238E27FC236}">
-                <a16:creationId xmlns:a16="http://schemas.microsoft.com/office/drawing/2014/main" id="{848CAFF1-0CE7-F728-4EE9-803C4F8AA00B}"/>
-              </a:ext>
-            </a:extLst>
-          </p:cNvPr>
-          <p:cNvSpPr/>
-          <p:nvPr/>
-        </p:nvSpPr>
-        <p:spPr>
-          <a:xfrm>
-            <a:off x="7332424" y="1570549"/>
-            <a:ext cx="4581409" cy="5016681"/>
-          </a:xfrm>
-          <a:prstGeom prst="rect">
-            <a:avLst/>
-          </a:prstGeom>
-          <a:noFill/>
-          <a:ln>
-            <a:solidFill>
-              <a:schemeClr val="tx1"/>
-            </a:solidFill>
-          </a:ln>
-        </p:spPr>
-        <p:style>
-          <a:lnRef idx="2">
-            <a:schemeClr val="accent1">
-              <a:shade val="15000"/>
-            </a:schemeClr>
-          </a:lnRef>
-          <a:fillRef idx="1">
-            <a:schemeClr val="accent1"/>
-          </a:fillRef>
-          <a:effectRef idx="0">
-            <a:schemeClr val="accent1"/>
-          </a:effectRef>
-          <a:fontRef idx="minor">
-            <a:schemeClr val="lt1"/>
-          </a:fontRef>
-        </p:style>
-        <p:txBody>
-          <a:bodyPr rtlCol="0" anchor="ctr"/>
-          <a:lstStyle/>
-          <a:p>
-            <a:pPr algn="ctr"/>
-            <a:r>
-              <a:rPr lang="ko-KR" altLang="en-US" dirty="0">
-                <a:solidFill>
-                  <a:schemeClr val="tx1"/>
-                </a:solidFill>
-              </a:rPr>
-              <a:t>미니 게임 </a:t>
-            </a:r>
-            <a:r>
-              <a:rPr lang="en-US" altLang="ko-KR" dirty="0">
-                <a:solidFill>
-                  <a:schemeClr val="tx1"/>
-                </a:solidFill>
-              </a:rPr>
-              <a:t>3 :</a:t>
-            </a:r>
-            <a:r>
-              <a:rPr lang="ko-KR" altLang="en-US" dirty="0">
-                <a:solidFill>
-                  <a:schemeClr val="tx1"/>
-                </a:solidFill>
-              </a:rPr>
-              <a:t> 과녁 맞추기</a:t>
-            </a:r>
-            <a:endParaRPr lang="en-US" altLang="ko-KR" dirty="0">
-              <a:solidFill>
-                <a:schemeClr val="tx1"/>
-              </a:solidFill>
-            </a:endParaRPr>
-          </a:p>
-          <a:p>
-            <a:pPr algn="ctr"/>
-            <a:endParaRPr lang="en-US" altLang="ko-KR" dirty="0">
-              <a:solidFill>
-                <a:schemeClr val="tx1"/>
-              </a:solidFill>
-            </a:endParaRPr>
-          </a:p>
-          <a:p>
-            <a:pPr algn="ctr"/>
-            <a:r>
-              <a:rPr lang="en-US" altLang="ko-KR" dirty="0">
-                <a:solidFill>
-                  <a:schemeClr val="tx1"/>
-                </a:solidFill>
-              </a:rPr>
-              <a:t>5</a:t>
-            </a:r>
-            <a:r>
-              <a:rPr lang="ko-KR" altLang="en-US" dirty="0">
-                <a:solidFill>
-                  <a:schemeClr val="tx1"/>
-                </a:solidFill>
-              </a:rPr>
-              <a:t>초의 시간이 주어짐</a:t>
-            </a:r>
-            <a:endParaRPr lang="en-US" altLang="ko-KR" dirty="0">
-              <a:solidFill>
-                <a:schemeClr val="tx1"/>
-              </a:solidFill>
-            </a:endParaRPr>
-          </a:p>
-          <a:p>
-            <a:pPr algn="ctr"/>
-            <a:r>
-              <a:rPr lang="en-US" altLang="ko-KR" dirty="0">
-                <a:solidFill>
-                  <a:schemeClr val="tx1"/>
-                </a:solidFill>
-              </a:rPr>
-              <a:t>(</a:t>
-            </a:r>
-            <a:r>
-              <a:rPr lang="ko-KR" altLang="en-US" dirty="0">
-                <a:solidFill>
-                  <a:schemeClr val="tx1"/>
-                </a:solidFill>
-              </a:rPr>
-              <a:t>화면아래의 게이지로 남은 시간 확인 가능</a:t>
-            </a:r>
-            <a:r>
-              <a:rPr lang="en-US" altLang="ko-KR" dirty="0">
-                <a:solidFill>
-                  <a:schemeClr val="tx1"/>
-                </a:solidFill>
-              </a:rPr>
-              <a:t>)</a:t>
-            </a:r>
-          </a:p>
-          <a:p>
-            <a:pPr algn="ctr"/>
-            <a:endParaRPr lang="en-US" altLang="ko-KR" dirty="0">
-              <a:solidFill>
-                <a:schemeClr val="tx1"/>
-              </a:solidFill>
-            </a:endParaRPr>
-          </a:p>
-          <a:p>
-            <a:pPr algn="ctr"/>
-            <a:r>
-              <a:rPr lang="ko-KR" altLang="en-US" dirty="0">
-                <a:solidFill>
-                  <a:schemeClr val="tx1"/>
-                </a:solidFill>
-              </a:rPr>
-              <a:t>화면 상단에는 과녁</a:t>
-            </a:r>
-            <a:endParaRPr lang="en-US" altLang="ko-KR" dirty="0">
-              <a:solidFill>
-                <a:schemeClr val="tx1"/>
-              </a:solidFill>
-            </a:endParaRPr>
-          </a:p>
-          <a:p>
-            <a:pPr algn="ctr"/>
-            <a:r>
-              <a:rPr lang="ko-KR" altLang="en-US" dirty="0">
-                <a:solidFill>
-                  <a:schemeClr val="tx1"/>
-                </a:solidFill>
-              </a:rPr>
-              <a:t>화면 하단에는 다트가 표시됨</a:t>
-            </a:r>
-            <a:endParaRPr lang="en-US" altLang="ko-KR" dirty="0">
-              <a:solidFill>
-                <a:schemeClr val="tx1"/>
-              </a:solidFill>
-            </a:endParaRPr>
-          </a:p>
-          <a:p>
-            <a:pPr algn="ctr"/>
-            <a:r>
-              <a:rPr lang="en-US" altLang="ko-KR" dirty="0">
-                <a:solidFill>
-                  <a:schemeClr val="tx1"/>
-                </a:solidFill>
-              </a:rPr>
-              <a:t>(</a:t>
-            </a:r>
-            <a:r>
-              <a:rPr lang="ko-KR" altLang="en-US" dirty="0">
-                <a:solidFill>
-                  <a:schemeClr val="tx1"/>
-                </a:solidFill>
-              </a:rPr>
-              <a:t>다트는 좌우로 일정한 속도로 움직임</a:t>
-            </a:r>
-            <a:r>
-              <a:rPr lang="en-US" altLang="ko-KR" dirty="0">
-                <a:solidFill>
-                  <a:schemeClr val="tx1"/>
-                </a:solidFill>
-              </a:rPr>
-              <a:t>)</a:t>
-            </a:r>
-          </a:p>
-          <a:p>
-            <a:pPr algn="ctr"/>
-            <a:endParaRPr lang="en-US" altLang="ko-KR" dirty="0">
-              <a:solidFill>
-                <a:schemeClr val="tx1"/>
-              </a:solidFill>
-            </a:endParaRPr>
-          </a:p>
-          <a:p>
-            <a:pPr algn="ctr"/>
-            <a:r>
-              <a:rPr lang="ko-KR" altLang="en-US" dirty="0">
-                <a:solidFill>
-                  <a:schemeClr val="tx1"/>
-                </a:solidFill>
-              </a:rPr>
-              <a:t>스페이스바를 눌러 다트를 발사</a:t>
-            </a:r>
-            <a:endParaRPr lang="en-US" altLang="ko-KR" dirty="0">
-              <a:solidFill>
-                <a:schemeClr val="tx1"/>
-              </a:solidFill>
-            </a:endParaRPr>
-          </a:p>
-          <a:p>
-            <a:pPr algn="ctr"/>
-            <a:r>
-              <a:rPr lang="en-US" altLang="ko-KR" dirty="0">
-                <a:solidFill>
-                  <a:schemeClr val="tx1"/>
-                </a:solidFill>
-              </a:rPr>
-              <a:t>(</a:t>
-            </a:r>
-            <a:r>
-              <a:rPr lang="ko-KR" altLang="en-US" dirty="0">
-                <a:solidFill>
-                  <a:schemeClr val="tx1"/>
-                </a:solidFill>
-              </a:rPr>
-              <a:t>다트의 발사 속도는 좌우 이동속도와 동일</a:t>
-            </a:r>
-            <a:r>
-              <a:rPr lang="en-US" altLang="ko-KR" dirty="0">
-                <a:solidFill>
-                  <a:schemeClr val="tx1"/>
-                </a:solidFill>
-              </a:rPr>
-              <a:t>)</a:t>
-            </a:r>
-          </a:p>
-          <a:p>
-            <a:pPr algn="ctr"/>
-            <a:endParaRPr lang="en-US" altLang="ko-KR" dirty="0">
-              <a:solidFill>
-                <a:schemeClr val="tx1"/>
-              </a:solidFill>
-            </a:endParaRPr>
-          </a:p>
-          <a:p>
-            <a:pPr algn="ctr"/>
-            <a:r>
-              <a:rPr lang="ko-KR" altLang="en-US" dirty="0">
-                <a:solidFill>
-                  <a:schemeClr val="tx1"/>
-                </a:solidFill>
-              </a:rPr>
-              <a:t>다트가 과녁에 명중하면 게임 클리어</a:t>
-            </a:r>
-            <a:endParaRPr lang="en-US" altLang="ko-KR" dirty="0">
-              <a:solidFill>
-                <a:schemeClr val="tx1"/>
-              </a:solidFill>
-            </a:endParaRPr>
-          </a:p>
-        </p:txBody>
-      </p:sp>
-      <p:sp>
-        <p:nvSpPr>
-          <p:cNvPr id="6" name="직사각형 5">
-            <a:extLst>
-              <a:ext uri="{FF2B5EF4-FFF2-40B4-BE49-F238E27FC236}">
-                <a16:creationId xmlns:a16="http://schemas.microsoft.com/office/drawing/2014/main" id="{C496A909-7DE0-3385-A79E-30DDD00ED9CD}"/>
-              </a:ext>
-            </a:extLst>
-          </p:cNvPr>
-          <p:cNvSpPr/>
-          <p:nvPr/>
-        </p:nvSpPr>
-        <p:spPr>
-          <a:xfrm>
-            <a:off x="1829415" y="1680654"/>
-            <a:ext cx="4245639" cy="559292"/>
-          </a:xfrm>
-          <a:prstGeom prst="rect">
-            <a:avLst/>
-          </a:prstGeom>
-          <a:solidFill>
-            <a:schemeClr val="tx1">
-              <a:lumMod val="75000"/>
-              <a:lumOff val="25000"/>
-            </a:schemeClr>
-          </a:solidFill>
-          <a:ln>
-            <a:noFill/>
-          </a:ln>
-        </p:spPr>
-        <p:style>
-          <a:lnRef idx="2">
-            <a:schemeClr val="accent1">
-              <a:shade val="15000"/>
-            </a:schemeClr>
-          </a:lnRef>
-          <a:fillRef idx="1">
-            <a:schemeClr val="accent1"/>
-          </a:fillRef>
-          <a:effectRef idx="0">
-            <a:schemeClr val="accent1"/>
-          </a:effectRef>
-          <a:fontRef idx="minor">
-            <a:schemeClr val="lt1"/>
-          </a:fontRef>
-        </p:style>
-        <p:txBody>
-          <a:bodyPr rtlCol="0" anchor="ctr"/>
-          <a:lstStyle/>
-          <a:p>
-            <a:pPr algn="ctr"/>
-            <a:r>
-              <a:rPr lang="ko-KR" altLang="en-US" dirty="0"/>
-              <a:t>과녁 맞추기</a:t>
-            </a:r>
-          </a:p>
-        </p:txBody>
-      </p:sp>
-      <p:sp>
-        <p:nvSpPr>
-          <p:cNvPr id="36" name="직사각형 35">
-            <a:extLst>
-              <a:ext uri="{FF2B5EF4-FFF2-40B4-BE49-F238E27FC236}">
-                <a16:creationId xmlns:a16="http://schemas.microsoft.com/office/drawing/2014/main" id="{F6D36A01-5FF4-CBF6-0808-2B8B0318D31F}"/>
-              </a:ext>
-            </a:extLst>
-          </p:cNvPr>
-          <p:cNvSpPr/>
-          <p:nvPr/>
-        </p:nvSpPr>
-        <p:spPr>
-          <a:xfrm>
-            <a:off x="796948" y="4922086"/>
-            <a:ext cx="6310574" cy="360128"/>
-          </a:xfrm>
-          <a:prstGeom prst="rect">
-            <a:avLst/>
-          </a:prstGeom>
-          <a:solidFill>
-            <a:schemeClr val="bg1">
-              <a:lumMod val="95000"/>
-            </a:schemeClr>
-          </a:solidFill>
-        </p:spPr>
-        <p:style>
-          <a:lnRef idx="2">
-            <a:schemeClr val="accent1">
-              <a:shade val="15000"/>
-            </a:schemeClr>
-          </a:lnRef>
-          <a:fillRef idx="1">
-            <a:schemeClr val="accent1"/>
-          </a:fillRef>
-          <a:effectRef idx="0">
-            <a:schemeClr val="accent1"/>
-          </a:effectRef>
-          <a:fontRef idx="minor">
-            <a:schemeClr val="lt1"/>
-          </a:fontRef>
-        </p:style>
-        <p:txBody>
-          <a:bodyPr rtlCol="0" anchor="ctr"/>
-          <a:lstStyle/>
-          <a:p>
-            <a:pPr algn="ctr"/>
-            <a:endParaRPr lang="ko-KR" altLang="en-US"/>
-          </a:p>
-        </p:txBody>
-      </p:sp>
-      <p:sp>
-        <p:nvSpPr>
-          <p:cNvPr id="37" name="직사각형 36">
-            <a:extLst>
-              <a:ext uri="{FF2B5EF4-FFF2-40B4-BE49-F238E27FC236}">
-                <a16:creationId xmlns:a16="http://schemas.microsoft.com/office/drawing/2014/main" id="{8CB10136-336D-7407-5527-44F2C818E892}"/>
-              </a:ext>
-            </a:extLst>
-          </p:cNvPr>
-          <p:cNvSpPr/>
-          <p:nvPr/>
-        </p:nvSpPr>
-        <p:spPr>
-          <a:xfrm>
-            <a:off x="769856" y="4924050"/>
-            <a:ext cx="1200987" cy="360128"/>
-          </a:xfrm>
-          <a:prstGeom prst="rect">
-            <a:avLst/>
-          </a:prstGeom>
-          <a:solidFill>
-            <a:schemeClr val="accent5">
-              <a:lumMod val="60000"/>
-              <a:lumOff val="40000"/>
-            </a:schemeClr>
-          </a:solidFill>
-        </p:spPr>
-        <p:style>
-          <a:lnRef idx="2">
-            <a:schemeClr val="accent1">
-              <a:shade val="15000"/>
-            </a:schemeClr>
-          </a:lnRef>
-          <a:fillRef idx="1">
-            <a:schemeClr val="accent1"/>
-          </a:fillRef>
-          <a:effectRef idx="0">
-            <a:schemeClr val="accent1"/>
-          </a:effectRef>
-          <a:fontRef idx="minor">
-            <a:schemeClr val="lt1"/>
-          </a:fontRef>
-        </p:style>
-        <p:txBody>
-          <a:bodyPr rtlCol="0" anchor="ctr"/>
-          <a:lstStyle/>
-          <a:p>
-            <a:pPr algn="ctr"/>
-            <a:endParaRPr lang="ko-KR" altLang="en-US"/>
-          </a:p>
-        </p:txBody>
-      </p:sp>
-      <p:sp>
-        <p:nvSpPr>
-          <p:cNvPr id="27" name="순서도: 연결자 26">
-            <a:extLst>
-              <a:ext uri="{FF2B5EF4-FFF2-40B4-BE49-F238E27FC236}">
-                <a16:creationId xmlns:a16="http://schemas.microsoft.com/office/drawing/2014/main" id="{35C423CB-EE75-2DDB-A066-D9C46B1F76F2}"/>
-              </a:ext>
-            </a:extLst>
-          </p:cNvPr>
-          <p:cNvSpPr/>
-          <p:nvPr/>
-        </p:nvSpPr>
-        <p:spPr>
-          <a:xfrm>
-            <a:off x="3299538" y="2378441"/>
-            <a:ext cx="1219195" cy="1172422"/>
-          </a:xfrm>
-          <a:prstGeom prst="flowChartConnector">
-            <a:avLst/>
-          </a:prstGeom>
-          <a:solidFill>
-            <a:schemeClr val="accent6">
-              <a:lumMod val="75000"/>
-            </a:schemeClr>
-          </a:solidFill>
-          <a:ln>
-            <a:noFill/>
-          </a:ln>
-        </p:spPr>
-        <p:style>
-          <a:lnRef idx="2">
-            <a:schemeClr val="accent1">
-              <a:shade val="15000"/>
-            </a:schemeClr>
-          </a:lnRef>
-          <a:fillRef idx="1">
-            <a:schemeClr val="accent1"/>
-          </a:fillRef>
-          <a:effectRef idx="0">
-            <a:schemeClr val="accent1"/>
-          </a:effectRef>
-          <a:fontRef idx="minor">
-            <a:schemeClr val="lt1"/>
-          </a:fontRef>
-        </p:style>
-        <p:txBody>
-          <a:bodyPr rtlCol="0" anchor="ctr"/>
-          <a:lstStyle/>
-          <a:p>
-            <a:pPr algn="ctr"/>
-            <a:endParaRPr lang="ko-KR" altLang="en-US"/>
-          </a:p>
-        </p:txBody>
-      </p:sp>
-      <p:sp>
-        <p:nvSpPr>
-          <p:cNvPr id="13" name="이등변 삼각형 12">
-            <a:extLst>
-              <a:ext uri="{FF2B5EF4-FFF2-40B4-BE49-F238E27FC236}">
-                <a16:creationId xmlns:a16="http://schemas.microsoft.com/office/drawing/2014/main" id="{94E60E43-6E9E-D774-D422-97EE391AD6A4}"/>
-              </a:ext>
-            </a:extLst>
-          </p:cNvPr>
-          <p:cNvSpPr/>
-          <p:nvPr/>
-        </p:nvSpPr>
-        <p:spPr>
-          <a:xfrm>
-            <a:off x="3227775" y="3982610"/>
-            <a:ext cx="305538" cy="635445"/>
-          </a:xfrm>
-          <a:prstGeom prst="triangle">
-            <a:avLst/>
-          </a:prstGeom>
-          <a:solidFill>
-            <a:schemeClr val="accent6">
-              <a:lumMod val="40000"/>
-              <a:lumOff val="60000"/>
-            </a:schemeClr>
-          </a:solidFill>
-          <a:ln w="12700">
-            <a:noFill/>
-          </a:ln>
-        </p:spPr>
-        <p:style>
-          <a:lnRef idx="2">
-            <a:schemeClr val="accent1">
-              <a:shade val="15000"/>
-            </a:schemeClr>
-          </a:lnRef>
-          <a:fillRef idx="1">
-            <a:schemeClr val="accent1"/>
-          </a:fillRef>
-          <a:effectRef idx="0">
-            <a:schemeClr val="accent1"/>
-          </a:effectRef>
-          <a:fontRef idx="minor">
-            <a:schemeClr val="lt1"/>
-          </a:fontRef>
-        </p:style>
-        <p:txBody>
-          <a:bodyPr rtlCol="0" anchor="ctr"/>
-          <a:lstStyle/>
-          <a:p>
-            <a:pPr algn="ctr"/>
-            <a:endParaRPr lang="ko-KR" altLang="en-US"/>
-          </a:p>
-        </p:txBody>
-      </p:sp>
-      <p:sp>
-        <p:nvSpPr>
-          <p:cNvPr id="5" name="순서도: 연결자 4">
-            <a:extLst>
-              <a:ext uri="{FF2B5EF4-FFF2-40B4-BE49-F238E27FC236}">
-                <a16:creationId xmlns:a16="http://schemas.microsoft.com/office/drawing/2014/main" id="{E96489E9-C593-2AB6-087C-D883B435FB98}"/>
-              </a:ext>
-            </a:extLst>
-          </p:cNvPr>
-          <p:cNvSpPr/>
-          <p:nvPr/>
-        </p:nvSpPr>
-        <p:spPr>
-          <a:xfrm>
-            <a:off x="3451938" y="2530841"/>
-            <a:ext cx="924753" cy="862729"/>
-          </a:xfrm>
-          <a:prstGeom prst="flowChartConnector">
-            <a:avLst/>
-          </a:prstGeom>
-          <a:solidFill>
-            <a:schemeClr val="bg1">
-              <a:lumMod val="95000"/>
-            </a:schemeClr>
-          </a:solidFill>
-          <a:ln>
-            <a:noFill/>
-          </a:ln>
-        </p:spPr>
-        <p:style>
-          <a:lnRef idx="2">
-            <a:schemeClr val="accent1">
-              <a:shade val="15000"/>
-            </a:schemeClr>
-          </a:lnRef>
-          <a:fillRef idx="1">
-            <a:schemeClr val="accent1"/>
-          </a:fillRef>
-          <a:effectRef idx="0">
-            <a:schemeClr val="accent1"/>
-          </a:effectRef>
-          <a:fontRef idx="minor">
-            <a:schemeClr val="lt1"/>
-          </a:fontRef>
-        </p:style>
-        <p:txBody>
-          <a:bodyPr rtlCol="0" anchor="ctr"/>
-          <a:lstStyle/>
-          <a:p>
-            <a:pPr algn="ctr"/>
-            <a:endParaRPr lang="ko-KR" altLang="en-US"/>
-          </a:p>
-        </p:txBody>
-      </p:sp>
-      <p:sp>
-        <p:nvSpPr>
-          <p:cNvPr id="9" name="순서도: 연결자 8">
-            <a:extLst>
-              <a:ext uri="{FF2B5EF4-FFF2-40B4-BE49-F238E27FC236}">
-                <a16:creationId xmlns:a16="http://schemas.microsoft.com/office/drawing/2014/main" id="{CED97299-9FBE-00D9-27D6-B65E9EE8EBCF}"/>
-              </a:ext>
-            </a:extLst>
-          </p:cNvPr>
-          <p:cNvSpPr/>
-          <p:nvPr/>
-        </p:nvSpPr>
-        <p:spPr>
-          <a:xfrm>
-            <a:off x="3613216" y="2683241"/>
-            <a:ext cx="603677" cy="572719"/>
-          </a:xfrm>
-          <a:prstGeom prst="flowChartConnector">
-            <a:avLst/>
-          </a:prstGeom>
-          <a:solidFill>
-            <a:schemeClr val="accent6">
-              <a:lumMod val="75000"/>
-            </a:schemeClr>
-          </a:solidFill>
-          <a:ln>
-            <a:noFill/>
-          </a:ln>
-        </p:spPr>
-        <p:style>
-          <a:lnRef idx="2">
-            <a:schemeClr val="accent1">
-              <a:shade val="15000"/>
-            </a:schemeClr>
-          </a:lnRef>
-          <a:fillRef idx="1">
-            <a:schemeClr val="accent1"/>
-          </a:fillRef>
-          <a:effectRef idx="0">
-            <a:schemeClr val="accent1"/>
-          </a:effectRef>
-          <a:fontRef idx="minor">
-            <a:schemeClr val="lt1"/>
-          </a:fontRef>
-        </p:style>
-        <p:txBody>
-          <a:bodyPr rtlCol="0" anchor="ctr"/>
-          <a:lstStyle/>
-          <a:p>
-            <a:pPr algn="ctr"/>
-            <a:endParaRPr lang="ko-KR" altLang="en-US"/>
-          </a:p>
-        </p:txBody>
-      </p:sp>
-      <p:cxnSp>
-        <p:nvCxnSpPr>
-          <p:cNvPr id="17" name="직선 화살표 연결선 16">
-            <a:extLst>
-              <a:ext uri="{FF2B5EF4-FFF2-40B4-BE49-F238E27FC236}">
-                <a16:creationId xmlns:a16="http://schemas.microsoft.com/office/drawing/2014/main" id="{D6FE62D4-A38E-4E4A-C842-805700AB4543}"/>
-              </a:ext>
-            </a:extLst>
-          </p:cNvPr>
-          <p:cNvCxnSpPr>
-            <a:cxnSpLocks/>
-          </p:cNvCxnSpPr>
-          <p:nvPr/>
-        </p:nvCxnSpPr>
-        <p:spPr>
-          <a:xfrm>
-            <a:off x="3952234" y="4300332"/>
-            <a:ext cx="930484" cy="0"/>
-          </a:xfrm>
-          <a:prstGeom prst="straightConnector1">
-            <a:avLst/>
-          </a:prstGeom>
-          <a:ln w="28575">
-            <a:solidFill>
-              <a:schemeClr val="bg1"/>
-            </a:solidFill>
-            <a:tailEnd type="triangle"/>
-          </a:ln>
-        </p:spPr>
-        <p:style>
-          <a:lnRef idx="1">
-            <a:schemeClr val="accent1"/>
-          </a:lnRef>
-          <a:fillRef idx="0">
-            <a:schemeClr val="accent1"/>
-          </a:fillRef>
-          <a:effectRef idx="0">
-            <a:schemeClr val="accent1"/>
-          </a:effectRef>
-          <a:fontRef idx="minor">
-            <a:schemeClr val="tx1"/>
-          </a:fontRef>
-        </p:style>
-      </p:cxnSp>
-      <p:cxnSp>
-        <p:nvCxnSpPr>
-          <p:cNvPr id="25" name="직선 화살표 연결선 24">
-            <a:extLst>
-              <a:ext uri="{FF2B5EF4-FFF2-40B4-BE49-F238E27FC236}">
-                <a16:creationId xmlns:a16="http://schemas.microsoft.com/office/drawing/2014/main" id="{CC086CC4-001F-EB08-C449-8626D04A8CA8}"/>
-              </a:ext>
-            </a:extLst>
-          </p:cNvPr>
-          <p:cNvCxnSpPr>
-            <a:cxnSpLocks/>
-          </p:cNvCxnSpPr>
-          <p:nvPr/>
-        </p:nvCxnSpPr>
-        <p:spPr>
-          <a:xfrm flipH="1">
-            <a:off x="2050742" y="4300332"/>
-            <a:ext cx="807867" cy="0"/>
-          </a:xfrm>
-          <a:prstGeom prst="straightConnector1">
-            <a:avLst/>
-          </a:prstGeom>
-          <a:ln w="28575">
-            <a:solidFill>
-              <a:schemeClr val="bg1"/>
-            </a:solidFill>
-            <a:tailEnd type="triangle"/>
-          </a:ln>
-        </p:spPr>
-        <p:style>
-          <a:lnRef idx="1">
-            <a:schemeClr val="accent1"/>
-          </a:lnRef>
-          <a:fillRef idx="0">
-            <a:schemeClr val="accent1"/>
-          </a:fillRef>
-          <a:effectRef idx="0">
-            <a:schemeClr val="accent1"/>
-          </a:effectRef>
-          <a:fontRef idx="minor">
-            <a:schemeClr val="tx1"/>
-          </a:fontRef>
-        </p:style>
-      </p:cxnSp>
-    </p:spTree>
-    <p:extLst>
-      <p:ext uri="{BB962C8B-B14F-4D97-AF65-F5344CB8AC3E}">
-        <p14:creationId xmlns:p14="http://schemas.microsoft.com/office/powerpoint/2010/main" val="1928833645"/>
-      </p:ext>
-    </p:extLst>
-  </p:cSld>
-  <p:clrMapOvr>
-    <a:masterClrMapping/>
-  </p:clrMapOvr>
-</p:sld>
-</file>
-
-<file path=ppt/slides/slide8.xml><?xml version="1.0" encoding="utf-8"?>
-<p:sld xmlns:a="http://schemas.openxmlformats.org/drawingml/2006/main" xmlns:r="http://schemas.openxmlformats.org/officeDocument/2006/relationships" xmlns:p="http://schemas.openxmlformats.org/presentationml/2006/main">
-  <p:cSld>
-    <p:spTree>
-      <p:nvGrpSpPr>
-        <p:cNvPr id="1" name=""/>
-        <p:cNvGrpSpPr/>
-        <p:nvPr/>
-      </p:nvGrpSpPr>
-      <p:grpSpPr>
-        <a:xfrm>
-          <a:off x="0" y="0"/>
-          <a:ext cx="0" cy="0"/>
-          <a:chOff x="0" y="0"/>
-          <a:chExt cx="0" cy="0"/>
-        </a:xfrm>
-      </p:grpSpPr>
-      <p:sp>
-        <p:nvSpPr>
-          <p:cNvPr id="2" name="제목 1">
-            <a:extLst>
-              <a:ext uri="{FF2B5EF4-FFF2-40B4-BE49-F238E27FC236}">
-                <a16:creationId xmlns:a16="http://schemas.microsoft.com/office/drawing/2014/main" id="{3AA6211A-5181-DCEE-F8C4-98D533967D7A}"/>
-              </a:ext>
-            </a:extLst>
-          </p:cNvPr>
-          <p:cNvSpPr>
-            <a:spLocks noGrp="1"/>
-          </p:cNvSpPr>
-          <p:nvPr>
-            <p:ph type="title"/>
-          </p:nvPr>
-        </p:nvSpPr>
-        <p:spPr/>
-        <p:txBody>
-          <a:bodyPr/>
-          <a:lstStyle/>
-          <a:p>
-            <a:r>
-              <a:rPr lang="ko-KR" altLang="en-US" dirty="0"/>
-              <a:t>게임 예시</a:t>
-            </a:r>
-          </a:p>
-        </p:txBody>
-      </p:sp>
-      <p:sp>
-        <p:nvSpPr>
-          <p:cNvPr id="4" name="직사각형 3">
-            <a:extLst>
-              <a:ext uri="{FF2B5EF4-FFF2-40B4-BE49-F238E27FC236}">
-                <a16:creationId xmlns:a16="http://schemas.microsoft.com/office/drawing/2014/main" id="{F78D49A3-7F21-3801-0201-8F5CE198A4F9}"/>
-              </a:ext>
-            </a:extLst>
-          </p:cNvPr>
-          <p:cNvSpPr/>
-          <p:nvPr/>
-        </p:nvSpPr>
-        <p:spPr>
-          <a:xfrm>
-            <a:off x="796948" y="1570550"/>
-            <a:ext cx="6310574" cy="3711664"/>
-          </a:xfrm>
-          <a:prstGeom prst="rect">
-            <a:avLst/>
-          </a:prstGeom>
-          <a:solidFill>
-            <a:schemeClr val="bg1">
-              <a:lumMod val="50000"/>
-            </a:schemeClr>
-          </a:solidFill>
-          <a:ln>
-            <a:solidFill>
-              <a:schemeClr val="tx1"/>
-            </a:solidFill>
-          </a:ln>
-        </p:spPr>
-        <p:style>
-          <a:lnRef idx="2">
-            <a:schemeClr val="accent1">
-              <a:shade val="15000"/>
-            </a:schemeClr>
-          </a:lnRef>
-          <a:fillRef idx="1">
-            <a:schemeClr val="accent1"/>
-          </a:fillRef>
-          <a:effectRef idx="0">
-            <a:schemeClr val="accent1"/>
-          </a:effectRef>
-          <a:fontRef idx="minor">
-            <a:schemeClr val="lt1"/>
-          </a:fontRef>
-        </p:style>
-        <p:txBody>
-          <a:bodyPr rtlCol="0" anchor="ctr"/>
-          <a:lstStyle/>
-          <a:p>
-            <a:pPr algn="ctr"/>
-            <a:endParaRPr lang="ko-KR" altLang="en-US"/>
-          </a:p>
-        </p:txBody>
-      </p:sp>
-      <p:sp>
-        <p:nvSpPr>
-          <p:cNvPr id="20" name="직사각형 19">
-            <a:extLst>
-              <a:ext uri="{FF2B5EF4-FFF2-40B4-BE49-F238E27FC236}">
-                <a16:creationId xmlns:a16="http://schemas.microsoft.com/office/drawing/2014/main" id="{848CAFF1-0CE7-F728-4EE9-803C4F8AA00B}"/>
-              </a:ext>
-            </a:extLst>
-          </p:cNvPr>
-          <p:cNvSpPr/>
-          <p:nvPr/>
-        </p:nvSpPr>
-        <p:spPr>
-          <a:xfrm>
-            <a:off x="7332424" y="1570549"/>
-            <a:ext cx="4581409" cy="5016681"/>
-          </a:xfrm>
-          <a:prstGeom prst="rect">
-            <a:avLst/>
-          </a:prstGeom>
-          <a:noFill/>
-          <a:ln>
-            <a:solidFill>
-              <a:schemeClr val="tx1"/>
-            </a:solidFill>
-          </a:ln>
-        </p:spPr>
-        <p:style>
-          <a:lnRef idx="2">
-            <a:schemeClr val="accent1">
-              <a:shade val="15000"/>
-            </a:schemeClr>
-          </a:lnRef>
-          <a:fillRef idx="1">
-            <a:schemeClr val="accent1"/>
-          </a:fillRef>
-          <a:effectRef idx="0">
-            <a:schemeClr val="accent1"/>
-          </a:effectRef>
-          <a:fontRef idx="minor">
-            <a:schemeClr val="lt1"/>
-          </a:fontRef>
-        </p:style>
-        <p:txBody>
-          <a:bodyPr rtlCol="0" anchor="ctr"/>
-          <a:lstStyle/>
-          <a:p>
-            <a:pPr algn="ctr"/>
-            <a:r>
-              <a:rPr lang="ko-KR" altLang="en-US" dirty="0">
-                <a:solidFill>
-                  <a:schemeClr val="tx1"/>
-                </a:solidFill>
-              </a:rPr>
-              <a:t>미니 게임 </a:t>
-            </a:r>
-            <a:r>
-              <a:rPr lang="en-US" altLang="ko-KR" dirty="0">
-                <a:solidFill>
-                  <a:schemeClr val="tx1"/>
-                </a:solidFill>
-              </a:rPr>
-              <a:t>4 :</a:t>
-            </a:r>
-            <a:r>
-              <a:rPr lang="ko-KR" altLang="en-US" dirty="0">
-                <a:solidFill>
-                  <a:schemeClr val="tx1"/>
-                </a:solidFill>
-              </a:rPr>
-              <a:t> 바람 채우기</a:t>
-            </a:r>
-            <a:endParaRPr lang="en-US" altLang="ko-KR" dirty="0">
-              <a:solidFill>
-                <a:schemeClr val="tx1"/>
-              </a:solidFill>
-            </a:endParaRPr>
-          </a:p>
-          <a:p>
-            <a:pPr algn="ctr"/>
-            <a:endParaRPr lang="en-US" altLang="ko-KR" dirty="0">
-              <a:solidFill>
-                <a:schemeClr val="tx1"/>
-              </a:solidFill>
-            </a:endParaRPr>
-          </a:p>
-          <a:p>
-            <a:pPr algn="ctr"/>
-            <a:r>
-              <a:rPr lang="en-US" altLang="ko-KR" dirty="0">
-                <a:solidFill>
-                  <a:schemeClr val="tx1"/>
-                </a:solidFill>
-              </a:rPr>
-              <a:t>5</a:t>
-            </a:r>
-            <a:r>
-              <a:rPr lang="ko-KR" altLang="en-US" dirty="0">
-                <a:solidFill>
-                  <a:schemeClr val="tx1"/>
-                </a:solidFill>
-              </a:rPr>
-              <a:t>초의 시간이 주어짐</a:t>
-            </a:r>
-            <a:endParaRPr lang="en-US" altLang="ko-KR" dirty="0">
-              <a:solidFill>
-                <a:schemeClr val="tx1"/>
-              </a:solidFill>
-            </a:endParaRPr>
-          </a:p>
-          <a:p>
-            <a:pPr algn="ctr"/>
-            <a:r>
-              <a:rPr lang="en-US" altLang="ko-KR" dirty="0">
-                <a:solidFill>
-                  <a:schemeClr val="tx1"/>
-                </a:solidFill>
-              </a:rPr>
-              <a:t>(</a:t>
-            </a:r>
-            <a:r>
-              <a:rPr lang="ko-KR" altLang="en-US" dirty="0">
-                <a:solidFill>
-                  <a:schemeClr val="tx1"/>
-                </a:solidFill>
-              </a:rPr>
-              <a:t>화면아래의 게이지로 남은 시간 확인 가능</a:t>
-            </a:r>
-            <a:r>
-              <a:rPr lang="en-US" altLang="ko-KR" dirty="0">
-                <a:solidFill>
-                  <a:schemeClr val="tx1"/>
-                </a:solidFill>
-              </a:rPr>
-              <a:t>)</a:t>
-            </a:r>
-          </a:p>
-          <a:p>
-            <a:pPr algn="ctr"/>
-            <a:endParaRPr lang="en-US" altLang="ko-KR" dirty="0">
-              <a:solidFill>
-                <a:schemeClr val="tx1"/>
-              </a:solidFill>
-            </a:endParaRPr>
-          </a:p>
-          <a:p>
-            <a:pPr algn="ctr"/>
-            <a:r>
-              <a:rPr lang="ko-KR" altLang="en-US" dirty="0">
-                <a:solidFill>
-                  <a:schemeClr val="tx1"/>
-                </a:solidFill>
-              </a:rPr>
-              <a:t>스페이스바를 누르면 화면의 레버가</a:t>
-            </a:r>
-            <a:endParaRPr lang="en-US" altLang="ko-KR" dirty="0">
-              <a:solidFill>
-                <a:schemeClr val="tx1"/>
-              </a:solidFill>
-            </a:endParaRPr>
-          </a:p>
-          <a:p>
-            <a:pPr algn="ctr"/>
-            <a:r>
-              <a:rPr lang="ko-KR" altLang="en-US" dirty="0">
-                <a:solidFill>
-                  <a:schemeClr val="tx1"/>
-                </a:solidFill>
-              </a:rPr>
-              <a:t>상하로</a:t>
-            </a:r>
-            <a:r>
-              <a:rPr lang="en-US" altLang="ko-KR" dirty="0">
-                <a:solidFill>
-                  <a:schemeClr val="tx1"/>
-                </a:solidFill>
-              </a:rPr>
-              <a:t> </a:t>
-            </a:r>
-            <a:r>
-              <a:rPr lang="ko-KR" altLang="en-US" dirty="0">
-                <a:solidFill>
-                  <a:schemeClr val="tx1"/>
-                </a:solidFill>
-              </a:rPr>
-              <a:t>움직임</a:t>
-            </a:r>
-            <a:endParaRPr lang="en-US" altLang="ko-KR" dirty="0">
-              <a:solidFill>
-                <a:schemeClr val="tx1"/>
-              </a:solidFill>
-            </a:endParaRPr>
-          </a:p>
-          <a:p>
-            <a:pPr algn="ctr"/>
-            <a:endParaRPr lang="en-US" altLang="ko-KR" dirty="0">
-              <a:solidFill>
-                <a:schemeClr val="tx1"/>
-              </a:solidFill>
-            </a:endParaRPr>
-          </a:p>
-          <a:p>
-            <a:pPr algn="ctr"/>
-            <a:r>
-              <a:rPr lang="ko-KR" altLang="en-US" dirty="0">
-                <a:solidFill>
-                  <a:schemeClr val="tx1"/>
-                </a:solidFill>
-              </a:rPr>
-              <a:t>키 입력 횟수에 따라</a:t>
-            </a:r>
-            <a:endParaRPr lang="en-US" altLang="ko-KR" dirty="0">
-              <a:solidFill>
-                <a:schemeClr val="tx1"/>
-              </a:solidFill>
-            </a:endParaRPr>
-          </a:p>
-          <a:p>
-            <a:pPr algn="ctr"/>
-            <a:r>
-              <a:rPr lang="ko-KR" altLang="en-US" dirty="0">
-                <a:solidFill>
-                  <a:schemeClr val="tx1"/>
-                </a:solidFill>
-              </a:rPr>
-              <a:t>화면의 풍선의 크기가 커짐</a:t>
-            </a:r>
-            <a:endParaRPr lang="en-US" altLang="ko-KR" dirty="0">
-              <a:solidFill>
-                <a:schemeClr val="tx1"/>
-              </a:solidFill>
-            </a:endParaRPr>
-          </a:p>
-          <a:p>
-            <a:pPr algn="ctr"/>
-            <a:endParaRPr lang="en-US" altLang="ko-KR" dirty="0">
-              <a:solidFill>
-                <a:schemeClr val="tx1"/>
-              </a:solidFill>
-            </a:endParaRPr>
-          </a:p>
-          <a:p>
-            <a:pPr algn="ctr"/>
-            <a:r>
-              <a:rPr lang="ko-KR" altLang="en-US" dirty="0">
-                <a:solidFill>
-                  <a:schemeClr val="tx1"/>
-                </a:solidFill>
-              </a:rPr>
-              <a:t>일정 횟수를 넘어가면 풍선이 터지는 효과</a:t>
-            </a:r>
-            <a:endParaRPr lang="en-US" altLang="ko-KR" dirty="0">
-              <a:solidFill>
-                <a:schemeClr val="tx1"/>
-              </a:solidFill>
-            </a:endParaRPr>
-          </a:p>
-          <a:p>
-            <a:pPr algn="ctr"/>
-            <a:endParaRPr lang="en-US" altLang="ko-KR" dirty="0">
-              <a:solidFill>
-                <a:schemeClr val="tx1"/>
-              </a:solidFill>
-            </a:endParaRPr>
-          </a:p>
-          <a:p>
-            <a:pPr algn="ctr"/>
-            <a:r>
-              <a:rPr lang="ko-KR" altLang="en-US" dirty="0">
-                <a:solidFill>
-                  <a:schemeClr val="tx1"/>
-                </a:solidFill>
-              </a:rPr>
-              <a:t>풍선이 터지면 게임 클리어</a:t>
-            </a:r>
-            <a:endParaRPr lang="en-US" altLang="ko-KR" dirty="0">
-              <a:solidFill>
-                <a:schemeClr val="tx1"/>
-              </a:solidFill>
-            </a:endParaRPr>
-          </a:p>
-        </p:txBody>
-      </p:sp>
-      <p:sp>
-        <p:nvSpPr>
-          <p:cNvPr id="6" name="직사각형 5">
-            <a:extLst>
-              <a:ext uri="{FF2B5EF4-FFF2-40B4-BE49-F238E27FC236}">
-                <a16:creationId xmlns:a16="http://schemas.microsoft.com/office/drawing/2014/main" id="{C496A909-7DE0-3385-A79E-30DDD00ED9CD}"/>
-              </a:ext>
-            </a:extLst>
-          </p:cNvPr>
-          <p:cNvSpPr/>
-          <p:nvPr/>
-        </p:nvSpPr>
-        <p:spPr>
-          <a:xfrm>
-            <a:off x="1829415" y="1680654"/>
-            <a:ext cx="4245639" cy="559292"/>
-          </a:xfrm>
-          <a:prstGeom prst="rect">
-            <a:avLst/>
-          </a:prstGeom>
-          <a:solidFill>
-            <a:schemeClr val="tx1">
-              <a:lumMod val="75000"/>
-              <a:lumOff val="25000"/>
-            </a:schemeClr>
-          </a:solidFill>
-          <a:ln>
-            <a:noFill/>
-          </a:ln>
-        </p:spPr>
-        <p:style>
-          <a:lnRef idx="2">
-            <a:schemeClr val="accent1">
-              <a:shade val="15000"/>
-            </a:schemeClr>
-          </a:lnRef>
-          <a:fillRef idx="1">
-            <a:schemeClr val="accent1"/>
-          </a:fillRef>
-          <a:effectRef idx="0">
-            <a:schemeClr val="accent1"/>
-          </a:effectRef>
-          <a:fontRef idx="minor">
-            <a:schemeClr val="lt1"/>
-          </a:fontRef>
-        </p:style>
-        <p:txBody>
-          <a:bodyPr rtlCol="0" anchor="ctr"/>
-          <a:lstStyle/>
-          <a:p>
-            <a:pPr algn="ctr"/>
-            <a:r>
-              <a:rPr lang="ko-KR" altLang="en-US" dirty="0"/>
-              <a:t>바람 채우기</a:t>
-            </a:r>
-          </a:p>
-        </p:txBody>
-      </p:sp>
-      <p:sp>
-        <p:nvSpPr>
-          <p:cNvPr id="36" name="직사각형 35">
-            <a:extLst>
-              <a:ext uri="{FF2B5EF4-FFF2-40B4-BE49-F238E27FC236}">
-                <a16:creationId xmlns:a16="http://schemas.microsoft.com/office/drawing/2014/main" id="{F6D36A01-5FF4-CBF6-0808-2B8B0318D31F}"/>
-              </a:ext>
-            </a:extLst>
-          </p:cNvPr>
-          <p:cNvSpPr/>
-          <p:nvPr/>
-        </p:nvSpPr>
-        <p:spPr>
-          <a:xfrm>
-            <a:off x="796948" y="4922086"/>
-            <a:ext cx="6310574" cy="360128"/>
-          </a:xfrm>
-          <a:prstGeom prst="rect">
-            <a:avLst/>
-          </a:prstGeom>
-          <a:solidFill>
-            <a:schemeClr val="bg1">
-              <a:lumMod val="95000"/>
-            </a:schemeClr>
-          </a:solidFill>
-        </p:spPr>
-        <p:style>
-          <a:lnRef idx="2">
-            <a:schemeClr val="accent1">
-              <a:shade val="15000"/>
-            </a:schemeClr>
-          </a:lnRef>
-          <a:fillRef idx="1">
-            <a:schemeClr val="accent1"/>
-          </a:fillRef>
-          <a:effectRef idx="0">
-            <a:schemeClr val="accent1"/>
-          </a:effectRef>
-          <a:fontRef idx="minor">
-            <a:schemeClr val="lt1"/>
-          </a:fontRef>
-        </p:style>
-        <p:txBody>
-          <a:bodyPr rtlCol="0" anchor="ctr"/>
-          <a:lstStyle/>
-          <a:p>
-            <a:pPr algn="ctr"/>
-            <a:endParaRPr lang="ko-KR" altLang="en-US"/>
-          </a:p>
-        </p:txBody>
-      </p:sp>
-      <p:sp>
-        <p:nvSpPr>
-          <p:cNvPr id="37" name="직사각형 36">
-            <a:extLst>
-              <a:ext uri="{FF2B5EF4-FFF2-40B4-BE49-F238E27FC236}">
-                <a16:creationId xmlns:a16="http://schemas.microsoft.com/office/drawing/2014/main" id="{8CB10136-336D-7407-5527-44F2C818E892}"/>
-              </a:ext>
-            </a:extLst>
-          </p:cNvPr>
-          <p:cNvSpPr/>
-          <p:nvPr/>
-        </p:nvSpPr>
-        <p:spPr>
-          <a:xfrm>
-            <a:off x="769856" y="4924050"/>
-            <a:ext cx="1200987" cy="360128"/>
-          </a:xfrm>
-          <a:prstGeom prst="rect">
-            <a:avLst/>
-          </a:prstGeom>
-          <a:solidFill>
-            <a:schemeClr val="accent5">
-              <a:lumMod val="60000"/>
-              <a:lumOff val="40000"/>
-            </a:schemeClr>
-          </a:solidFill>
-        </p:spPr>
-        <p:style>
-          <a:lnRef idx="2">
-            <a:schemeClr val="accent1">
-              <a:shade val="15000"/>
-            </a:schemeClr>
-          </a:lnRef>
-          <a:fillRef idx="1">
-            <a:schemeClr val="accent1"/>
-          </a:fillRef>
-          <a:effectRef idx="0">
-            <a:schemeClr val="accent1"/>
-          </a:effectRef>
-          <a:fontRef idx="minor">
-            <a:schemeClr val="lt1"/>
-          </a:fontRef>
-        </p:style>
-        <p:txBody>
-          <a:bodyPr rtlCol="0" anchor="ctr"/>
-          <a:lstStyle/>
-          <a:p>
-            <a:pPr algn="ctr"/>
-            <a:endParaRPr lang="ko-KR" altLang="en-US"/>
-          </a:p>
-        </p:txBody>
-      </p:sp>
-      <p:grpSp>
-        <p:nvGrpSpPr>
-          <p:cNvPr id="7" name="그룹 6">
-            <a:extLst>
-              <a:ext uri="{FF2B5EF4-FFF2-40B4-BE49-F238E27FC236}">
-                <a16:creationId xmlns:a16="http://schemas.microsoft.com/office/drawing/2014/main" id="{4F292C3C-44FB-B9A5-6628-090FB1E84262}"/>
-              </a:ext>
-            </a:extLst>
-          </p:cNvPr>
-          <p:cNvGrpSpPr/>
-          <p:nvPr/>
-        </p:nvGrpSpPr>
-        <p:grpSpPr>
-          <a:xfrm>
-            <a:off x="2660092" y="2829682"/>
-            <a:ext cx="1059184" cy="1321510"/>
-            <a:chOff x="1305016" y="3062796"/>
-            <a:chExt cx="896645" cy="1130237"/>
-          </a:xfrm>
-        </p:grpSpPr>
-        <p:sp>
-          <p:nvSpPr>
-            <p:cNvPr id="8" name="순서도: 연결자 7">
-              <a:extLst>
-                <a:ext uri="{FF2B5EF4-FFF2-40B4-BE49-F238E27FC236}">
-                  <a16:creationId xmlns:a16="http://schemas.microsoft.com/office/drawing/2014/main" id="{6F2FD7A9-1A8B-AFCC-FF49-1BA15F9E5B54}"/>
-                </a:ext>
-              </a:extLst>
-            </p:cNvPr>
-            <p:cNvSpPr/>
-            <p:nvPr/>
-          </p:nvSpPr>
-          <p:spPr>
-            <a:xfrm>
-              <a:off x="1305016" y="3062796"/>
-              <a:ext cx="896645" cy="861134"/>
-            </a:xfrm>
-            <a:prstGeom prst="flowChartConnector">
-              <a:avLst/>
-            </a:prstGeom>
-            <a:solidFill>
-              <a:schemeClr val="accent6">
-                <a:lumMod val="40000"/>
-                <a:lumOff val="60000"/>
-              </a:schemeClr>
-            </a:solidFill>
-            <a:ln>
-              <a:noFill/>
-            </a:ln>
-          </p:spPr>
-          <p:style>
-            <a:lnRef idx="2">
-              <a:schemeClr val="accent1">
-                <a:shade val="15000"/>
-              </a:schemeClr>
-            </a:lnRef>
-            <a:fillRef idx="1">
-              <a:schemeClr val="accent1"/>
-            </a:fillRef>
-            <a:effectRef idx="0">
-              <a:schemeClr val="accent1"/>
-            </a:effectRef>
-            <a:fontRef idx="minor">
-              <a:schemeClr val="lt1"/>
-            </a:fontRef>
-          </p:style>
-          <p:txBody>
-            <a:bodyPr rtlCol="0" anchor="ctr"/>
-            <a:lstStyle/>
-            <a:p>
-              <a:pPr algn="ctr"/>
-              <a:endParaRPr lang="ko-KR" altLang="en-US"/>
-            </a:p>
-          </p:txBody>
-        </p:sp>
-        <p:sp>
-          <p:nvSpPr>
-            <p:cNvPr id="10" name="이등변 삼각형 9">
-              <a:extLst>
-                <a:ext uri="{FF2B5EF4-FFF2-40B4-BE49-F238E27FC236}">
-                  <a16:creationId xmlns:a16="http://schemas.microsoft.com/office/drawing/2014/main" id="{193A62A0-55BB-2707-9CBF-540B8C71B630}"/>
-                </a:ext>
-              </a:extLst>
-            </p:cNvPr>
-            <p:cNvSpPr/>
-            <p:nvPr/>
-          </p:nvSpPr>
-          <p:spPr>
-            <a:xfrm>
-              <a:off x="1605790" y="3923930"/>
-              <a:ext cx="295096" cy="269103"/>
-            </a:xfrm>
-            <a:prstGeom prst="triangle">
-              <a:avLst/>
-            </a:prstGeom>
-            <a:solidFill>
-              <a:schemeClr val="accent6">
-                <a:lumMod val="40000"/>
-                <a:lumOff val="60000"/>
-              </a:schemeClr>
-            </a:solidFill>
-            <a:ln>
-              <a:noFill/>
-            </a:ln>
-          </p:spPr>
-          <p:style>
-            <a:lnRef idx="2">
-              <a:schemeClr val="accent1">
-                <a:shade val="15000"/>
-              </a:schemeClr>
-            </a:lnRef>
-            <a:fillRef idx="1">
-              <a:schemeClr val="accent1"/>
-            </a:fillRef>
-            <a:effectRef idx="0">
-              <a:schemeClr val="accent1"/>
-            </a:effectRef>
-            <a:fontRef idx="minor">
-              <a:schemeClr val="lt1"/>
-            </a:fontRef>
-          </p:style>
-          <p:txBody>
-            <a:bodyPr rtlCol="0" anchor="ctr"/>
-            <a:lstStyle/>
-            <a:p>
-              <a:pPr algn="ctr"/>
-              <a:endParaRPr lang="ko-KR" altLang="en-US"/>
-            </a:p>
-          </p:txBody>
-        </p:sp>
-      </p:grpSp>
-      <p:sp>
-        <p:nvSpPr>
-          <p:cNvPr id="11" name="직사각형 10">
-            <a:extLst>
-              <a:ext uri="{FF2B5EF4-FFF2-40B4-BE49-F238E27FC236}">
-                <a16:creationId xmlns:a16="http://schemas.microsoft.com/office/drawing/2014/main" id="{A2C31486-E007-5CC6-B0E7-12AEF7762262}"/>
-              </a:ext>
-            </a:extLst>
-          </p:cNvPr>
-          <p:cNvSpPr/>
-          <p:nvPr/>
-        </p:nvSpPr>
-        <p:spPr>
-          <a:xfrm>
-            <a:off x="2140525" y="4153155"/>
-            <a:ext cx="2553310" cy="467314"/>
-          </a:xfrm>
-          <a:prstGeom prst="rect">
-            <a:avLst/>
-          </a:prstGeom>
-          <a:solidFill>
-            <a:schemeClr val="tx2"/>
-          </a:solidFill>
-          <a:ln>
-            <a:noFill/>
-          </a:ln>
-        </p:spPr>
-        <p:style>
-          <a:lnRef idx="2">
-            <a:schemeClr val="accent1">
-              <a:shade val="15000"/>
-            </a:schemeClr>
-          </a:lnRef>
-          <a:fillRef idx="1">
-            <a:schemeClr val="accent1"/>
-          </a:fillRef>
-          <a:effectRef idx="0">
-            <a:schemeClr val="accent1"/>
-          </a:effectRef>
-          <a:fontRef idx="minor">
-            <a:schemeClr val="lt1"/>
-          </a:fontRef>
-        </p:style>
-        <p:txBody>
-          <a:bodyPr rtlCol="0" anchor="ctr"/>
-          <a:lstStyle/>
-          <a:p>
-            <a:pPr algn="ctr"/>
-            <a:endParaRPr lang="ko-KR" altLang="en-US"/>
-          </a:p>
-        </p:txBody>
-      </p:sp>
-      <p:sp>
-        <p:nvSpPr>
-          <p:cNvPr id="12" name="직사각형 11">
-            <a:extLst>
-              <a:ext uri="{FF2B5EF4-FFF2-40B4-BE49-F238E27FC236}">
-                <a16:creationId xmlns:a16="http://schemas.microsoft.com/office/drawing/2014/main" id="{272D854D-9F0C-11A1-A71D-218C2E5EDF32}"/>
-              </a:ext>
-            </a:extLst>
-          </p:cNvPr>
-          <p:cNvSpPr/>
-          <p:nvPr/>
-        </p:nvSpPr>
-        <p:spPr>
-          <a:xfrm>
-            <a:off x="4966163" y="3383662"/>
-            <a:ext cx="154713" cy="783767"/>
-          </a:xfrm>
-          <a:prstGeom prst="rect">
-            <a:avLst/>
-          </a:prstGeom>
-          <a:solidFill>
-            <a:schemeClr val="accent2">
-              <a:lumMod val="60000"/>
-              <a:lumOff val="40000"/>
-            </a:schemeClr>
-          </a:solidFill>
-          <a:ln>
-            <a:noFill/>
-          </a:ln>
-        </p:spPr>
-        <p:style>
-          <a:lnRef idx="2">
-            <a:schemeClr val="accent1">
-              <a:shade val="15000"/>
-            </a:schemeClr>
-          </a:lnRef>
-          <a:fillRef idx="1">
-            <a:schemeClr val="accent1"/>
-          </a:fillRef>
-          <a:effectRef idx="0">
-            <a:schemeClr val="accent1"/>
-          </a:effectRef>
-          <a:fontRef idx="minor">
-            <a:schemeClr val="lt1"/>
-          </a:fontRef>
-        </p:style>
-        <p:txBody>
-          <a:bodyPr rtlCol="0" anchor="ctr"/>
-          <a:lstStyle/>
-          <a:p>
-            <a:pPr algn="ctr"/>
-            <a:endParaRPr lang="ko-KR" altLang="en-US" dirty="0"/>
-          </a:p>
-        </p:txBody>
-      </p:sp>
-      <p:sp>
-        <p:nvSpPr>
-          <p:cNvPr id="14" name="직사각형 13">
-            <a:extLst>
-              <a:ext uri="{FF2B5EF4-FFF2-40B4-BE49-F238E27FC236}">
-                <a16:creationId xmlns:a16="http://schemas.microsoft.com/office/drawing/2014/main" id="{F934C22E-49E5-2F0C-E0C7-D4206D5E988A}"/>
-              </a:ext>
-            </a:extLst>
-          </p:cNvPr>
-          <p:cNvSpPr/>
-          <p:nvPr/>
-        </p:nvSpPr>
-        <p:spPr>
-          <a:xfrm>
-            <a:off x="4788515" y="3834288"/>
-            <a:ext cx="510010" cy="783767"/>
-          </a:xfrm>
-          <a:prstGeom prst="rect">
-            <a:avLst/>
-          </a:prstGeom>
-          <a:solidFill>
-            <a:schemeClr val="accent5">
-              <a:lumMod val="75000"/>
-            </a:schemeClr>
-          </a:solidFill>
-          <a:ln>
-            <a:noFill/>
-          </a:ln>
-        </p:spPr>
-        <p:style>
-          <a:lnRef idx="2">
-            <a:schemeClr val="accent1">
-              <a:shade val="15000"/>
-            </a:schemeClr>
-          </a:lnRef>
-          <a:fillRef idx="1">
-            <a:schemeClr val="accent1"/>
-          </a:fillRef>
-          <a:effectRef idx="0">
-            <a:schemeClr val="accent1"/>
-          </a:effectRef>
-          <a:fontRef idx="minor">
-            <a:schemeClr val="lt1"/>
-          </a:fontRef>
-        </p:style>
-        <p:txBody>
-          <a:bodyPr rtlCol="0" anchor="ctr"/>
-          <a:lstStyle/>
-          <a:p>
-            <a:pPr algn="ctr"/>
-            <a:endParaRPr lang="ko-KR" altLang="en-US" dirty="0"/>
-          </a:p>
-        </p:txBody>
-      </p:sp>
-      <p:sp>
-        <p:nvSpPr>
-          <p:cNvPr id="15" name="직사각형 14">
-            <a:extLst>
-              <a:ext uri="{FF2B5EF4-FFF2-40B4-BE49-F238E27FC236}">
-                <a16:creationId xmlns:a16="http://schemas.microsoft.com/office/drawing/2014/main" id="{00096787-C32D-EE6F-9A58-B3E1DE419A55}"/>
-              </a:ext>
-            </a:extLst>
-          </p:cNvPr>
-          <p:cNvSpPr/>
-          <p:nvPr/>
-        </p:nvSpPr>
-        <p:spPr>
-          <a:xfrm>
-            <a:off x="4788515" y="3232531"/>
-            <a:ext cx="510010" cy="149167"/>
-          </a:xfrm>
-          <a:prstGeom prst="rect">
-            <a:avLst/>
-          </a:prstGeom>
-          <a:solidFill>
-            <a:schemeClr val="accent2">
-              <a:lumMod val="60000"/>
-              <a:lumOff val="40000"/>
-            </a:schemeClr>
-          </a:solidFill>
-          <a:ln>
-            <a:noFill/>
-          </a:ln>
-        </p:spPr>
-        <p:style>
-          <a:lnRef idx="2">
-            <a:schemeClr val="accent1">
-              <a:shade val="15000"/>
-            </a:schemeClr>
-          </a:lnRef>
-          <a:fillRef idx="1">
-            <a:schemeClr val="accent1"/>
-          </a:fillRef>
-          <a:effectRef idx="0">
-            <a:schemeClr val="accent1"/>
-          </a:effectRef>
-          <a:fontRef idx="minor">
-            <a:schemeClr val="lt1"/>
-          </a:fontRef>
-        </p:style>
-        <p:txBody>
-          <a:bodyPr rtlCol="0" anchor="ctr"/>
-          <a:lstStyle/>
-          <a:p>
-            <a:pPr algn="ctr"/>
-            <a:endParaRPr lang="ko-KR" altLang="en-US" dirty="0"/>
-          </a:p>
-        </p:txBody>
-      </p:sp>
-      <p:cxnSp>
-        <p:nvCxnSpPr>
-          <p:cNvPr id="18" name="직선 화살표 연결선 17">
-            <a:extLst>
-              <a:ext uri="{FF2B5EF4-FFF2-40B4-BE49-F238E27FC236}">
-                <a16:creationId xmlns:a16="http://schemas.microsoft.com/office/drawing/2014/main" id="{6781303A-B359-7529-3A08-F70662DADD26}"/>
-              </a:ext>
-            </a:extLst>
-          </p:cNvPr>
-          <p:cNvCxnSpPr>
-            <a:cxnSpLocks/>
-          </p:cNvCxnSpPr>
-          <p:nvPr/>
-        </p:nvCxnSpPr>
-        <p:spPr>
-          <a:xfrm>
-            <a:off x="5589511" y="3477244"/>
-            <a:ext cx="0" cy="357044"/>
-          </a:xfrm>
-          <a:prstGeom prst="straightConnector1">
-            <a:avLst/>
-          </a:prstGeom>
-          <a:ln w="28575">
-            <a:solidFill>
-              <a:schemeClr val="bg1"/>
-            </a:solidFill>
-            <a:tailEnd type="triangle"/>
-          </a:ln>
-        </p:spPr>
-        <p:style>
-          <a:lnRef idx="1">
-            <a:schemeClr val="accent1"/>
-          </a:lnRef>
-          <a:fillRef idx="0">
-            <a:schemeClr val="accent1"/>
-          </a:fillRef>
-          <a:effectRef idx="0">
-            <a:schemeClr val="accent1"/>
-          </a:effectRef>
-          <a:fontRef idx="minor">
-            <a:schemeClr val="tx1"/>
-          </a:fontRef>
-        </p:style>
-      </p:cxnSp>
-      <p:cxnSp>
-        <p:nvCxnSpPr>
-          <p:cNvPr id="19" name="직선 화살표 연결선 18">
-            <a:extLst>
-              <a:ext uri="{FF2B5EF4-FFF2-40B4-BE49-F238E27FC236}">
-                <a16:creationId xmlns:a16="http://schemas.microsoft.com/office/drawing/2014/main" id="{34402E32-EF1E-589D-29A8-1A4818B7D80B}"/>
-              </a:ext>
-            </a:extLst>
-          </p:cNvPr>
-          <p:cNvCxnSpPr>
-            <a:cxnSpLocks/>
-          </p:cNvCxnSpPr>
-          <p:nvPr/>
-        </p:nvCxnSpPr>
-        <p:spPr>
-          <a:xfrm flipV="1">
-            <a:off x="5589511" y="3063161"/>
-            <a:ext cx="0" cy="318537"/>
-          </a:xfrm>
-          <a:prstGeom prst="straightConnector1">
-            <a:avLst/>
-          </a:prstGeom>
-          <a:ln w="28575">
-            <a:solidFill>
-              <a:schemeClr val="bg1"/>
-            </a:solidFill>
-            <a:tailEnd type="triangle"/>
-          </a:ln>
-        </p:spPr>
-        <p:style>
-          <a:lnRef idx="1">
-            <a:schemeClr val="accent1"/>
-          </a:lnRef>
-          <a:fillRef idx="0">
-            <a:schemeClr val="accent1"/>
-          </a:fillRef>
-          <a:effectRef idx="0">
-            <a:schemeClr val="accent1"/>
-          </a:effectRef>
-          <a:fontRef idx="minor">
-            <a:schemeClr val="tx1"/>
-          </a:fontRef>
-        </p:style>
-      </p:cxnSp>
-    </p:spTree>
-    <p:extLst>
-      <p:ext uri="{BB962C8B-B14F-4D97-AF65-F5344CB8AC3E}">
-        <p14:creationId xmlns:p14="http://schemas.microsoft.com/office/powerpoint/2010/main" val="3509325709"/>
+        <p14:creationId xmlns:p14="http://schemas.microsoft.com/office/powerpoint/2010/main" val="2181300688"/>
       </p:ext>
     </p:extLst>
   </p:cSld>
